--- a/images/inference/power-diagram.pptx
+++ b/images/inference/power-diagram.pptx
@@ -6,6 +6,7 @@
   </p:sldMasterIdLst>
   <p:sldIdLst>
     <p:sldId id="256" r:id="rId2"/>
+    <p:sldId id="257" r:id="rId3"/>
   </p:sldIdLst>
   <p:sldSz cx="12192000" cy="6858000"/>
   <p:notesSz cx="6858000" cy="9144000"/>
@@ -134,6 +135,61 @@
 </inkml:ink>
 </file>
 
+<file path=ppt/ink/ink10.xml><?xml version="1.0" encoding="utf-8"?>
+<inkml:ink xmlns:inkml="http://www.w3.org/2003/InkML">
+  <inkml:definitions>
+    <inkml:context xml:id="ctx0">
+      <inkml:inkSource xml:id="inkSrc0">
+        <inkml:traceFormat>
+          <inkml:channel name="X" type="integer" min="-2.14748E9" max="2.14748E9" units="cm"/>
+          <inkml:channel name="Y" type="integer" min="-2.14748E9" max="2.14748E9" units="cm"/>
+          <inkml:channel name="F" type="integer" max="32767" units="dev"/>
+        </inkml:traceFormat>
+        <inkml:channelProperties>
+          <inkml:channelProperty channel="X" name="resolution" value="1000" units="1/cm"/>
+          <inkml:channelProperty channel="Y" name="resolution" value="1000" units="1/cm"/>
+          <inkml:channelProperty channel="F" name="resolution" value="0" units="1/dev"/>
+        </inkml:channelProperties>
+      </inkml:inkSource>
+      <inkml:timestamp xml:id="ts0" timeString="2022-06-20T17:58:44.187"/>
+    </inkml:context>
+    <inkml:brush xml:id="br0">
+      <inkml:brushProperty name="width" value="0.1" units="cm"/>
+      <inkml:brushProperty name="height" value="0.1" units="cm"/>
+    </inkml:brush>
+  </inkml:definitions>
+  <inkml:trace contextRef="#ctx0" brushRef="#br0">1 245 24575,'34'0'0,"-2"0"0,19 0 0,-10 0 0,17-5 0,-3-1 0,6-5 0,5 0 0,-18 1 0,10-1 0,-18 1 0,5 0 0,-11 1 0,4-1 0,-10 1 0,9-5 0,-3 8 0,5-7 0,0 7 0,0-3 0,0-1 0,-6 5 0,5-4 0,-10 8 0,10-3 0,-10 0 0,4 3 0,0-8 0,-4 4 0,10 0 0,-10-3 0,10 3 0,-10 0 0,4-4 0,-5 8 0,0-3 0,0 4 0,0 0 0,0 0 0,-1 0 0,1 0 0,0 0 0,0 0 0,0 0 0,0 0 0,7 0 0,-10 0 0,9 0 0,-11 0 0,5 0 0,-1 0 0,1 0 0,0 0 0,5 0 0,-3 0 0,8 0 0,-9 0 0,10 0 0,-10 0 0,4 0 0,1 0 0,0 0 0,6 0 0,0 0 0,0 0 0,0 0 0,0 0 0,6 0 0,-5 0 0,12 0 0,-6 0 0,7 0 0,-7 0 0,-1 0 0,-6 0 0,0 0 0,0 0 0,-5 0 0,3 0 0,-8 0 0,8 0 0,-3 0 0,5 0 0,0 0 0,0 0 0,0 0 0,0 0 0,-6 0 0,5 0 0,-10 4 0,9-3 0,-8 3 0,8-4 0,-3 0 0,5 0 0,0 0 0,0 5 0,6-4 0,1 8 0,1-8 0,-2 3 0,-6 1 0,0 0 0,-6 1 0,0 2 0,-7-3 0,1 4 0,0-4 0,0 3 0,0-3 0,0 0 0,0 3 0,5-7 0,-4 3 0,4-4 0,0 0 0,-4 4 0,10-3 0,-10 3 0,4-4 0,-10 0 0,4 0 0,-4 0 0,5 0 0,0 0 0,-1 0 0,-3 0 0,10 0 0,-14 0 0,5 0 0,-13 0 0,-3 0 0,-1 0 0,1 0 0,-1 0 0,4 0 0,1 0 0,4 0 0,1 0 0,4 0 0,1 0 0,0 0 0,-1 0 0,-5 0 0,1 0 0,-5 0 0,8 0 0,-6 0 0,11 0 0,-7 0 0,19 0 0,-7-5 0,21 4 0,10-9 0,-11 9 0,23-9 0,-25 4 0,11 0 0,-12-3 0,-2 8 0,-16-7 0,-3 7 0,-10-3 0,-3 1 0,-2 2 0,-4-2 0,-3 0 0,2 2 0,-2-5 0,3 5 0,0-5 0,5 5 0,-4-6 0,7 7 0,-6-4 0,2 4 0,-3-3 0,8 2 0,-7-2 0,10 3 0,-6 0 0,12 0 0,-6 0 0,12 0 0,-13 0 0,8 0 0,-9 0 0,4 0 0,-9 0 0,4 0 0,-8 0 0,3 0 0,-3 0 0,-1 0 0,4 0 0,2 0 0,8 0 0,-4 0 0,4 0 0,-5 0 0,1 0 0,-5 0 0,-1 0 0,-3 0 0,-1 0 0,1 0 0,-1 0 0,0 0 0,0 0 0,1 0 0,-1 0 0,0 0 0,0 0 0,0 0 0,-1 0 0,1 0 0,0 0 0,-3-7 0,-1 5 0,-3-5 0</inkml:trace>
+</inkml:ink>
+</file>
+
+<file path=ppt/ink/ink11.xml><?xml version="1.0" encoding="utf-8"?>
+<inkml:ink xmlns:inkml="http://www.w3.org/2003/InkML">
+  <inkml:definitions>
+    <inkml:context xml:id="ctx0">
+      <inkml:inkSource xml:id="inkSrc0">
+        <inkml:traceFormat>
+          <inkml:channel name="X" type="integer" min="-2.14748E9" max="2.14748E9" units="cm"/>
+          <inkml:channel name="Y" type="integer" min="-2.14748E9" max="2.14748E9" units="cm"/>
+          <inkml:channel name="F" type="integer" max="32767" units="dev"/>
+        </inkml:traceFormat>
+        <inkml:channelProperties>
+          <inkml:channelProperty channel="X" name="resolution" value="1000" units="1/cm"/>
+          <inkml:channelProperty channel="Y" name="resolution" value="1000" units="1/cm"/>
+          <inkml:channelProperty channel="F" name="resolution" value="0" units="1/dev"/>
+        </inkml:channelProperties>
+      </inkml:inkSource>
+      <inkml:timestamp xml:id="ts0" timeString="2022-06-20T18:06:28.321"/>
+    </inkml:context>
+    <inkml:brush xml:id="br0">
+      <inkml:brushProperty name="width" value="0.1" units="cm"/>
+      <inkml:brushProperty name="height" value="0.1" units="cm"/>
+      <inkml:brushProperty name="color" value="#E71224"/>
+    </inkml:brush>
+  </inkml:definitions>
+  <inkml:trace contextRef="#ctx0" brushRef="#br0">0 1519 24575,'0'-24'0,"5"0"0,-4 4 0,8 1 0,-8-1 0,3 0 0,-4 0 0,4 5 0,-3 1 0,3-6 0,-4 5 0,0-16 0,0 5 0,14-22 0,-5 5 0,15-1 0,-11 6 0,7 4 0,-8 0 0,10-5 0,-10 12 0,3-5 0,-4 5 0,4 0 0,-3-4 0,2 4 0,1 0 0,-3-4 0,3 4 0,0 0 0,-3-4 0,7 9 0,-7-9 0,2 10 0,1-5 0,-4 1 0,9-2 0,-8 0 0,8-5 0,-2-1 0,10-3 0,-4-4 0,10 5 0,-11 2 0,5-1 0,-6 1 0,-1 6 0,0 2 0,-6 5 0,-1 5 0,-4 1 0,-5 5 0,3 4 0,-7-3 0,-1 7 0,-5-3 0,-3 4 0,-6 5 0,4 0 0,-8 0 0,7 3 0,-13-2 0,7 3 0,-8 2 0,-1-6 0,-1 5 0,-5-4 0,5 4 0,1 1 0,0-6 0,5 4 0,0-8 0,7 7 0,5-7 0,0 3 0,1-4 0,3 4 0,21-11 0,-2 4 0,17-10 0,-11-2 0,5 4 0,-3-4 0,3 1 0,1 2 0,1-8 0,0 9 0,4-10 0,-9 10 0,3-4 0,-10 5 0,-1 5 0,-5-3 0,0 7 0,0-3 0,-4 7 0,-1 2 0,5 4 0,-3 0 0,13 6 0,-9 0 0,10 10 0,-5-3 0,7 9 0,-6-4 0,6 12 0,-10-5 0,4 0 0,-5-3 0,-1-9 0,0-2 0,-5-6 0,-1-5 0,-4 0 0,0 0 0,4 0 0,-3-1 0,3-3 0,-4-1 0</inkml:trace>
+</inkml:ink>
+</file>
+
 <file path=ppt/ink/ink2.xml><?xml version="1.0" encoding="utf-8"?>
 <inkml:ink xmlns:inkml="http://www.w3.org/2003/InkML">
   <inkml:definitions>
@@ -239,6 +295,114 @@
     </inkml:brush>
   </inkml:definitions>
   <inkml:trace contextRef="#ctx0" brushRef="#br0">1 245 24575,'34'0'0,"-2"0"0,19 0 0,-10 0 0,17-5 0,-3-1 0,6-5 0,5 0 0,-18 1 0,10-1 0,-18 1 0,5 0 0,-11 1 0,4-1 0,-10 1 0,9-5 0,-3 8 0,5-7 0,0 7 0,0-3 0,0-1 0,-6 5 0,5-4 0,-10 8 0,10-3 0,-10 0 0,4 3 0,0-8 0,-4 4 0,10 0 0,-10-3 0,10 3 0,-10 0 0,4-4 0,-5 8 0,0-3 0,0 4 0,0 0 0,0 0 0,-1 0 0,1 0 0,0 0 0,0 0 0,0 0 0,0 0 0,7 0 0,-10 0 0,9 0 0,-11 0 0,5 0 0,-1 0 0,1 0 0,0 0 0,5 0 0,-3 0 0,8 0 0,-9 0 0,10 0 0,-10 0 0,4 0 0,1 0 0,0 0 0,6 0 0,0 0 0,0 0 0,0 0 0,0 0 0,6 0 0,-5 0 0,12 0 0,-6 0 0,7 0 0,-7 0 0,-1 0 0,-6 0 0,0 0 0,0 0 0,-5 0 0,3 0 0,-8 0 0,8 0 0,-3 0 0,5 0 0,0 0 0,0 0 0,0 0 0,0 0 0,-6 0 0,5 0 0,-10 4 0,9-3 0,-8 3 0,8-4 0,-3 0 0,5 0 0,0 0 0,0 5 0,6-4 0,1 8 0,1-8 0,-2 3 0,-6 1 0,0 0 0,-6 1 0,0 2 0,-7-3 0,1 4 0,0-4 0,0 3 0,0-3 0,0 0 0,0 3 0,5-7 0,-4 3 0,4-4 0,0 0 0,-4 4 0,10-3 0,-10 3 0,4-4 0,-10 0 0,4 0 0,-4 0 0,5 0 0,0 0 0,-1 0 0,-3 0 0,10 0 0,-14 0 0,5 0 0,-13 0 0,-3 0 0,-1 0 0,1 0 0,-1 0 0,4 0 0,1 0 0,4 0 0,1 0 0,4 0 0,1 0 0,0 0 0,-1 0 0,-5 0 0,1 0 0,-5 0 0,8 0 0,-6 0 0,11 0 0,-7 0 0,19 0 0,-7-5 0,21 4 0,10-9 0,-11 9 0,23-9 0,-25 4 0,11 0 0,-12-3 0,-2 8 0,-16-7 0,-3 7 0,-10-3 0,-3 1 0,-2 2 0,-4-2 0,-3 0 0,2 2 0,-2-5 0,3 5 0,0-5 0,5 5 0,-4-6 0,7 7 0,-6-4 0,2 4 0,-3-3 0,8 2 0,-7-2 0,10 3 0,-6 0 0,12 0 0,-6 0 0,12 0 0,-13 0 0,8 0 0,-9 0 0,4 0 0,-9 0 0,4 0 0,-8 0 0,3 0 0,-3 0 0,-1 0 0,4 0 0,2 0 0,8 0 0,-4 0 0,4 0 0,-5 0 0,1 0 0,-5 0 0,-1 0 0,-3 0 0,-1 0 0,1 0 0,-1 0 0,0 0 0,0 0 0,1 0 0,-1 0 0,0 0 0,0 0 0,0 0 0,-1 0 0,1 0 0,0 0 0,-3-7 0,-1 5 0,-3-5 0</inkml:trace>
+</inkml:ink>
+</file>
+
+<file path=ppt/ink/ink6.xml><?xml version="1.0" encoding="utf-8"?>
+<inkml:ink xmlns:inkml="http://www.w3.org/2003/InkML">
+  <inkml:definitions>
+    <inkml:context xml:id="ctx0">
+      <inkml:inkSource xml:id="inkSrc0">
+        <inkml:traceFormat>
+          <inkml:channel name="X" type="integer" min="-2.14748E9" max="2.14748E9" units="cm"/>
+          <inkml:channel name="Y" type="integer" min="-2.14748E9" max="2.14748E9" units="cm"/>
+          <inkml:channel name="F" type="integer" max="32767" units="dev"/>
+        </inkml:traceFormat>
+        <inkml:channelProperties>
+          <inkml:channelProperty channel="X" name="resolution" value="1000" units="1/cm"/>
+          <inkml:channelProperty channel="Y" name="resolution" value="1000" units="1/cm"/>
+          <inkml:channelProperty channel="F" name="resolution" value="0" units="1/dev"/>
+        </inkml:channelProperties>
+      </inkml:inkSource>
+      <inkml:timestamp xml:id="ts0" timeString="2022-06-20T17:57:58.743"/>
+    </inkml:context>
+    <inkml:brush xml:id="br0">
+      <inkml:brushProperty name="width" value="0.1" units="cm"/>
+      <inkml:brushProperty name="height" value="0.1" units="cm"/>
+    </inkml:brush>
+  </inkml:definitions>
+  <inkml:trace contextRef="#ctx0" brushRef="#br0">0 1 24575,'0'15'0,"0"4"0,0 3 0,0 0 0,5 9 0,-4-7 0,7 8 0,-3 12 0,0-12 0,0 12 0,-5-18 0,4 1 0,-3 0 0,7 0 0,-3 0 0,0 0 0,3 0 0,-3 5 0,4 1 0,1 6 0,0 6 0,0-4 0,-4 10 0,-2-5 0,-4 1 0,0 4 0,0-10 0,0 21 0,0-19 0,0 14 0,0-12 0,0-5 0,5 11 0,-4 10 0,4-11 0,-5 22 0,0-23 0,0 42 0,0-37 0,0 43 0,0-41 0,0 20 0,0-8 0,5 0 0,-4-7 0,4 5 0,-5-12 0,0 6 0,0-7 0,0 29 0,0-21 0,0 22 0,0-31 0,0 1 0,0 0 0,0-1 0,0 1 0,0 6 0,0-4 0,0 4 0,0 0 0,0-5 0,5 13 0,-4-13 0,4-1 0,-5-2 0,0-10 0,0 4 0,0-6 0,0-5 0,0 3 0,0-9 0,0 0 0,0-2 0,0-4 0,0 0 0,0 4 0,0-4 0,0 5 0,0-1 0,-4 1 0,3 0 0,-7 5 0,3-4 0,0 10 0,-3-10 0,7 10 0,-3-10 0,4 4 0,0-5 0,0 0 0,0 5 0,0-4 0,0 16 0,0-9 0,0 10 0,0-6 0,0 0 0,0-5 0,0-7 0,0-6 0,0-5 0,0-3 0,0-2 0,0-4 0,0 1 0,-4 15 0,3-3 0,-6 14 0,6-2 0,-3 2 0,0 0 0,3 3 0,-3-3 0,4-1 0,0 5 0,0-10 0,0 4 0,0-5 0,0 0 0,0 5 0,-4-4 0,3 4 0,-3 1 0,0-5 0,3 4 0,-3-6 0,0-3 0,3 2 0,-2-11 0,3 9 0,0-14 0,0 6 0,0-8 0,0 0 0,0 1 0,0-1 0,0 4 0,0 2 0,0 3 0,0 5 0,0-7 0,0 6 0,0-12 0,0 3 0,0-3 0,0-1 0,-4 0 0,4 1 0,-4-1 0,4 0 0,0 1 0,-3 2 0,2-1 0,-2 1 0,3-3 0,0 0 0,0 0 0,0 0 0,0 5 0,0 0 0,0 0 0,0 3 0,0-6 0,0 2 0,0-3 0,0-1 0,0 0 0,0 0 0,0 1 0,0 3 0,0 11 0,0 2 0,0 8 0,0-6 0,0 1 0,0-5 0,0-1 0,0-4 0,0-5 0,0-1 0,0-3 0,0-1 0,0 4 0,0 11 0,0 2 0,0 13 0,-4-4 0,11-11 0,8-5 0,15-17 0,9 0 0,0 0 0,0 0 0,0 0 0,0 0 0,6 0 0,1 0 0,7 0 0,-1 0 0,-6 0 0,5 0 0,-11 0 0,5 4 0,-6-2 0,0 6 0,0-7 0,-6 7 0,5-7 0,1 8 0,2-8 0,4 8 0,-6-8 0,0 8 0,0-8 0,-1 3 0,8-4 0,-6 0 0,11 0 0,-4 0 0,5 0 0,1 0 0,7 0 0,-6 0 0,5 0 0,-6 0 0,-1 0 0,-6 0 0,5-4 0,-10 2 0,-1-2 0,-8 4 0,0-5 0,-4 4 0,4-7 0,1 7 0,0-3 0,6 4 0,0-4 0,0 3 0,6-4 0,-4 1 0,4 3 0,0-8 0,1 8 0,1-4 0,4 5 0,-5-5 0,30 4 0,-17-3 0,17 4 0,-30 0 0,-2 0 0,-5 0 0,0 0 0,0 0 0,-6 0 0,5 0 0,-10 0 0,9 0 0,-8 0 0,8 0 0,-3 0 0,10 0 0,9 0 0,8 0 0,-6 0 0,17 0 0,-15 0 0,26 0 0,-20 0 0,11 0 0,-23 0 0,0 0 0,25 0 0,-21 0 0,-1 0 0,5 0 0,1 0 0,-14 0 0,5 0 0,-16 0 0,9 0 0,-11 0 0,1 0 0,-2 0 0,-5 0 0,-1 0 0,1 0 0,0 0 0,0 0 0,0 0 0,0 0 0,0 0 0,-5 3 0,3 2 0,-3 4 0,1-4 0,9 6 0,-8-9 0,11 6 0,-9-4 0,1-3 0,0 6 0,5-6 0,-4 3 0,10 1 0,-10-4 0,4 3 0,-5 0 0,0-3 0,-5 3 0,4-4 0,-9 0 0,4 0 0,-9 0 0,4 0 0,-4 0 0,4 0 0,1 0 0,-1 0 0,-4 0 0,4 0 0,-4 0 0,4 0 0,-3 0 0,2 0 0,-7 0 0,0 3 0,4-2 0,2-2 0,10 1 0,3-8 0,5 2 0,8-4 0,0-3 0,11 1 0,-5-2 0,13-2 0,-5 4 0,5-4 0,-13 6 0,-1 0 0,-6 0 0,0 1 0,-5 3 0,3-2 0,-9 7 0,9-8 0,-3 4 0,5-1 0,6 2 0,-5 0 0,5 3 0,0-4 0,-10 5 0,9 0 0,-16 0 0,10 0 0,-10 0 0,4 0 0,-5 0 0,-5 0 0,3-4 0,-2 3 0,3-3 0,1 0 0,0 3 0,-1-7 0,1 7 0,0-2 0,5-2 0,-4 4 0,9-3 0,-4 0 0,12 3 0,8-9 0,-5 9 0,24-9 0,-27 8 0,27-3 0,-18 0 0,7 4 0,29-4 0,-23 5 0,17 0 0,-2 0 0,-30 0 0,45 0 0,-38 0 0,24 0 0,-7 0 0,-19 0 0,14 5 0,-16 1 0,12 0 0,1 4 0,-7-9 0,-8 4 0,-2 0 0,-11-4 0,5 4 0,-6-5 0,6 0 0,-5 0 0,11 0 0,-10 0 0,33 0 0,-21 0 0,17 0 0,-19 5 0,-11-4 0,5 8 0,-6-8 0,0 8 0,0-8 0,0 3 0,0-4 0,0 0 0,6 0 0,1 0 0,7 0 0,-1 0 0,1 0 0,0 0 0,6 0 0,-5 0 0,6 0 0,-7 0 0,22-5 0,-16-1 0,17-4 0,-30 4 0,5-3 0,-10 7 0,4-7 0,-11 8 0,3-3 0,-9 0 0,9-1 0,-8 0 0,3-4 0,0 8 0,-8-6 0,7 6 0,-14-6 0,9 6 0,-9-3 0,4 4 0,-4 0 0,-1 0 0,0 0 0,1 0 0,6 0 0,0 0 0,1 0 0,-3 0 0,0 0 0,-3 0 0,3 0 0,-5 0 0,5 0 0,-4 0 0,4 0 0,-4 0 0,-1 0 0,0-4 0,5 4 0,2-4 0,3 0 0,7 3 0,-5-7 0,9 7 0,-3-3 0,5 0 0,0 3 0,-6-4 0,11 5 0,-14 0 0,9 0 0,-17 0 0,-1 0 0,-5 0 0,0 0 0,1 0 0,-1 0 0,-4 0 0,0 0 0,-1 0 0,-3-3 0,4 2 0,-5-2 0,-3 6 0,2-2 0,2 2 0,4-3 0,1 0 0,2 0 0,-3 0 0,1 0 0,2 0 0,8 0 0,-9 0 0,16 0 0,-20 0 0,10 0 0,-12 0 0,4 0 0,-5 0 0,0 0 0,1 0 0,-1 0 0,0 0 0,4 0 0,-2 0 0,2 0 0,-4 0 0,1 0 0,-1 0 0,0 0 0,1 0 0,-1 0 0,0 0 0,0 0 0,0 0 0,0 0 0,0 0 0,0 0 0,0 0 0,0 0 0,0 0 0,0 0 0,0 0 0,-3 0 0,-1 0 0</inkml:trace>
+</inkml:ink>
+</file>
+
+<file path=ppt/ink/ink7.xml><?xml version="1.0" encoding="utf-8"?>
+<inkml:ink xmlns:inkml="http://www.w3.org/2003/InkML">
+  <inkml:definitions>
+    <inkml:context xml:id="ctx0">
+      <inkml:inkSource xml:id="inkSrc0">
+        <inkml:traceFormat>
+          <inkml:channel name="X" type="integer" min="-2.14748E9" max="2.14748E9" units="cm"/>
+          <inkml:channel name="Y" type="integer" min="-2.14748E9" max="2.14748E9" units="cm"/>
+          <inkml:channel name="F" type="integer" max="32767" units="dev"/>
+        </inkml:traceFormat>
+        <inkml:channelProperties>
+          <inkml:channelProperty channel="X" name="resolution" value="1000" units="1/cm"/>
+          <inkml:channelProperty channel="Y" name="resolution" value="1000" units="1/cm"/>
+          <inkml:channelProperty channel="F" name="resolution" value="0" units="1/dev"/>
+        </inkml:channelProperties>
+      </inkml:inkSource>
+      <inkml:timestamp xml:id="ts0" timeString="2022-06-20T17:58:22.916"/>
+    </inkml:context>
+    <inkml:brush xml:id="br0">
+      <inkml:brushProperty name="width" value="0.1" units="cm"/>
+      <inkml:brushProperty name="height" value="0.1" units="cm"/>
+    </inkml:brush>
+  </inkml:definitions>
+  <inkml:trace contextRef="#ctx0" brushRef="#br0">0 188 24575,'29'0'0,"21"0"0,-6-4 0,53-3 0,-28-4 0,-19 4 0,2 1 0,33-1 0,8-4-1140,-6 10 1140,6-5 0,-23 6 0,28 0 0,-24 0 0,-23 0 0,0 0 0,34 0 0,8 0 0,-6 0 0,-9 0 373,-4 0-373,-13 0 189,7 0-189,-13 0 0,3 0 0,-17 4 578,4-3-578,-6 4 0,0-5 0,0 0 0,-6 0 0,5 0 0,-5 0 0,1 0 0,3 0 0,-3 0 0,5 4 0,0-3 0,0 3 0,0-4 0,0 0 0,0 0 0,6 0 0,-5 0 0,5 0 0,0 0 0,-4 0 0,4 0 0,-12 4 0,5-3 0,-10 7 0,4-3 0,-10 4 0,4 0 0,-9-1 0,9-3 0,-8 2 0,6-3 0,-11 1 0,6-2 0,-11-3 0,3 0 0,-3 0 0,-1 0 0,0 0 0,1 0 0,-1 0 0,0 0 0,1 0 0,-1 0 0,3 0 0,6 0 0,5 0 0,6-4 0,-1 3 0,1-7 0,5 3 0,-4 0 0,5-4 0,-1 8 0,-4-6 0,4 6 0,-10-3 0,4 4 0,-9 0 0,4 0 0,0 0 0,-3 0 0,3 0 0,-5 0 0,5 0 0,-3 0 0,3 0 0,-5 0 0,0 0 0,-3 0 0,2 0 0,-7 0 0,8 0 0,-8 0 0,7 0 0,-2 0 0,3 0 0,0 0 0,1 0 0,-1 0 0,0 0 0,0 0 0,1 0 0,-1 0 0,0 0 0,1 0 0,4 0 0,-4 0 0,9 0 0,-4 0 0,10 0 0,-4 0 0,5 0 0,-1 0 0,1 0 0,1 0 0,4 0 0,-5 0 0,6 0 0,0 0 0,17 0 0,-12 0 0,12 0 0,-17 0 0,0 0 0,-6 0 0,5 0 0,-10 0 0,10 0 0,-5 0 0,6 0 0,0 0 0,0 4 0,-5-3 0,-2 3 0,-5-4 0,-1 4 0,-4-3 0,-1 3 0,0-4 0,-3 0 0,3 4 0,-5-3 0,0 2 0,13 1 0,-6-3 0,12 3 0,-9-4 0,-4 3 0,4-2 0,-8 3 0,7-4 0,-7 0 0,3 0 0,0 0 0,1 0 0,5 0 0,0 0 0,-1 0 0,7 0 0,0 0 0,1 0 0,3 0 0,-3 0 0,11 0 0,-10 0 0,9 0 0,-11 0 0,18 0 0,-9 0 0,4 0 0,-14 0 0,-10 0 0,4 0 0,-9 0 0,4 0 0,-4 0 0,-5 0 0,3 0 0,-2 0 0,3 0 0,0 0 0,0 0 0,5 0 0,-3 0 0,8 0 0,-4 0 0,10 0 0,-4 4 0,10 1 0,13 4 0,-8 1 0,13 0 0,-17-5 0,0 4 0,-6-4 0,5 5 0,-4-5 0,-1-1 0,5-4 0,-5 0 0,6 0 0,-5 0 0,4 0 0,-10 0 0,9 0 0,-3 0 0,0 0 0,3 0 0,-9 0 0,10 0 0,-10 0 0,10 0 0,-15 0 0,20 0 0,-18 0 0,10-4 0,-10 3 0,-7-6 0,7 6 0,-7-6 0,3 6 0,0-6 0,-4 6 0,4-3 0,-4 0 0,-1 3 0,-4-3 0,4 4 0,-4-3 0,4 2 0,1-3 0,4 0 0,1 3 0,10-7 0,-4 7 0,10-8 0,-5 8 0,18-8 0,-9 8 0,9-3 0,-12 0 0,0 3 0,0-4 0,0 5 0,0 0 0,-5 0 0,3 0 0,-9 0 0,10 0 0,-10 0 0,10 0 0,-10 0 0,10 0 0,-10 0 0,9 0 0,-8 0 0,8 0 0,-9 0 0,10 0 0,8 0 0,-10 0 0,14 0 0,-22 0 0,4 0 0,0 0 0,2-4 0,5 3 0,0-3 0,-6 4 0,5 0 0,-4-5 0,5 4 0,-6-3 0,5 4 0,-15 0 0,8 0 0,-13 0 0,7 0 0,-7 0 0,3 0 0,0 0 0,-4 0 0,9 0 0,-4 0 0,0-4 0,4 3 0,-4-2 0,5-1 0,0-1 0,0 0 0,-5-3 0,-1 4 0,-5-1 0,0-2 0,1 6 0,-1-6 0,0 6 0,1-3 0,4 0 0,-4 3 0,9-7 0,-9 7 0,9-7 0,-9 4 0,9-1 0,-4-3 0,0 7 0,-1-6 0,-4 6 0,-1-7 0,0 8 0,0-8 0,1 7 0,-1-6 0,0 6 0,1-2 0,4-1 0,-4 3 0,9-7 0,-4 7 0,10-3 0,-4 0 0,10 3 0,-10-7 0,10 7 0,-10-3 0,10 4 0,-10 0 0,4 0 0,-5 0 0,0 0 0,11 0 0,-8 0 0,9 0 0,-12 0 0,-5 0 0,4 0 0,-9 0 0,9 0 0,-9 0 0,9 0 0,-4 0 0,5 0 0,0 0 0,0 0 0,5 0 0,-4 0 0,5 0 0,-7 4 0,1-3 0,-5 6 0,-1-6 0,0 7 0,-3-7 0,7 7 0,-7-7 0,7 3 0,10 4 0,-5-6 0,5 9 0,-14-10 0,-5 3 0,5-4 0,-7 3 0,6-2 0,-8 2 0,1-3 0,-2 0 0,5 0 0,-3 0 0,8 0 0,6 4 0,-9-2 0,13 2 0,-8-4 0,15 4 0,-8 2 0,8-1 0,-11 3 0,12-7 0,-14 3 0,14 0 0,-22-3 0,0 3 0,-2-4 0,-6 0 0,11 0 0,-11 0 0,11 0 0,-7 0 0,3 4 0,5-3 0,-4 2 0,4-3 0,-4 0 0,-1 4 0,-4-3 0,8 6 0,-10-6 0,10 3 0,-8 0 0,1-3 0,-2 3 0,-4-4 0,9 4 0,-6-3 0,10 3 0,-12-1 0,3-2 0,-3 2 0,3-3 0,2 4 0,3 0 0,-4 1 0,4-2 0,-8 0 0,3-2 0,-3 3 0,-1-4 0,0 0 0,0 3 0,1-3 0,-1 4 0,0-4 0,1 3 0,-1-2 0,0 5 0,-3 4 0,-1 12 0,-3 3 0,0 19 0,0-9 0,0 16 0,0-11 0,0 6 0,0-8 0,0 1 0,0 0 0,0-5 0,0 4 0,0-10 0,0 4 0,0-5 0,0 0 0,0-1 0,0 1 0,0-5 0,-4 4 0,3-4 0,-7 5 0,4-5 0,-5 4 0,4 2 0,-3 0 0,7 4 0,-7-5 0,7-5 0,-3 4 0,4-9 0,0 4 0,0-1 0,0-3 0,-3 2 0,2-2 0,-7 4 0,7 1 0,-3 5 0,4-1 0,-4 7 0,3-5 0,-3 4 0,4-5 0,0 0 0,0 0 0,0-5 0,0 4 0,0-9 0,0 9 0,0-4 0,0 5 0,0 0 0,0-1 0,0 7 0,0-5 0,0 9 0,0-8 0,4 15 0,-3-14 0,7 8 0,-4-15 0,5 2 0,0-3 0,-4 5 0,3 0 0,-3 5 0,4 2 0,1 0 0,-5 3 0,3-9 0,-7 10 0,3-10 0,-1 0 0,-2-7 0,3-9 0,-4 3 0,0-6 0,0 2 0,0-4 0,0 1 0,0-1 0,0 4 0,0 1 0,0 9 0,0-3 0,0 13 0,0-7 0,0 13 0,0-9 0,0 10 0,4-10 0,-3 4 0,3-5 0,0 0 0,-3-5 0,3-1 0,0 0 0,-3-4 0,6 4 0,-2-4 0,-1-1 0,0 0 0,0 5 0,1 9 0,0-2 0,3 2 0,-7-5 0,2-2 0,1 3 0,-3 1 0,7 0 0,-7-5 0,3-1 0,0 0 0,-3-3 0,3-1 0,-4-2 0,3-6 0,-2 2 0,2-4 0,-3 1 0,0-1 0,0 0 0,0 5 0,0 0 0,0 12 0,0-6 0,0 5 0,0-6 0,0 4 0,0-4 0,0 4 0,0-5 0,0 5 0,0-3 0,-4 13 0,3-8 0,-8 15 0,8-10 0,-7 10 0,6-5 0,-2 6 0,4-5 0,0 4 0,0-15 0,0 8 0,0-14 0,0 4 0,0-4 0,0 6 0,0 0 0,0 2 0,0 0 0,0-2 0,0 3 0,0 7 0,0-5 0,0-1 0,0-6 0,0-4 0,0-5 0,0-1 0,0-3 0,0 8 0,0-7 0,0 16 0,0-7 0,0 9 0,0 0 0,0 0 0,0-5 0,0 4 0,0-9 0,0 11 0,0-14 0,0 5 0,0-12 0,0 1 0,0-1 0,0 4 0,0 2 0,0 8 0,4-4 0,-3 9 0,6-4 0,-1 10 0,-1-4 0,3 5 0,-3-11 0,-1 4 0,4-4 0,-7 5 0,3-5 0,-4-1 0,0-5 0,0-4 0,0 0 0,0-2 0,0-1 0,0 1 0,0-3 0,0 0 0,0 0 0,0 1 0,0-1 0,0 0 0,0 1 0,0-1 0,0 0 0,0 0 0,0 5 0,0-4 0,0 7 0,0-3 0,0 5 0,0-5 0,0 3 0,0-6 0,0 2 0,0-4 0,0 1 0,0-1 0,0 0 0,0 1 0,0-1 0,0 0 0,0 1 0,0 8 0,0-7 0,0 11 0,0-11 0,0 6 0,0-7 0,0 4 0,0-5 0,0 0 0,0 0 0,0 1 0,0-1 0,0 0 0,0 0 0,0 1 0,0-1 0,0 5 0,0 5 0,0 0 0,0 9 0,0-4 0,0 5 0,0 0 0,0-1 0,0 1 0,0 0 0,0-5 0,0-1 0,0-8 0,0-2 0,0-4 0,0 1 0,0-1 0,0 0 0,0 0 0,4 4 0,-3 2 0,6 3 0,-6 5 0,2-4 0,-3 4 0,0-4 0,0-5 0,4-1 0,-4-3 0,4-1 0,-4 0 0,3-2 0,-5-2 0,-2-3 0,-3 0 0,-3 0 0,3 0 0,0 0 0,0 0 0,0 0 0,0 0 0,0 0 0,0 0 0,-1 0 0,1 0 0,0 0 0,0 0 0,0 0 0,0 0 0,0 0 0,1 0 0,-1 0 0,0 0 0,-1 0 0,1 3 0,-1-2 0,1 2 0,0-3 0,-1 0 0,1 0 0,0 0 0,-1 0 0,1 0 0,0 0 0,-2 0 0,4 3 0,-4 1 0,6 3 0,-1 0 0,-2-3 0,5-1 0,-2-3 0</inkml:trace>
+</inkml:ink>
+</file>
+
+<file path=ppt/ink/ink8.xml><?xml version="1.0" encoding="utf-8"?>
+<inkml:ink xmlns:inkml="http://www.w3.org/2003/InkML">
+  <inkml:definitions>
+    <inkml:context xml:id="ctx0">
+      <inkml:inkSource xml:id="inkSrc0">
+        <inkml:traceFormat>
+          <inkml:channel name="X" type="integer" min="-2.14748E9" max="2.14748E9" units="cm"/>
+          <inkml:channel name="Y" type="integer" min="-2.14748E9" max="2.14748E9" units="cm"/>
+          <inkml:channel name="F" type="integer" max="32767" units="dev"/>
+        </inkml:traceFormat>
+        <inkml:channelProperties>
+          <inkml:channelProperty channel="X" name="resolution" value="1000" units="1/cm"/>
+          <inkml:channelProperty channel="Y" name="resolution" value="1000" units="1/cm"/>
+          <inkml:channelProperty channel="F" name="resolution" value="0" units="1/dev"/>
+        </inkml:channelProperties>
+      </inkml:inkSource>
+      <inkml:timestamp xml:id="ts0" timeString="2022-06-20T17:58:30.583"/>
+    </inkml:context>
+    <inkml:brush xml:id="br0">
+      <inkml:brushProperty name="width" value="0.1" units="cm"/>
+      <inkml:brushProperty name="height" value="0.1" units="cm"/>
+    </inkml:brush>
+  </inkml:definitions>
+  <inkml:trace contextRef="#ctx0" brushRef="#br0">1 0 24575,'0'27'0,"0"-1"0,0 7 0,0 0 0,0 1 0,0 3 0,0-8 0,0 10 0,0 1 0,0 2 0,0 3 0,0-6 0,0-5 0,0 16 0,0-13 0,0 15 0,0 0 0,0-4 0,0 6 0,0-3 0,0-11 0,0 0 0,0-8 0,0-3 0,0-6 0,0-3 0,0-5 0,0-6 0,3 6 0,2-3 0,3 5 0,1 4 0,-5-4 0,0 9 0,0-9 0,-3 9 0,2-9 0,-3 4 0,0-4 0,0-1 0,0 0 0,0 5 0,0-3 0,0 13 0,0-8 0,0 10 0,0-1 0,0 13 0,0-3 0,0 4 0,0-9 0,0-8 0,0 3 0,0 0 0,0-4 0,0 10 0,0-10 0,0 10 0,0-10 0,0 9 0,0-8 0,0 8 0,0-9 0,0 5 0,0-6 0,0-1 0,0 1 0,0 0 0,0 5 0,0-3 0,0 8 0,0 14 0,0-8 0,0 14 0,0-18 0,0-6 0,0 5 0,0-5 0,0 6 0,0-5 0,5 3 0,-4-3 0,7-1 0,-7 5 0,3-10 0,-4 10 0,0-5 0,0 1 0,0 4 0,0-5 0,0 1 0,0 3 0,0-3 0,0 17 0,0-9 0,0 3 0,0-13 0,0-10 0,0 4 0,0-8 0,0-1 0,0-2 0,0-7 0,0 8 0,0-4 0,0 4 0,0 5 0,0 1 0,4 5 0,1 5 0,0-3 0,4 8 0,-4-3 0,1-1 0,2 0 0,-3-7 0,0-3 0,7 14 0,-6-16 0,6 12 0,-4-17 0,-3 0 0,2 5 0,-6-7 0,3 6 0,-4-8 0,0 4 0,0-3 0,0 2 0,0-3 0,0 1 0,0-2 0,0 0 0,0-2 0,0 6 0,0-7 0,0 4 0,0-1 0,0-3 0,0 8 0,0-8 0,0 7 0,0-2 0,0-1 0,0 3 0,0-2 0,0 3 0,0-4 0,0 3 0,0 3 0,0-1 0,0 4 0,0 0 0,0 1 0,0 0 0,0 4 0,0-4 0,0 10 0,0-3 0,0 3 0,0-10 0,0 4 0,0-4 0,0 5 0,0-5 0,0 4 0,0-4 0,0 0 0,4-1 0,-3 0 0,2-4 0,1 4 0,-3 3 0,3-6 0,-1 5 0,-2-2 0,3-3 0,-4 7 0,4-2 0,-3-1 0,3 3 0,-4 3 0,0-4 0,0 12 0,3-17 0,-2 17 0,3-17 0,-4 12 0,0-9 0,4 0 0,-4 4 0,8-8 0,-7 3 0,6-5 0,-2 5 0,-1-4 0,4 4 0,-7-8 0,6 2 0,-6-3 0,3 1 0,-4 2 0,0-7 0,0 8 0,0-8 0,0 7 0,0-6 0,0 6 0,0-7 0,0 8 0,0-4 0,0 0 0,0 3 0,0-6 0,0 2 0,0-3 0,0-1 0,0 0 0,0 0 0,0 0 0,0 0 0,0 0 0,0 0 0,0 1 0,0-1 0,0 0 0,0 0 0,0 0 0,0 0 0,0-1 0,0 1 0,0 0 0,-4 0 0,4 0 0,-4 0 0,4 1 0,0-1 0,-3 0 0,2 1 0,-2-1 0,-3-4 0,4 0 0,-4-3 0</inkml:trace>
+</inkml:ink>
+</file>
+
+<file path=ppt/ink/ink9.xml><?xml version="1.0" encoding="utf-8"?>
+<inkml:ink xmlns:inkml="http://www.w3.org/2003/InkML">
+  <inkml:definitions>
+    <inkml:context xml:id="ctx0">
+      <inkml:inkSource xml:id="inkSrc0">
+        <inkml:traceFormat>
+          <inkml:channel name="X" type="integer" min="-2.14748E9" max="2.14748E9" units="cm"/>
+          <inkml:channel name="Y" type="integer" min="-2.14748E9" max="2.14748E9" units="cm"/>
+          <inkml:channel name="F" type="integer" max="32767" units="dev"/>
+        </inkml:traceFormat>
+        <inkml:channelProperties>
+          <inkml:channelProperty channel="X" name="resolution" value="1000" units="1/cm"/>
+          <inkml:channelProperty channel="Y" name="resolution" value="1000" units="1/cm"/>
+          <inkml:channelProperty channel="F" name="resolution" value="0" units="1/dev"/>
+        </inkml:channelProperties>
+      </inkml:inkSource>
+      <inkml:timestamp xml:id="ts0" timeString="2022-06-20T17:58:40.348"/>
+    </inkml:context>
+    <inkml:brush xml:id="br0">
+      <inkml:brushProperty name="width" value="0.1" units="cm"/>
+      <inkml:brushProperty name="height" value="0.1" units="cm"/>
+    </inkml:brush>
+  </inkml:definitions>
+  <inkml:trace contextRef="#ctx0" brushRef="#br0">0 66 24575,'31'0'0,"4"0"0,-7 0 0,9 0 0,-3 0 0,5 0 0,12 0 0,-9 0 0,15 0 0,-11 0 0,7 0 0,-6 0 0,4 0 0,-5 0 0,7 0 0,-7 0 0,6 0 0,0-10 0,2 8 0,5-13 0,11 5 0,-13 3 0,13-2 0,-18 9 0,1 0 0,-1 0 0,0-5 0,1 4 0,-7-4 0,-1 5 0,-6 0 0,-5 0 0,4 0 0,-10 0 0,4 0 0,-5 0 0,5 0 0,2 0 0,-1 0 0,5 0 0,-5 0 0,6 0 0,0 0 0,-6 0 0,5 0 0,-4 0 0,5 0 0,0 0 0,23 0 0,-12 0 0,20 0 0,-11 5 0,-5-4 0,13 9 0,-13-4 0,5 0 0,1 4 0,-6-9 0,6 4 0,-8-5 0,23 0 0,-28 0 0,32 0 0,-29 0 0,11 0 0,-2 0 0,-6 0 0,7 0 0,-6 0 0,5 0 0,17-4 0,-17 3 0,40-4 0,-53 5 0,49-6 0,-48 5 0,35-5 0,-28 6 0,12 0 0,-12 0 0,5 0 0,-6 0 0,-1 0 0,1 0 0,-7 0 0,-1 0 0,0 0 0,-10 0 0,9 0 0,-16 0 0,5 0 0,-11 0 0,3 0 0,-7 0 0,3 0 0,0 0 0,3 0 0,-1 0 0,1 0 0,-8 0 0,1 0 0,-1 0 0,0 0 0,0 0 0,1 0 0,-5 0 0,3 0 0,-2 0 0,8 0 0,-4 0 0,9 0 0,-9 0 0,9 0 0,-4 0 0,5 0 0,0 0 0,5 0 0,-4 0 0,16 0 0,-19 0 0,13 0 0,-16 0 0,0 0 0,-1 0 0,0 0 0,-3 0 0,3 0 0,-5 0 0,0 0 0,-3 0 0,-2 0 0,-4 0 0,1 0 0,-1 0 0,0 0 0,-3-3 0,2 2 0,-2-2 0,4 3 0,-1 0 0,1 0 0,3 0 0,1 0 0,1 0 0,2 0 0,-3 0 0,4 0 0,1 0 0,-5 0 0,3 0 0,-2 0 0,-1 0 0,3 0 0,-6 0 0,2 0 0,0 0 0,-2 0 0,2 0 0,-3 0 0,-1 0 0,0 0 0,1 0 0,3 0 0,1 0 0,5-4 0,-1 3 0,0-3 0,-3 1 0,-2 2 0,-4-2 0,1 3 0,-1 0 0,0 0 0,0 0 0,0 0 0,0 0 0,0 0 0,1 0 0,-1 0 0,0 0 0,0 0 0,0 0 0,0 0 0,0 0 0,0 0 0,0 0 0,0 0 0,0 0 0,0 0 0,0 0 0,0 0 0,0 0 0,0 0 0,1 0 0,-1 0 0,1 0 0,-1 0 0,0 0 0,1 0 0,-4 0 0,-1 0 0</inkml:trace>
 </inkml:ink>
 </file>
 
@@ -4391,6 +4555,1049 @@
 </p:sld>
 </file>
 
+<file path=ppt/slides/slide2.xml><?xml version="1.0" encoding="utf-8"?>
+<p:sld xmlns:a="http://schemas.openxmlformats.org/drawingml/2006/main" xmlns:r="http://schemas.openxmlformats.org/officeDocument/2006/relationships" xmlns:p="http://schemas.openxmlformats.org/presentationml/2006/main">
+  <p:cSld>
+    <p:spTree>
+      <p:nvGrpSpPr>
+        <p:cNvPr id="1" name=""/>
+        <p:cNvGrpSpPr/>
+        <p:nvPr/>
+      </p:nvGrpSpPr>
+      <p:grpSpPr>
+        <a:xfrm>
+          <a:off x="0" y="0"/>
+          <a:ext cx="0" cy="0"/>
+          <a:chOff x="0" y="0"/>
+          <a:chExt cx="0" cy="0"/>
+        </a:xfrm>
+      </p:grpSpPr>
+      <mc:AlternateContent xmlns:mc="http://schemas.openxmlformats.org/markup-compatibility/2006">
+        <mc:Choice xmlns:p14="http://schemas.microsoft.com/office/powerpoint/2010/main" Requires="p14">
+          <p:contentPart p14:bwMode="auto" r:id="rId2">
+            <p14:nvContentPartPr>
+              <p14:cNvPr id="4" name="Ink 3">
+                <a:extLst>
+                  <a:ext uri="{FF2B5EF4-FFF2-40B4-BE49-F238E27FC236}">
+                    <a16:creationId xmlns:a16="http://schemas.microsoft.com/office/drawing/2014/main" id="{ECBC2D8C-7F2C-AA16-C52C-2227486E9390}"/>
+                  </a:ext>
+                </a:extLst>
+              </p14:cNvPr>
+              <p14:cNvContentPartPr/>
+              <p14:nvPr/>
+            </p14:nvContentPartPr>
+            <p14:xfrm>
+              <a:off x="3978477" y="2132883"/>
+              <a:ext cx="4370760" cy="2152440"/>
+            </p14:xfrm>
+          </p:contentPart>
+        </mc:Choice>
+        <mc:Fallback>
+          <p:pic>
+            <p:nvPicPr>
+              <p:cNvPr id="4" name="Ink 3">
+                <a:extLst>
+                  <a:ext uri="{FF2B5EF4-FFF2-40B4-BE49-F238E27FC236}">
+                    <a16:creationId xmlns:a16="http://schemas.microsoft.com/office/drawing/2014/main" id="{ECBC2D8C-7F2C-AA16-C52C-2227486E9390}"/>
+                  </a:ext>
+                </a:extLst>
+              </p:cNvPr>
+              <p:cNvPicPr/>
+              <p:nvPr/>
+            </p:nvPicPr>
+            <p:blipFill>
+              <a:blip r:embed="rId3"/>
+              <a:stretch>
+                <a:fillRect/>
+              </a:stretch>
+            </p:blipFill>
+            <p:spPr>
+              <a:xfrm>
+                <a:off x="3960477" y="2114883"/>
+                <a:ext cx="4406400" cy="2188080"/>
+              </a:xfrm>
+              <a:prstGeom prst="rect">
+                <a:avLst/>
+              </a:prstGeom>
+            </p:spPr>
+          </p:pic>
+        </mc:Fallback>
+      </mc:AlternateContent>
+      <mc:AlternateContent xmlns:mc="http://schemas.openxmlformats.org/markup-compatibility/2006">
+        <mc:Choice xmlns:p14="http://schemas.microsoft.com/office/powerpoint/2010/main" Requires="p14">
+          <p:contentPart p14:bwMode="auto" r:id="rId4">
+            <p14:nvContentPartPr>
+              <p14:cNvPr id="7" name="Ink 6">
+                <a:extLst>
+                  <a:ext uri="{FF2B5EF4-FFF2-40B4-BE49-F238E27FC236}">
+                    <a16:creationId xmlns:a16="http://schemas.microsoft.com/office/drawing/2014/main" id="{29B4B326-50D4-3499-5B56-1007A9371F55}"/>
+                  </a:ext>
+                </a:extLst>
+              </p14:cNvPr>
+              <p14:cNvContentPartPr/>
+              <p14:nvPr/>
+            </p14:nvContentPartPr>
+            <p14:xfrm>
+              <a:off x="4013757" y="2046843"/>
+              <a:ext cx="4459680" cy="2119320"/>
+            </p14:xfrm>
+          </p:contentPart>
+        </mc:Choice>
+        <mc:Fallback>
+          <p:pic>
+            <p:nvPicPr>
+              <p:cNvPr id="7" name="Ink 6">
+                <a:extLst>
+                  <a:ext uri="{FF2B5EF4-FFF2-40B4-BE49-F238E27FC236}">
+                    <a16:creationId xmlns:a16="http://schemas.microsoft.com/office/drawing/2014/main" id="{29B4B326-50D4-3499-5B56-1007A9371F55}"/>
+                  </a:ext>
+                </a:extLst>
+              </p:cNvPr>
+              <p:cNvPicPr/>
+              <p:nvPr/>
+            </p:nvPicPr>
+            <p:blipFill>
+              <a:blip r:embed="rId5"/>
+              <a:stretch>
+                <a:fillRect/>
+              </a:stretch>
+            </p:blipFill>
+            <p:spPr>
+              <a:xfrm>
+                <a:off x="3995757" y="2028843"/>
+                <a:ext cx="4495320" cy="2154960"/>
+              </a:xfrm>
+              <a:prstGeom prst="rect">
+                <a:avLst/>
+              </a:prstGeom>
+            </p:spPr>
+          </p:pic>
+        </mc:Fallback>
+      </mc:AlternateContent>
+      <mc:AlternateContent xmlns:mc="http://schemas.openxmlformats.org/markup-compatibility/2006">
+        <mc:Choice xmlns:p14="http://schemas.microsoft.com/office/powerpoint/2010/main" Requires="p14">
+          <p:contentPart p14:bwMode="auto" r:id="rId6">
+            <p14:nvContentPartPr>
+              <p14:cNvPr id="8" name="Ink 7">
+                <a:extLst>
+                  <a:ext uri="{FF2B5EF4-FFF2-40B4-BE49-F238E27FC236}">
+                    <a16:creationId xmlns:a16="http://schemas.microsoft.com/office/drawing/2014/main" id="{99255250-D43A-B0DD-A709-EEF66056BA29}"/>
+                  </a:ext>
+                </a:extLst>
+              </p14:cNvPr>
+              <p14:cNvContentPartPr/>
+              <p14:nvPr/>
+            </p14:nvContentPartPr>
+            <p14:xfrm>
+              <a:off x="6199677" y="2160603"/>
+              <a:ext cx="93600" cy="2032560"/>
+            </p14:xfrm>
+          </p:contentPart>
+        </mc:Choice>
+        <mc:Fallback>
+          <p:pic>
+            <p:nvPicPr>
+              <p:cNvPr id="8" name="Ink 7">
+                <a:extLst>
+                  <a:ext uri="{FF2B5EF4-FFF2-40B4-BE49-F238E27FC236}">
+                    <a16:creationId xmlns:a16="http://schemas.microsoft.com/office/drawing/2014/main" id="{99255250-D43A-B0DD-A709-EEF66056BA29}"/>
+                  </a:ext>
+                </a:extLst>
+              </p:cNvPr>
+              <p:cNvPicPr/>
+              <p:nvPr/>
+            </p:nvPicPr>
+            <p:blipFill>
+              <a:blip r:embed="rId7"/>
+              <a:stretch>
+                <a:fillRect/>
+              </a:stretch>
+            </p:blipFill>
+            <p:spPr>
+              <a:xfrm>
+                <a:off x="6181677" y="2142603"/>
+                <a:ext cx="129240" cy="2068200"/>
+              </a:xfrm>
+              <a:prstGeom prst="rect">
+                <a:avLst/>
+              </a:prstGeom>
+            </p:spPr>
+          </p:pic>
+        </mc:Fallback>
+      </mc:AlternateContent>
+      <mc:AlternateContent xmlns:mc="http://schemas.openxmlformats.org/markup-compatibility/2006">
+        <mc:Choice xmlns:p14="http://schemas.microsoft.com/office/powerpoint/2010/main" Requires="p14">
+          <p:contentPart p14:bwMode="auto" r:id="rId8">
+            <p14:nvContentPartPr>
+              <p14:cNvPr id="10" name="Ink 9">
+                <a:extLst>
+                  <a:ext uri="{FF2B5EF4-FFF2-40B4-BE49-F238E27FC236}">
+                    <a16:creationId xmlns:a16="http://schemas.microsoft.com/office/drawing/2014/main" id="{B3FF3052-F243-BA9C-97FF-2A19FC7A2EDD}"/>
+                  </a:ext>
+                </a:extLst>
+              </p14:cNvPr>
+              <p14:cNvContentPartPr/>
+              <p14:nvPr/>
+            </p14:nvContentPartPr>
+            <p14:xfrm>
+              <a:off x="4049037" y="3200283"/>
+              <a:ext cx="2173320" cy="24120"/>
+            </p14:xfrm>
+          </p:contentPart>
+        </mc:Choice>
+        <mc:Fallback>
+          <p:pic>
+            <p:nvPicPr>
+              <p:cNvPr id="10" name="Ink 9">
+                <a:extLst>
+                  <a:ext uri="{FF2B5EF4-FFF2-40B4-BE49-F238E27FC236}">
+                    <a16:creationId xmlns:a16="http://schemas.microsoft.com/office/drawing/2014/main" id="{B3FF3052-F243-BA9C-97FF-2A19FC7A2EDD}"/>
+                  </a:ext>
+                </a:extLst>
+              </p:cNvPr>
+              <p:cNvPicPr/>
+              <p:nvPr/>
+            </p:nvPicPr>
+            <p:blipFill>
+              <a:blip r:embed="rId9"/>
+              <a:stretch>
+                <a:fillRect/>
+              </a:stretch>
+            </p:blipFill>
+            <p:spPr>
+              <a:xfrm>
+                <a:off x="4031037" y="3182283"/>
+                <a:ext cx="2208960" cy="59760"/>
+              </a:xfrm>
+              <a:prstGeom prst="rect">
+                <a:avLst/>
+              </a:prstGeom>
+            </p:spPr>
+          </p:pic>
+        </mc:Fallback>
+      </mc:AlternateContent>
+      <mc:AlternateContent xmlns:mc="http://schemas.openxmlformats.org/markup-compatibility/2006">
+        <mc:Choice xmlns:p14="http://schemas.microsoft.com/office/powerpoint/2010/main" Requires="p14">
+          <p:contentPart p14:bwMode="auto" r:id="rId10">
+            <p14:nvContentPartPr>
+              <p14:cNvPr id="11" name="Ink 10">
+                <a:extLst>
+                  <a:ext uri="{FF2B5EF4-FFF2-40B4-BE49-F238E27FC236}">
+                    <a16:creationId xmlns:a16="http://schemas.microsoft.com/office/drawing/2014/main" id="{7D34E946-6937-BC2D-0D8F-0CCF271E8017}"/>
+                  </a:ext>
+                </a:extLst>
+              </p14:cNvPr>
+              <p14:cNvContentPartPr/>
+              <p14:nvPr/>
+            </p14:nvContentPartPr>
+            <p14:xfrm>
+              <a:off x="6239277" y="3127203"/>
+              <a:ext cx="2173320" cy="88560"/>
+            </p14:xfrm>
+          </p:contentPart>
+        </mc:Choice>
+        <mc:Fallback>
+          <p:pic>
+            <p:nvPicPr>
+              <p:cNvPr id="11" name="Ink 10">
+                <a:extLst>
+                  <a:ext uri="{FF2B5EF4-FFF2-40B4-BE49-F238E27FC236}">
+                    <a16:creationId xmlns:a16="http://schemas.microsoft.com/office/drawing/2014/main" id="{7D34E946-6937-BC2D-0D8F-0CCF271E8017}"/>
+                  </a:ext>
+                </a:extLst>
+              </p:cNvPr>
+              <p:cNvPicPr/>
+              <p:nvPr/>
+            </p:nvPicPr>
+            <p:blipFill>
+              <a:blip r:embed="rId11"/>
+              <a:stretch>
+                <a:fillRect/>
+              </a:stretch>
+            </p:blipFill>
+            <p:spPr>
+              <a:xfrm>
+                <a:off x="6221277" y="3109130"/>
+                <a:ext cx="2208960" cy="124345"/>
+              </a:xfrm>
+              <a:prstGeom prst="rect">
+                <a:avLst/>
+              </a:prstGeom>
+            </p:spPr>
+          </p:pic>
+        </mc:Fallback>
+      </mc:AlternateContent>
+      <p:sp>
+        <p:nvSpPr>
+          <p:cNvPr id="12" name="TextBox 11">
+            <a:extLst>
+              <a:ext uri="{FF2B5EF4-FFF2-40B4-BE49-F238E27FC236}">
+                <a16:creationId xmlns:a16="http://schemas.microsoft.com/office/drawing/2014/main" id="{446220B9-178E-74AD-F63D-0BED26FD4B75}"/>
+              </a:ext>
+            </a:extLst>
+          </p:cNvPr>
+          <p:cNvSpPr txBox="1"/>
+          <p:nvPr/>
+        </p:nvSpPr>
+        <p:spPr>
+          <a:xfrm>
+            <a:off x="4251680" y="1586306"/>
+            <a:ext cx="1560812" cy="369332"/>
+          </a:xfrm>
+          <a:prstGeom prst="rect">
+            <a:avLst/>
+          </a:prstGeom>
+          <a:noFill/>
+        </p:spPr>
+        <p:txBody>
+          <a:bodyPr wrap="none" rtlCol="0">
+            <a:spAutoFit/>
+          </a:bodyPr>
+          <a:lstStyle/>
+          <a:p>
+            <a:r>
+              <a:rPr lang="en-US" dirty="0"/>
+              <a:t>Reject null (H</a:t>
+            </a:r>
+            <a:r>
+              <a:rPr lang="en-US" baseline="-25000" dirty="0"/>
+              <a:t>0)</a:t>
+            </a:r>
+            <a:endParaRPr lang="en-US" dirty="0"/>
+          </a:p>
+        </p:txBody>
+      </p:sp>
+      <p:sp>
+        <p:nvSpPr>
+          <p:cNvPr id="13" name="TextBox 12">
+            <a:extLst>
+              <a:ext uri="{FF2B5EF4-FFF2-40B4-BE49-F238E27FC236}">
+                <a16:creationId xmlns:a16="http://schemas.microsoft.com/office/drawing/2014/main" id="{A0124EC3-2D18-EE12-C929-C116C1CF3BB1}"/>
+              </a:ext>
+            </a:extLst>
+          </p:cNvPr>
+          <p:cNvSpPr txBox="1"/>
+          <p:nvPr/>
+        </p:nvSpPr>
+        <p:spPr>
+          <a:xfrm>
+            <a:off x="6300595" y="1586306"/>
+            <a:ext cx="2135265" cy="369332"/>
+          </a:xfrm>
+          <a:prstGeom prst="rect">
+            <a:avLst/>
+          </a:prstGeom>
+          <a:noFill/>
+        </p:spPr>
+        <p:txBody>
+          <a:bodyPr wrap="none" rtlCol="0">
+            <a:spAutoFit/>
+          </a:bodyPr>
+          <a:lstStyle/>
+          <a:p>
+            <a:r>
+              <a:rPr lang="en-US" dirty="0"/>
+              <a:t>Fail to reject null (H</a:t>
+            </a:r>
+            <a:r>
+              <a:rPr lang="en-US" baseline="-25000" dirty="0"/>
+              <a:t>0)</a:t>
+            </a:r>
+          </a:p>
+        </p:txBody>
+      </p:sp>
+      <mc:AlternateContent xmlns:mc="http://schemas.openxmlformats.org/markup-compatibility/2006">
+        <mc:Choice xmlns:a14="http://schemas.microsoft.com/office/drawing/2010/main" Requires="a14">
+          <p:sp>
+            <p:nvSpPr>
+              <p:cNvPr id="15" name="TextBox 14">
+                <a:extLst>
+                  <a:ext uri="{FF2B5EF4-FFF2-40B4-BE49-F238E27FC236}">
+                    <a16:creationId xmlns:a16="http://schemas.microsoft.com/office/drawing/2014/main" id="{B676CC4A-125E-355C-5D0A-75C9C9804926}"/>
+                  </a:ext>
+                </a:extLst>
+              </p:cNvPr>
+              <p:cNvSpPr txBox="1"/>
+              <p:nvPr/>
+            </p:nvSpPr>
+            <p:spPr>
+              <a:xfrm>
+                <a:off x="6649630" y="3372793"/>
+                <a:ext cx="1503489" cy="923330"/>
+              </a:xfrm>
+              <a:prstGeom prst="rect">
+                <a:avLst/>
+              </a:prstGeom>
+              <a:noFill/>
+            </p:spPr>
+            <p:txBody>
+              <a:bodyPr wrap="none" rtlCol="0">
+                <a:spAutoFit/>
+              </a:bodyPr>
+              <a:lstStyle/>
+              <a:p>
+                <a:r>
+                  <a:rPr lang="en-US" dirty="0"/>
+                  <a:t>False negative</a:t>
+                </a:r>
+              </a:p>
+              <a:p>
+                <a:pPr/>
+                <a14:m>
+                  <m:oMathPara xmlns:m="http://schemas.openxmlformats.org/officeDocument/2006/math">
+                    <m:oMathParaPr>
+                      <m:jc m:val="centerGroup"/>
+                    </m:oMathParaPr>
+                    <m:oMath xmlns:m="http://schemas.openxmlformats.org/officeDocument/2006/math">
+                      <m:r>
+                        <a:rPr lang="en-US" i="1" smtClean="0">
+                          <a:latin typeface="Cambria Math" panose="02040503050406030204" pitchFamily="18" charset="0"/>
+                          <a:ea typeface="Cambria Math" panose="02040503050406030204" pitchFamily="18" charset="0"/>
+                        </a:rPr>
+                        <m:t>𝛽</m:t>
+                      </m:r>
+                    </m:oMath>
+                  </m:oMathPara>
+                </a14:m>
+                <a:endParaRPr lang="en-US" dirty="0"/>
+              </a:p>
+              <a:p>
+                <a:endParaRPr lang="en-US" dirty="0"/>
+              </a:p>
+            </p:txBody>
+          </p:sp>
+        </mc:Choice>
+        <mc:Fallback>
+          <p:sp>
+            <p:nvSpPr>
+              <p:cNvPr id="15" name="TextBox 14">
+                <a:extLst>
+                  <a:ext uri="{FF2B5EF4-FFF2-40B4-BE49-F238E27FC236}">
+                    <a16:creationId xmlns:a16="http://schemas.microsoft.com/office/drawing/2014/main" id="{B676CC4A-125E-355C-5D0A-75C9C9804926}"/>
+                  </a:ext>
+                </a:extLst>
+              </p:cNvPr>
+              <p:cNvSpPr txBox="1">
+                <a:spLocks noRot="1" noChangeAspect="1" noMove="1" noResize="1" noEditPoints="1" noAdjustHandles="1" noChangeArrowheads="1" noChangeShapeType="1" noTextEdit="1"/>
+              </p:cNvSpPr>
+              <p:nvPr/>
+            </p:nvSpPr>
+            <p:spPr>
+              <a:xfrm>
+                <a:off x="6649630" y="3372793"/>
+                <a:ext cx="1503489" cy="923330"/>
+              </a:xfrm>
+              <a:prstGeom prst="rect">
+                <a:avLst/>
+              </a:prstGeom>
+              <a:blipFill>
+                <a:blip r:embed="rId12"/>
+                <a:stretch>
+                  <a:fillRect l="-3361" t="-2703" r="-2521"/>
+                </a:stretch>
+              </a:blipFill>
+            </p:spPr>
+            <p:txBody>
+              <a:bodyPr/>
+              <a:lstStyle/>
+              <a:p>
+                <a:r>
+                  <a:rPr lang="en-US">
+                    <a:noFill/>
+                  </a:rPr>
+                  <a:t> </a:t>
+                </a:r>
+              </a:p>
+            </p:txBody>
+          </p:sp>
+        </mc:Fallback>
+      </mc:AlternateContent>
+      <mc:AlternateContent xmlns:mc="http://schemas.openxmlformats.org/markup-compatibility/2006">
+        <mc:Choice xmlns:a14="http://schemas.microsoft.com/office/drawing/2010/main" Requires="a14">
+          <p:sp>
+            <p:nvSpPr>
+              <p:cNvPr id="16" name="TextBox 15">
+                <a:extLst>
+                  <a:ext uri="{FF2B5EF4-FFF2-40B4-BE49-F238E27FC236}">
+                    <a16:creationId xmlns:a16="http://schemas.microsoft.com/office/drawing/2014/main" id="{9DD315C4-A11E-3E71-6DA7-E7648B85B4F9}"/>
+                  </a:ext>
+                </a:extLst>
+              </p:cNvPr>
+              <p:cNvSpPr txBox="1"/>
+              <p:nvPr/>
+            </p:nvSpPr>
+            <p:spPr>
+              <a:xfrm>
+                <a:off x="4312402" y="2348752"/>
+                <a:ext cx="1439368" cy="646331"/>
+              </a:xfrm>
+              <a:prstGeom prst="rect">
+                <a:avLst/>
+              </a:prstGeom>
+              <a:noFill/>
+            </p:spPr>
+            <p:txBody>
+              <a:bodyPr wrap="none" rtlCol="0">
+                <a:spAutoFit/>
+              </a:bodyPr>
+              <a:lstStyle/>
+              <a:p>
+                <a:pPr algn="ctr"/>
+                <a:r>
+                  <a:rPr lang="en-US" dirty="0"/>
+                  <a:t>False positive</a:t>
+                </a:r>
+              </a:p>
+              <a:p>
+                <a:pPr algn="ctr"/>
+                <a14:m>
+                  <m:oMathPara xmlns:m="http://schemas.openxmlformats.org/officeDocument/2006/math">
+                    <m:oMathParaPr>
+                      <m:jc m:val="centerGroup"/>
+                    </m:oMathParaPr>
+                    <m:oMath xmlns:m="http://schemas.openxmlformats.org/officeDocument/2006/math">
+                      <m:r>
+                        <a:rPr lang="en-US" i="1" smtClean="0">
+                          <a:latin typeface="Cambria Math" panose="02040503050406030204" pitchFamily="18" charset="0"/>
+                          <a:ea typeface="Cambria Math" panose="02040503050406030204" pitchFamily="18" charset="0"/>
+                        </a:rPr>
+                        <m:t>𝛼</m:t>
+                      </m:r>
+                    </m:oMath>
+                  </m:oMathPara>
+                </a14:m>
+                <a:endParaRPr lang="en-US" dirty="0"/>
+              </a:p>
+            </p:txBody>
+          </p:sp>
+        </mc:Choice>
+        <mc:Fallback>
+          <p:sp>
+            <p:nvSpPr>
+              <p:cNvPr id="16" name="TextBox 15">
+                <a:extLst>
+                  <a:ext uri="{FF2B5EF4-FFF2-40B4-BE49-F238E27FC236}">
+                    <a16:creationId xmlns:a16="http://schemas.microsoft.com/office/drawing/2014/main" id="{9DD315C4-A11E-3E71-6DA7-E7648B85B4F9}"/>
+                  </a:ext>
+                </a:extLst>
+              </p:cNvPr>
+              <p:cNvSpPr txBox="1">
+                <a:spLocks noRot="1" noChangeAspect="1" noMove="1" noResize="1" noEditPoints="1" noAdjustHandles="1" noChangeArrowheads="1" noChangeShapeType="1" noTextEdit="1"/>
+              </p:cNvSpPr>
+              <p:nvPr/>
+            </p:nvSpPr>
+            <p:spPr>
+              <a:xfrm>
+                <a:off x="4312402" y="2348752"/>
+                <a:ext cx="1439368" cy="646331"/>
+              </a:xfrm>
+              <a:prstGeom prst="rect">
+                <a:avLst/>
+              </a:prstGeom>
+              <a:blipFill>
+                <a:blip r:embed="rId13"/>
+                <a:stretch>
+                  <a:fillRect l="-2609" t="-3846" r="-2609"/>
+                </a:stretch>
+              </a:blipFill>
+            </p:spPr>
+            <p:txBody>
+              <a:bodyPr/>
+              <a:lstStyle/>
+              <a:p>
+                <a:r>
+                  <a:rPr lang="en-US">
+                    <a:noFill/>
+                  </a:rPr>
+                  <a:t> </a:t>
+                </a:r>
+              </a:p>
+            </p:txBody>
+          </p:sp>
+        </mc:Fallback>
+      </mc:AlternateContent>
+      <p:sp>
+        <p:nvSpPr>
+          <p:cNvPr id="17" name="TextBox 16">
+            <a:extLst>
+              <a:ext uri="{FF2B5EF4-FFF2-40B4-BE49-F238E27FC236}">
+                <a16:creationId xmlns:a16="http://schemas.microsoft.com/office/drawing/2014/main" id="{D0D23E10-FD9B-2F29-E2CC-27A75C9FAD32}"/>
+              </a:ext>
+            </a:extLst>
+          </p:cNvPr>
+          <p:cNvSpPr txBox="1"/>
+          <p:nvPr/>
+        </p:nvSpPr>
+        <p:spPr>
+          <a:xfrm>
+            <a:off x="5505865" y="1032481"/>
+            <a:ext cx="1387624" cy="461665"/>
+          </a:xfrm>
+          <a:prstGeom prst="rect">
+            <a:avLst/>
+          </a:prstGeom>
+          <a:noFill/>
+        </p:spPr>
+        <p:txBody>
+          <a:bodyPr wrap="none" rtlCol="0">
+            <a:spAutoFit/>
+          </a:bodyPr>
+          <a:lstStyle/>
+          <a:p>
+            <a:r>
+              <a:rPr lang="en-US" sz="2400" b="1" dirty="0"/>
+              <a:t>Inference</a:t>
+            </a:r>
+          </a:p>
+        </p:txBody>
+      </p:sp>
+      <p:sp>
+        <p:nvSpPr>
+          <p:cNvPr id="18" name="TextBox 17">
+            <a:extLst>
+              <a:ext uri="{FF2B5EF4-FFF2-40B4-BE49-F238E27FC236}">
+                <a16:creationId xmlns:a16="http://schemas.microsoft.com/office/drawing/2014/main" id="{A6640D76-B64B-73D6-B65E-A4E758435CA2}"/>
+              </a:ext>
+            </a:extLst>
+          </p:cNvPr>
+          <p:cNvSpPr txBox="1"/>
+          <p:nvPr/>
+        </p:nvSpPr>
+        <p:spPr>
+          <a:xfrm rot="16200000">
+            <a:off x="2047218" y="2935318"/>
+            <a:ext cx="1065035" cy="461665"/>
+          </a:xfrm>
+          <a:prstGeom prst="rect">
+            <a:avLst/>
+          </a:prstGeom>
+          <a:noFill/>
+        </p:spPr>
+        <p:txBody>
+          <a:bodyPr wrap="none" rtlCol="0">
+            <a:spAutoFit/>
+          </a:bodyPr>
+          <a:lstStyle/>
+          <a:p>
+            <a:r>
+              <a:rPr lang="en-US" sz="2400" b="1" dirty="0"/>
+              <a:t>Reality</a:t>
+            </a:r>
+          </a:p>
+        </p:txBody>
+      </p:sp>
+      <p:sp>
+        <p:nvSpPr>
+          <p:cNvPr id="20" name="TextBox 19">
+            <a:extLst>
+              <a:ext uri="{FF2B5EF4-FFF2-40B4-BE49-F238E27FC236}">
+                <a16:creationId xmlns:a16="http://schemas.microsoft.com/office/drawing/2014/main" id="{287A9BF6-4DF7-04D2-6FCD-8DB1640DDA6A}"/>
+              </a:ext>
+            </a:extLst>
+          </p:cNvPr>
+          <p:cNvSpPr txBox="1"/>
+          <p:nvPr/>
+        </p:nvSpPr>
+        <p:spPr>
+          <a:xfrm>
+            <a:off x="2901848" y="2348751"/>
+            <a:ext cx="992941" cy="646331"/>
+          </a:xfrm>
+          <a:prstGeom prst="rect">
+            <a:avLst/>
+          </a:prstGeom>
+          <a:noFill/>
+        </p:spPr>
+        <p:txBody>
+          <a:bodyPr wrap="square" rtlCol="0">
+            <a:spAutoFit/>
+          </a:bodyPr>
+          <a:lstStyle/>
+          <a:p>
+            <a:pPr algn="r"/>
+            <a:r>
+              <a:rPr lang="en-US" dirty="0"/>
+              <a:t>Null (H</a:t>
+            </a:r>
+            <a:r>
+              <a:rPr lang="en-US" baseline="-25000" dirty="0"/>
+              <a:t>0)</a:t>
+            </a:r>
+            <a:r>
+              <a:rPr lang="en-US" dirty="0"/>
+              <a:t> is true</a:t>
+            </a:r>
+          </a:p>
+        </p:txBody>
+      </p:sp>
+      <p:sp>
+        <p:nvSpPr>
+          <p:cNvPr id="21" name="TextBox 20">
+            <a:extLst>
+              <a:ext uri="{FF2B5EF4-FFF2-40B4-BE49-F238E27FC236}">
+                <a16:creationId xmlns:a16="http://schemas.microsoft.com/office/drawing/2014/main" id="{CB9F36A8-3FE6-6F59-6C36-26B5354FC322}"/>
+              </a:ext>
+            </a:extLst>
+          </p:cNvPr>
+          <p:cNvSpPr txBox="1"/>
+          <p:nvPr/>
+        </p:nvSpPr>
+        <p:spPr>
+          <a:xfrm>
+            <a:off x="2898052" y="3429000"/>
+            <a:ext cx="992941" cy="646331"/>
+          </a:xfrm>
+          <a:prstGeom prst="rect">
+            <a:avLst/>
+          </a:prstGeom>
+          <a:noFill/>
+        </p:spPr>
+        <p:txBody>
+          <a:bodyPr wrap="square" rtlCol="0">
+            <a:spAutoFit/>
+          </a:bodyPr>
+          <a:lstStyle/>
+          <a:p>
+            <a:pPr algn="r"/>
+            <a:r>
+              <a:rPr lang="en-US" dirty="0"/>
+              <a:t>Null (H</a:t>
+            </a:r>
+            <a:r>
+              <a:rPr lang="en-US" baseline="-25000" dirty="0"/>
+              <a:t>0</a:t>
+            </a:r>
+            <a:r>
+              <a:rPr lang="en-US" dirty="0"/>
+              <a:t>) is false</a:t>
+            </a:r>
+          </a:p>
+        </p:txBody>
+      </p:sp>
+      <mc:AlternateContent xmlns:mc="http://schemas.openxmlformats.org/markup-compatibility/2006">
+        <mc:Choice xmlns:a14="http://schemas.microsoft.com/office/drawing/2010/main" Requires="a14">
+          <p:sp>
+            <p:nvSpPr>
+              <p:cNvPr id="22" name="TextBox 21">
+                <a:extLst>
+                  <a:ext uri="{FF2B5EF4-FFF2-40B4-BE49-F238E27FC236}">
+                    <a16:creationId xmlns:a16="http://schemas.microsoft.com/office/drawing/2014/main" id="{FF486BB0-57FA-12F6-162B-7C8C929C698C}"/>
+                  </a:ext>
+                </a:extLst>
+              </p:cNvPr>
+              <p:cNvSpPr txBox="1"/>
+              <p:nvPr/>
+            </p:nvSpPr>
+            <p:spPr>
+              <a:xfrm>
+                <a:off x="4403395" y="3372793"/>
+                <a:ext cx="1439305" cy="923330"/>
+              </a:xfrm>
+              <a:prstGeom prst="rect">
+                <a:avLst/>
+              </a:prstGeom>
+              <a:noFill/>
+            </p:spPr>
+            <p:txBody>
+              <a:bodyPr wrap="none" rtlCol="0">
+                <a:spAutoFit/>
+              </a:bodyPr>
+              <a:lstStyle/>
+              <a:p>
+                <a:r>
+                  <a:rPr lang="en-US" dirty="0"/>
+                  <a:t>True positive </a:t>
+                </a:r>
+              </a:p>
+              <a:p>
+                <a:pPr/>
+                <a14:m>
+                  <m:oMathPara xmlns:m="http://schemas.openxmlformats.org/officeDocument/2006/math">
+                    <m:oMathParaPr>
+                      <m:jc m:val="centerGroup"/>
+                    </m:oMathParaPr>
+                    <m:oMath xmlns:m="http://schemas.openxmlformats.org/officeDocument/2006/math">
+                      <m:r>
+                        <a:rPr lang="en-US" b="0" i="1" smtClean="0">
+                          <a:latin typeface="Cambria Math" panose="02040503050406030204" pitchFamily="18" charset="0"/>
+                          <a:ea typeface="Cambria Math" panose="02040503050406030204" pitchFamily="18" charset="0"/>
+                        </a:rPr>
+                        <m:t>1−</m:t>
+                      </m:r>
+                      <m:r>
+                        <a:rPr lang="en-US" i="1" smtClean="0">
+                          <a:latin typeface="Cambria Math" panose="02040503050406030204" pitchFamily="18" charset="0"/>
+                          <a:ea typeface="Cambria Math" panose="02040503050406030204" pitchFamily="18" charset="0"/>
+                        </a:rPr>
+                        <m:t>𝛽</m:t>
+                      </m:r>
+                    </m:oMath>
+                  </m:oMathPara>
+                </a14:m>
+                <a:endParaRPr lang="en-US" dirty="0"/>
+              </a:p>
+              <a:p>
+                <a:endParaRPr lang="en-US" dirty="0"/>
+              </a:p>
+            </p:txBody>
+          </p:sp>
+        </mc:Choice>
+        <mc:Fallback>
+          <p:sp>
+            <p:nvSpPr>
+              <p:cNvPr id="22" name="TextBox 21">
+                <a:extLst>
+                  <a:ext uri="{FF2B5EF4-FFF2-40B4-BE49-F238E27FC236}">
+                    <a16:creationId xmlns:a16="http://schemas.microsoft.com/office/drawing/2014/main" id="{FF486BB0-57FA-12F6-162B-7C8C929C698C}"/>
+                  </a:ext>
+                </a:extLst>
+              </p:cNvPr>
+              <p:cNvSpPr txBox="1">
+                <a:spLocks noRot="1" noChangeAspect="1" noMove="1" noResize="1" noEditPoints="1" noAdjustHandles="1" noChangeArrowheads="1" noChangeShapeType="1" noTextEdit="1"/>
+              </p:cNvSpPr>
+              <p:nvPr/>
+            </p:nvSpPr>
+            <p:spPr>
+              <a:xfrm>
+                <a:off x="4403395" y="3372793"/>
+                <a:ext cx="1439305" cy="923330"/>
+              </a:xfrm>
+              <a:prstGeom prst="rect">
+                <a:avLst/>
+              </a:prstGeom>
+              <a:blipFill>
+                <a:blip r:embed="rId14"/>
+                <a:stretch>
+                  <a:fillRect l="-3509" t="-2703" r="-3509"/>
+                </a:stretch>
+              </a:blipFill>
+            </p:spPr>
+            <p:txBody>
+              <a:bodyPr/>
+              <a:lstStyle/>
+              <a:p>
+                <a:r>
+                  <a:rPr lang="en-US">
+                    <a:noFill/>
+                  </a:rPr>
+                  <a:t> </a:t>
+                </a:r>
+              </a:p>
+            </p:txBody>
+          </p:sp>
+        </mc:Fallback>
+      </mc:AlternateContent>
+      <mc:AlternateContent xmlns:mc="http://schemas.openxmlformats.org/markup-compatibility/2006">
+        <mc:Choice xmlns:a14="http://schemas.microsoft.com/office/drawing/2010/main" Requires="a14">
+          <p:sp>
+            <p:nvSpPr>
+              <p:cNvPr id="23" name="TextBox 22">
+                <a:extLst>
+                  <a:ext uri="{FF2B5EF4-FFF2-40B4-BE49-F238E27FC236}">
+                    <a16:creationId xmlns:a16="http://schemas.microsoft.com/office/drawing/2014/main" id="{FC44B504-E966-61A2-6409-9B1470D7EAE6}"/>
+                  </a:ext>
+                </a:extLst>
+              </p:cNvPr>
+              <p:cNvSpPr txBox="1"/>
+              <p:nvPr/>
+            </p:nvSpPr>
+            <p:spPr>
+              <a:xfrm>
+                <a:off x="6389110" y="2301073"/>
+                <a:ext cx="1764009" cy="646331"/>
+              </a:xfrm>
+              <a:prstGeom prst="rect">
+                <a:avLst/>
+              </a:prstGeom>
+              <a:noFill/>
+            </p:spPr>
+            <p:txBody>
+              <a:bodyPr wrap="none" rtlCol="0">
+                <a:spAutoFit/>
+              </a:bodyPr>
+              <a:lstStyle/>
+              <a:p>
+                <a:r>
+                  <a:rPr lang="en-US" dirty="0"/>
+                  <a:t>Correct rejection</a:t>
+                </a:r>
+              </a:p>
+              <a:p>
+                <a:pPr/>
+                <a14:m>
+                  <m:oMathPara xmlns:m="http://schemas.openxmlformats.org/officeDocument/2006/math">
+                    <m:oMathParaPr>
+                      <m:jc m:val="centerGroup"/>
+                    </m:oMathParaPr>
+                    <m:oMath xmlns:m="http://schemas.openxmlformats.org/officeDocument/2006/math">
+                      <m:r>
+                        <a:rPr lang="en-US" b="0" i="1" smtClean="0">
+                          <a:latin typeface="Cambria Math" panose="02040503050406030204" pitchFamily="18" charset="0"/>
+                          <a:ea typeface="Cambria Math" panose="02040503050406030204" pitchFamily="18" charset="0"/>
+                        </a:rPr>
+                        <m:t>1−</m:t>
+                      </m:r>
+                      <m:r>
+                        <a:rPr lang="en-US" i="1" smtClean="0">
+                          <a:latin typeface="Cambria Math" panose="02040503050406030204" pitchFamily="18" charset="0"/>
+                          <a:ea typeface="Cambria Math" panose="02040503050406030204" pitchFamily="18" charset="0"/>
+                        </a:rPr>
+                        <m:t>𝛼</m:t>
+                      </m:r>
+                    </m:oMath>
+                  </m:oMathPara>
+                </a14:m>
+                <a:endParaRPr lang="en-US" dirty="0"/>
+              </a:p>
+            </p:txBody>
+          </p:sp>
+        </mc:Choice>
+        <mc:Fallback>
+          <p:sp>
+            <p:nvSpPr>
+              <p:cNvPr id="23" name="TextBox 22">
+                <a:extLst>
+                  <a:ext uri="{FF2B5EF4-FFF2-40B4-BE49-F238E27FC236}">
+                    <a16:creationId xmlns:a16="http://schemas.microsoft.com/office/drawing/2014/main" id="{FC44B504-E966-61A2-6409-9B1470D7EAE6}"/>
+                  </a:ext>
+                </a:extLst>
+              </p:cNvPr>
+              <p:cNvSpPr txBox="1">
+                <a:spLocks noRot="1" noChangeAspect="1" noMove="1" noResize="1" noEditPoints="1" noAdjustHandles="1" noChangeArrowheads="1" noChangeShapeType="1" noTextEdit="1"/>
+              </p:cNvSpPr>
+              <p:nvPr/>
+            </p:nvSpPr>
+            <p:spPr>
+              <a:xfrm>
+                <a:off x="6389110" y="2301073"/>
+                <a:ext cx="1764009" cy="646331"/>
+              </a:xfrm>
+              <a:prstGeom prst="rect">
+                <a:avLst/>
+              </a:prstGeom>
+              <a:blipFill>
+                <a:blip r:embed="rId15"/>
+                <a:stretch>
+                  <a:fillRect l="-2878" t="-1923" r="-2158"/>
+                </a:stretch>
+              </a:blipFill>
+            </p:spPr>
+            <p:txBody>
+              <a:bodyPr/>
+              <a:lstStyle/>
+              <a:p>
+                <a:r>
+                  <a:rPr lang="en-US">
+                    <a:noFill/>
+                  </a:rPr>
+                  <a:t> </a:t>
+                </a:r>
+              </a:p>
+            </p:txBody>
+          </p:sp>
+        </mc:Fallback>
+      </mc:AlternateContent>
+      <mc:AlternateContent xmlns:mc="http://schemas.openxmlformats.org/markup-compatibility/2006">
+        <mc:Choice xmlns:p14="http://schemas.microsoft.com/office/powerpoint/2010/main" Requires="p14">
+          <p:contentPart p14:bwMode="auto" r:id="rId16">
+            <p14:nvContentPartPr>
+              <p14:cNvPr id="2" name="Ink 1">
+                <a:extLst>
+                  <a:ext uri="{FF2B5EF4-FFF2-40B4-BE49-F238E27FC236}">
+                    <a16:creationId xmlns:a16="http://schemas.microsoft.com/office/drawing/2014/main" id="{F704E738-4B13-81DF-2CC0-7D0AAEBD9573}"/>
+                  </a:ext>
+                </a:extLst>
+              </p14:cNvPr>
+              <p14:cNvContentPartPr/>
+              <p14:nvPr/>
+            </p14:nvContentPartPr>
+            <p14:xfrm>
+              <a:off x="4352375" y="4001992"/>
+              <a:ext cx="322200" cy="546840"/>
+            </p14:xfrm>
+          </p:contentPart>
+        </mc:Choice>
+        <mc:Fallback>
+          <p:pic>
+            <p:nvPicPr>
+              <p:cNvPr id="2" name="Ink 1">
+                <a:extLst>
+                  <a:ext uri="{FF2B5EF4-FFF2-40B4-BE49-F238E27FC236}">
+                    <a16:creationId xmlns:a16="http://schemas.microsoft.com/office/drawing/2014/main" id="{F704E738-4B13-81DF-2CC0-7D0AAEBD9573}"/>
+                  </a:ext>
+                </a:extLst>
+              </p:cNvPr>
+              <p:cNvPicPr/>
+              <p:nvPr/>
+            </p:nvPicPr>
+            <p:blipFill>
+              <a:blip r:embed="rId17"/>
+              <a:stretch>
+                <a:fillRect/>
+              </a:stretch>
+            </p:blipFill>
+            <p:spPr>
+              <a:xfrm>
+                <a:off x="4334375" y="3984352"/>
+                <a:ext cx="357840" cy="582480"/>
+              </a:xfrm>
+              <a:prstGeom prst="rect">
+                <a:avLst/>
+              </a:prstGeom>
+            </p:spPr>
+          </p:pic>
+        </mc:Fallback>
+      </mc:AlternateContent>
+      <p:sp>
+        <p:nvSpPr>
+          <p:cNvPr id="3" name="TextBox 2">
+            <a:extLst>
+              <a:ext uri="{FF2B5EF4-FFF2-40B4-BE49-F238E27FC236}">
+                <a16:creationId xmlns:a16="http://schemas.microsoft.com/office/drawing/2014/main" id="{43355D9B-254F-DA94-514F-12EC074E6A1A}"/>
+              </a:ext>
+            </a:extLst>
+          </p:cNvPr>
+          <p:cNvSpPr txBox="1"/>
+          <p:nvPr/>
+        </p:nvSpPr>
+        <p:spPr>
+          <a:xfrm>
+            <a:off x="2865153" y="4687673"/>
+            <a:ext cx="2818400" cy="430887"/>
+          </a:xfrm>
+          <a:prstGeom prst="rect">
+            <a:avLst/>
+          </a:prstGeom>
+          <a:noFill/>
+        </p:spPr>
+        <p:txBody>
+          <a:bodyPr wrap="none" rtlCol="0">
+            <a:spAutoFit/>
+          </a:bodyPr>
+          <a:lstStyle/>
+          <a:p>
+            <a:r>
+              <a:rPr lang="en-US" sz="2200" dirty="0">
+                <a:latin typeface="Times" pitchFamily="2" charset="0"/>
+              </a:rPr>
+              <a:t>Power to reject the null</a:t>
+            </a:r>
+          </a:p>
+        </p:txBody>
+      </p:sp>
+    </p:spTree>
+    <p:extLst>
+      <p:ext uri="{BB962C8B-B14F-4D97-AF65-F5344CB8AC3E}">
+        <p14:creationId xmlns:p14="http://schemas.microsoft.com/office/powerpoint/2010/main" val="3045532425"/>
+      </p:ext>
+    </p:extLst>
+  </p:cSld>
+  <p:clrMapOvr>
+    <a:masterClrMapping/>
+  </p:clrMapOvr>
+</p:sld>
+</file>
+
 <file path=ppt/theme/theme1.xml><?xml version="1.0" encoding="utf-8"?>
 <a:theme xmlns:a="http://schemas.openxmlformats.org/drawingml/2006/main" name="Office Theme">
   <a:themeElements>

--- a/images/inference/power-diagram.pptx
+++ b/images/inference/power-diagram.pptx
@@ -105,6 +105,11 @@
       </a:defRPr>
     </a:lvl9pPr>
   </p:defaultTextStyle>
+  <p:extLst>
+    <p:ext uri="{EFAFB233-063F-42B5-8137-9DF3F51BA10A}">
+      <p15:sldGuideLst xmlns:p15="http://schemas.microsoft.com/office/powerpoint/2012/main"/>
+    </p:ext>
+  </p:extLst>
 </p:presentation>
 </file>
 
@@ -553,7 +558,7 @@
           <a:p>
             <a:fld id="{5303E370-D265-2C46-8068-DCA558B4929C}" type="datetimeFigureOut">
               <a:rPr lang="en-US" smtClean="0"/>
-              <a:t>6/20/22</a:t>
+              <a:t>8/10/22</a:t>
             </a:fld>
             <a:endParaRPr lang="en-US"/>
           </a:p>
@@ -751,7 +756,7 @@
           <a:p>
             <a:fld id="{5303E370-D265-2C46-8068-DCA558B4929C}" type="datetimeFigureOut">
               <a:rPr lang="en-US" smtClean="0"/>
-              <a:t>6/20/22</a:t>
+              <a:t>8/10/22</a:t>
             </a:fld>
             <a:endParaRPr lang="en-US"/>
           </a:p>
@@ -959,7 +964,7 @@
           <a:p>
             <a:fld id="{5303E370-D265-2C46-8068-DCA558B4929C}" type="datetimeFigureOut">
               <a:rPr lang="en-US" smtClean="0"/>
-              <a:t>6/20/22</a:t>
+              <a:t>8/10/22</a:t>
             </a:fld>
             <a:endParaRPr lang="en-US"/>
           </a:p>
@@ -1157,7 +1162,7 @@
           <a:p>
             <a:fld id="{5303E370-D265-2C46-8068-DCA558B4929C}" type="datetimeFigureOut">
               <a:rPr lang="en-US" smtClean="0"/>
-              <a:t>6/20/22</a:t>
+              <a:t>8/10/22</a:t>
             </a:fld>
             <a:endParaRPr lang="en-US"/>
           </a:p>
@@ -1432,7 +1437,7 @@
           <a:p>
             <a:fld id="{5303E370-D265-2C46-8068-DCA558B4929C}" type="datetimeFigureOut">
               <a:rPr lang="en-US" smtClean="0"/>
-              <a:t>6/20/22</a:t>
+              <a:t>8/10/22</a:t>
             </a:fld>
             <a:endParaRPr lang="en-US"/>
           </a:p>
@@ -1697,7 +1702,7 @@
           <a:p>
             <a:fld id="{5303E370-D265-2C46-8068-DCA558B4929C}" type="datetimeFigureOut">
               <a:rPr lang="en-US" smtClean="0"/>
-              <a:t>6/20/22</a:t>
+              <a:t>8/10/22</a:t>
             </a:fld>
             <a:endParaRPr lang="en-US"/>
           </a:p>
@@ -2109,7 +2114,7 @@
           <a:p>
             <a:fld id="{5303E370-D265-2C46-8068-DCA558B4929C}" type="datetimeFigureOut">
               <a:rPr lang="en-US" smtClean="0"/>
-              <a:t>6/20/22</a:t>
+              <a:t>8/10/22</a:t>
             </a:fld>
             <a:endParaRPr lang="en-US"/>
           </a:p>
@@ -2250,7 +2255,7 @@
           <a:p>
             <a:fld id="{5303E370-D265-2C46-8068-DCA558B4929C}" type="datetimeFigureOut">
               <a:rPr lang="en-US" smtClean="0"/>
-              <a:t>6/20/22</a:t>
+              <a:t>8/10/22</a:t>
             </a:fld>
             <a:endParaRPr lang="en-US"/>
           </a:p>
@@ -2363,7 +2368,7 @@
           <a:p>
             <a:fld id="{5303E370-D265-2C46-8068-DCA558B4929C}" type="datetimeFigureOut">
               <a:rPr lang="en-US" smtClean="0"/>
-              <a:t>6/20/22</a:t>
+              <a:t>8/10/22</a:t>
             </a:fld>
             <a:endParaRPr lang="en-US"/>
           </a:p>
@@ -2674,7 +2679,7 @@
           <a:p>
             <a:fld id="{5303E370-D265-2C46-8068-DCA558B4929C}" type="datetimeFigureOut">
               <a:rPr lang="en-US" smtClean="0"/>
-              <a:t>6/20/22</a:t>
+              <a:t>8/10/22</a:t>
             </a:fld>
             <a:endParaRPr lang="en-US"/>
           </a:p>
@@ -2962,7 +2967,7 @@
           <a:p>
             <a:fld id="{5303E370-D265-2C46-8068-DCA558B4929C}" type="datetimeFigureOut">
               <a:rPr lang="en-US" smtClean="0"/>
-              <a:t>6/20/22</a:t>
+              <a:t>8/10/22</a:t>
             </a:fld>
             <a:endParaRPr lang="en-US"/>
           </a:p>
@@ -3203,7 +3208,7 @@
           <a:p>
             <a:fld id="{5303E370-D265-2C46-8068-DCA558B4929C}" type="datetimeFigureOut">
               <a:rPr lang="en-US" smtClean="0"/>
-              <a:t>6/20/22</a:t>
+              <a:t>8/10/22</a:t>
             </a:fld>
             <a:endParaRPr lang="en-US"/>
           </a:p>
@@ -3620,8 +3625,8 @@
           <a:chExt cx="0" cy="0"/>
         </a:xfrm>
       </p:grpSpPr>
-      <mc:AlternateContent xmlns:mc="http://schemas.openxmlformats.org/markup-compatibility/2006">
-        <mc:Choice xmlns:p14="http://schemas.microsoft.com/office/powerpoint/2010/main" Requires="p14">
+      <mc:AlternateContent xmlns:mc="http://schemas.openxmlformats.org/markup-compatibility/2006" xmlns:p14="http://schemas.microsoft.com/office/powerpoint/2010/main">
+        <mc:Choice Requires="p14">
           <p:contentPart p14:bwMode="auto" r:id="rId2">
             <p14:nvContentPartPr>
               <p14:cNvPr id="4" name="Ink 3">
@@ -3640,7 +3645,7 @@
             </p14:xfrm>
           </p:contentPart>
         </mc:Choice>
-        <mc:Fallback>
+        <mc:Fallback xmlns="">
           <p:pic>
             <p:nvPicPr>
               <p:cNvPr id="4" name="Ink 3">
@@ -3671,8 +3676,8 @@
           </p:pic>
         </mc:Fallback>
       </mc:AlternateContent>
-      <mc:AlternateContent xmlns:mc="http://schemas.openxmlformats.org/markup-compatibility/2006">
-        <mc:Choice xmlns:p14="http://schemas.microsoft.com/office/powerpoint/2010/main" Requires="p14">
+      <mc:AlternateContent xmlns:mc="http://schemas.openxmlformats.org/markup-compatibility/2006" xmlns:p14="http://schemas.microsoft.com/office/powerpoint/2010/main">
+        <mc:Choice Requires="p14">
           <p:contentPart p14:bwMode="auto" r:id="rId4">
             <p14:nvContentPartPr>
               <p14:cNvPr id="7" name="Ink 6">
@@ -3691,7 +3696,7 @@
             </p14:xfrm>
           </p:contentPart>
         </mc:Choice>
-        <mc:Fallback>
+        <mc:Fallback xmlns="">
           <p:pic>
             <p:nvPicPr>
               <p:cNvPr id="7" name="Ink 6">
@@ -3722,8 +3727,8 @@
           </p:pic>
         </mc:Fallback>
       </mc:AlternateContent>
-      <mc:AlternateContent xmlns:mc="http://schemas.openxmlformats.org/markup-compatibility/2006">
-        <mc:Choice xmlns:p14="http://schemas.microsoft.com/office/powerpoint/2010/main" Requires="p14">
+      <mc:AlternateContent xmlns:mc="http://schemas.openxmlformats.org/markup-compatibility/2006" xmlns:p14="http://schemas.microsoft.com/office/powerpoint/2010/main">
+        <mc:Choice Requires="p14">
           <p:contentPart p14:bwMode="auto" r:id="rId6">
             <p14:nvContentPartPr>
               <p14:cNvPr id="8" name="Ink 7">
@@ -3742,7 +3747,7 @@
             </p14:xfrm>
           </p:contentPart>
         </mc:Choice>
-        <mc:Fallback>
+        <mc:Fallback xmlns="">
           <p:pic>
             <p:nvPicPr>
               <p:cNvPr id="8" name="Ink 7">
@@ -3773,8 +3778,8 @@
           </p:pic>
         </mc:Fallback>
       </mc:AlternateContent>
-      <mc:AlternateContent xmlns:mc="http://schemas.openxmlformats.org/markup-compatibility/2006">
-        <mc:Choice xmlns:p14="http://schemas.microsoft.com/office/powerpoint/2010/main" Requires="p14">
+      <mc:AlternateContent xmlns:mc="http://schemas.openxmlformats.org/markup-compatibility/2006" xmlns:p14="http://schemas.microsoft.com/office/powerpoint/2010/main">
+        <mc:Choice Requires="p14">
           <p:contentPart p14:bwMode="auto" r:id="rId8">
             <p14:nvContentPartPr>
               <p14:cNvPr id="10" name="Ink 9">
@@ -3793,7 +3798,7 @@
             </p14:xfrm>
           </p:contentPart>
         </mc:Choice>
-        <mc:Fallback>
+        <mc:Fallback xmlns="">
           <p:pic>
             <p:nvPicPr>
               <p:cNvPr id="10" name="Ink 9">
@@ -3824,8 +3829,8 @@
           </p:pic>
         </mc:Fallback>
       </mc:AlternateContent>
-      <mc:AlternateContent xmlns:mc="http://schemas.openxmlformats.org/markup-compatibility/2006">
-        <mc:Choice xmlns:p14="http://schemas.microsoft.com/office/powerpoint/2010/main" Requires="p14">
+      <mc:AlternateContent xmlns:mc="http://schemas.openxmlformats.org/markup-compatibility/2006" xmlns:p14="http://schemas.microsoft.com/office/powerpoint/2010/main">
+        <mc:Choice Requires="p14">
           <p:contentPart p14:bwMode="auto" r:id="rId10">
             <p14:nvContentPartPr>
               <p14:cNvPr id="11" name="Ink 10">
@@ -3844,7 +3849,7 @@
             </p14:xfrm>
           </p:contentPart>
         </mc:Choice>
-        <mc:Fallback>
+        <mc:Fallback xmlns="">
           <p:pic>
             <p:nvPicPr>
               <p:cNvPr id="11" name="Ink 10">
@@ -3890,7 +3895,7 @@
         <p:spPr>
           <a:xfrm>
             <a:off x="4251680" y="1586306"/>
-            <a:ext cx="1560812" cy="369332"/>
+            <a:ext cx="1584857" cy="369332"/>
           </a:xfrm>
           <a:prstGeom prst="rect">
             <a:avLst/>
@@ -3909,9 +3914,12 @@
             </a:r>
             <a:r>
               <a:rPr lang="en-US" baseline="-25000" dirty="0"/>
-              <a:t>0)</a:t>
-            </a:r>
-            <a:endParaRPr lang="en-US" dirty="0"/>
+              <a:t>0</a:t>
+            </a:r>
+            <a:r>
+              <a:rPr lang="en-US" dirty="0"/>
+              <a:t>)</a:t>
+            </a:r>
           </a:p>
         </p:txBody>
       </p:sp>
@@ -3930,7 +3938,7 @@
         <p:spPr>
           <a:xfrm>
             <a:off x="6300595" y="1586306"/>
-            <a:ext cx="2135265" cy="369332"/>
+            <a:ext cx="2159309" cy="369332"/>
           </a:xfrm>
           <a:prstGeom prst="rect">
             <a:avLst/>
@@ -3949,13 +3957,17 @@
             </a:r>
             <a:r>
               <a:rPr lang="en-US" baseline="-25000" dirty="0"/>
-              <a:t>0)</a:t>
-            </a:r>
-          </a:p>
-        </p:txBody>
-      </p:sp>
-      <mc:AlternateContent xmlns:mc="http://schemas.openxmlformats.org/markup-compatibility/2006">
-        <mc:Choice xmlns:a14="http://schemas.microsoft.com/office/drawing/2010/main" Requires="a14">
+              <a:t>0</a:t>
+            </a:r>
+            <a:r>
+              <a:rPr lang="en-US" dirty="0"/>
+              <a:t>)</a:t>
+            </a:r>
+          </a:p>
+        </p:txBody>
+      </p:sp>
+      <mc:AlternateContent xmlns:mc="http://schemas.openxmlformats.org/markup-compatibility/2006" xmlns:a14="http://schemas.microsoft.com/office/drawing/2010/main">
+        <mc:Choice Requires="a14">
           <p:sp>
             <p:nvSpPr>
               <p:cNvPr id="15" name="TextBox 14">
@@ -3990,6 +4002,7 @@
                 </a:r>
               </a:p>
               <a:p>
+                <a:pPr/>
                 <a14:m>
                   <m:oMathPara xmlns:m="http://schemas.openxmlformats.org/officeDocument/2006/math">
                     <m:oMathParaPr>
@@ -4014,7 +4027,7 @@
             </p:txBody>
           </p:sp>
         </mc:Choice>
-        <mc:Fallback>
+        <mc:Fallback xmlns="">
           <p:sp>
             <p:nvSpPr>
               <p:cNvPr id="15" name="TextBox 14">
@@ -4059,8 +4072,8 @@
           </p:sp>
         </mc:Fallback>
       </mc:AlternateContent>
-      <mc:AlternateContent xmlns:mc="http://schemas.openxmlformats.org/markup-compatibility/2006">
-        <mc:Choice xmlns:a14="http://schemas.microsoft.com/office/drawing/2010/main" Requires="a14">
+      <mc:AlternateContent xmlns:mc="http://schemas.openxmlformats.org/markup-compatibility/2006" xmlns:a14="http://schemas.microsoft.com/office/drawing/2010/main">
+        <mc:Choice Requires="a14">
           <p:sp>
             <p:nvSpPr>
               <p:cNvPr id="16" name="TextBox 15">
@@ -4118,7 +4131,7 @@
             </p:txBody>
           </p:sp>
         </mc:Choice>
-        <mc:Fallback>
+        <mc:Fallback xmlns="">
           <p:sp>
             <p:nvSpPr>
               <p:cNvPr id="16" name="TextBox 15">
@@ -4268,8 +4281,15 @@
             </a:r>
             <a:r>
               <a:rPr lang="en-US" baseline="-25000" dirty="0"/>
-              <a:t>0)</a:t>
-            </a:r>
+              <a:t>0</a:t>
+            </a:r>
+            <a:r>
+              <a:rPr lang="en-US" dirty="0"/>
+              <a:t>)</a:t>
+            </a:r>
+          </a:p>
+          <a:p>
+            <a:pPr algn="r"/>
             <a:r>
               <a:rPr lang="en-US" dirty="0"/>
               <a:t> is true</a:t>
@@ -4321,8 +4341,8 @@
           </a:p>
         </p:txBody>
       </p:sp>
-      <mc:AlternateContent xmlns:mc="http://schemas.openxmlformats.org/markup-compatibility/2006">
-        <mc:Choice xmlns:a14="http://schemas.microsoft.com/office/drawing/2010/main" Requires="a14">
+      <mc:AlternateContent xmlns:mc="http://schemas.openxmlformats.org/markup-compatibility/2006" xmlns:a14="http://schemas.microsoft.com/office/drawing/2010/main">
+        <mc:Choice Requires="a14">
           <p:sp>
             <p:nvSpPr>
               <p:cNvPr id="22" name="TextBox 21">
@@ -4357,6 +4377,7 @@
                 </a:r>
               </a:p>
               <a:p>
+                <a:pPr/>
                 <a14:m>
                   <m:oMathPara xmlns:m="http://schemas.openxmlformats.org/officeDocument/2006/math">
                     <m:oMathParaPr>
@@ -4388,7 +4409,7 @@
             </p:txBody>
           </p:sp>
         </mc:Choice>
-        <mc:Fallback>
+        <mc:Fallback xmlns="">
           <p:sp>
             <p:nvSpPr>
               <p:cNvPr id="22" name="TextBox 21">
@@ -4433,8 +4454,8 @@
           </p:sp>
         </mc:Fallback>
       </mc:AlternateContent>
-      <mc:AlternateContent xmlns:mc="http://schemas.openxmlformats.org/markup-compatibility/2006">
-        <mc:Choice xmlns:a14="http://schemas.microsoft.com/office/drawing/2010/main" Requires="a14">
+      <mc:AlternateContent xmlns:mc="http://schemas.openxmlformats.org/markup-compatibility/2006" xmlns:a14="http://schemas.microsoft.com/office/drawing/2010/main">
+        <mc:Choice Requires="a14">
           <p:sp>
             <p:nvSpPr>
               <p:cNvPr id="23" name="TextBox 22">
@@ -4469,6 +4490,7 @@
                 </a:r>
               </a:p>
               <a:p>
+                <a:pPr/>
                 <a14:m>
                   <m:oMathPara xmlns:m="http://schemas.openxmlformats.org/officeDocument/2006/math">
                     <m:oMathParaPr>
@@ -4497,7 +4519,7 @@
             </p:txBody>
           </p:sp>
         </mc:Choice>
-        <mc:Fallback>
+        <mc:Fallback xmlns="">
           <p:sp>
             <p:nvSpPr>
               <p:cNvPr id="23" name="TextBox 22">
@@ -4572,8 +4594,8 @@
           <a:chExt cx="0" cy="0"/>
         </a:xfrm>
       </p:grpSpPr>
-      <mc:AlternateContent xmlns:mc="http://schemas.openxmlformats.org/markup-compatibility/2006">
-        <mc:Choice xmlns:p14="http://schemas.microsoft.com/office/powerpoint/2010/main" Requires="p14">
+      <mc:AlternateContent xmlns:mc="http://schemas.openxmlformats.org/markup-compatibility/2006" xmlns:p14="http://schemas.microsoft.com/office/powerpoint/2010/main">
+        <mc:Choice Requires="p14">
           <p:contentPart p14:bwMode="auto" r:id="rId2">
             <p14:nvContentPartPr>
               <p14:cNvPr id="4" name="Ink 3">
@@ -4592,7 +4614,7 @@
             </p14:xfrm>
           </p:contentPart>
         </mc:Choice>
-        <mc:Fallback>
+        <mc:Fallback xmlns="">
           <p:pic>
             <p:nvPicPr>
               <p:cNvPr id="4" name="Ink 3">
@@ -4623,8 +4645,8 @@
           </p:pic>
         </mc:Fallback>
       </mc:AlternateContent>
-      <mc:AlternateContent xmlns:mc="http://schemas.openxmlformats.org/markup-compatibility/2006">
-        <mc:Choice xmlns:p14="http://schemas.microsoft.com/office/powerpoint/2010/main" Requires="p14">
+      <mc:AlternateContent xmlns:mc="http://schemas.openxmlformats.org/markup-compatibility/2006" xmlns:p14="http://schemas.microsoft.com/office/powerpoint/2010/main">
+        <mc:Choice Requires="p14">
           <p:contentPart p14:bwMode="auto" r:id="rId4">
             <p14:nvContentPartPr>
               <p14:cNvPr id="7" name="Ink 6">
@@ -4643,7 +4665,7 @@
             </p14:xfrm>
           </p:contentPart>
         </mc:Choice>
-        <mc:Fallback>
+        <mc:Fallback xmlns="">
           <p:pic>
             <p:nvPicPr>
               <p:cNvPr id="7" name="Ink 6">
@@ -4674,8 +4696,8 @@
           </p:pic>
         </mc:Fallback>
       </mc:AlternateContent>
-      <mc:AlternateContent xmlns:mc="http://schemas.openxmlformats.org/markup-compatibility/2006">
-        <mc:Choice xmlns:p14="http://schemas.microsoft.com/office/powerpoint/2010/main" Requires="p14">
+      <mc:AlternateContent xmlns:mc="http://schemas.openxmlformats.org/markup-compatibility/2006" xmlns:p14="http://schemas.microsoft.com/office/powerpoint/2010/main">
+        <mc:Choice Requires="p14">
           <p:contentPart p14:bwMode="auto" r:id="rId6">
             <p14:nvContentPartPr>
               <p14:cNvPr id="8" name="Ink 7">
@@ -4694,7 +4716,7 @@
             </p14:xfrm>
           </p:contentPart>
         </mc:Choice>
-        <mc:Fallback>
+        <mc:Fallback xmlns="">
           <p:pic>
             <p:nvPicPr>
               <p:cNvPr id="8" name="Ink 7">
@@ -4725,8 +4747,8 @@
           </p:pic>
         </mc:Fallback>
       </mc:AlternateContent>
-      <mc:AlternateContent xmlns:mc="http://schemas.openxmlformats.org/markup-compatibility/2006">
-        <mc:Choice xmlns:p14="http://schemas.microsoft.com/office/powerpoint/2010/main" Requires="p14">
+      <mc:AlternateContent xmlns:mc="http://schemas.openxmlformats.org/markup-compatibility/2006" xmlns:p14="http://schemas.microsoft.com/office/powerpoint/2010/main">
+        <mc:Choice Requires="p14">
           <p:contentPart p14:bwMode="auto" r:id="rId8">
             <p14:nvContentPartPr>
               <p14:cNvPr id="10" name="Ink 9">
@@ -4745,7 +4767,7 @@
             </p14:xfrm>
           </p:contentPart>
         </mc:Choice>
-        <mc:Fallback>
+        <mc:Fallback xmlns="">
           <p:pic>
             <p:nvPicPr>
               <p:cNvPr id="10" name="Ink 9">
@@ -4776,8 +4798,8 @@
           </p:pic>
         </mc:Fallback>
       </mc:AlternateContent>
-      <mc:AlternateContent xmlns:mc="http://schemas.openxmlformats.org/markup-compatibility/2006">
-        <mc:Choice xmlns:p14="http://schemas.microsoft.com/office/powerpoint/2010/main" Requires="p14">
+      <mc:AlternateContent xmlns:mc="http://schemas.openxmlformats.org/markup-compatibility/2006" xmlns:p14="http://schemas.microsoft.com/office/powerpoint/2010/main">
+        <mc:Choice Requires="p14">
           <p:contentPart p14:bwMode="auto" r:id="rId10">
             <p14:nvContentPartPr>
               <p14:cNvPr id="11" name="Ink 10">
@@ -4796,7 +4818,7 @@
             </p14:xfrm>
           </p:contentPart>
         </mc:Choice>
-        <mc:Fallback>
+        <mc:Fallback xmlns="">
           <p:pic>
             <p:nvPicPr>
               <p:cNvPr id="11" name="Ink 10">
@@ -4827,87 +4849,8 @@
           </p:pic>
         </mc:Fallback>
       </mc:AlternateContent>
-      <p:sp>
-        <p:nvSpPr>
-          <p:cNvPr id="12" name="TextBox 11">
-            <a:extLst>
-              <a:ext uri="{FF2B5EF4-FFF2-40B4-BE49-F238E27FC236}">
-                <a16:creationId xmlns:a16="http://schemas.microsoft.com/office/drawing/2014/main" id="{446220B9-178E-74AD-F63D-0BED26FD4B75}"/>
-              </a:ext>
-            </a:extLst>
-          </p:cNvPr>
-          <p:cNvSpPr txBox="1"/>
-          <p:nvPr/>
-        </p:nvSpPr>
-        <p:spPr>
-          <a:xfrm>
-            <a:off x="4251680" y="1586306"/>
-            <a:ext cx="1560812" cy="369332"/>
-          </a:xfrm>
-          <a:prstGeom prst="rect">
-            <a:avLst/>
-          </a:prstGeom>
-          <a:noFill/>
-        </p:spPr>
-        <p:txBody>
-          <a:bodyPr wrap="none" rtlCol="0">
-            <a:spAutoFit/>
-          </a:bodyPr>
-          <a:lstStyle/>
-          <a:p>
-            <a:r>
-              <a:rPr lang="en-US" dirty="0"/>
-              <a:t>Reject null (H</a:t>
-            </a:r>
-            <a:r>
-              <a:rPr lang="en-US" baseline="-25000" dirty="0"/>
-              <a:t>0)</a:t>
-            </a:r>
-            <a:endParaRPr lang="en-US" dirty="0"/>
-          </a:p>
-        </p:txBody>
-      </p:sp>
-      <p:sp>
-        <p:nvSpPr>
-          <p:cNvPr id="13" name="TextBox 12">
-            <a:extLst>
-              <a:ext uri="{FF2B5EF4-FFF2-40B4-BE49-F238E27FC236}">
-                <a16:creationId xmlns:a16="http://schemas.microsoft.com/office/drawing/2014/main" id="{A0124EC3-2D18-EE12-C929-C116C1CF3BB1}"/>
-              </a:ext>
-            </a:extLst>
-          </p:cNvPr>
-          <p:cNvSpPr txBox="1"/>
-          <p:nvPr/>
-        </p:nvSpPr>
-        <p:spPr>
-          <a:xfrm>
-            <a:off x="6300595" y="1586306"/>
-            <a:ext cx="2135265" cy="369332"/>
-          </a:xfrm>
-          <a:prstGeom prst="rect">
-            <a:avLst/>
-          </a:prstGeom>
-          <a:noFill/>
-        </p:spPr>
-        <p:txBody>
-          <a:bodyPr wrap="none" rtlCol="0">
-            <a:spAutoFit/>
-          </a:bodyPr>
-          <a:lstStyle/>
-          <a:p>
-            <a:r>
-              <a:rPr lang="en-US" dirty="0"/>
-              <a:t>Fail to reject null (H</a:t>
-            </a:r>
-            <a:r>
-              <a:rPr lang="en-US" baseline="-25000" dirty="0"/>
-              <a:t>0)</a:t>
-            </a:r>
-          </a:p>
-        </p:txBody>
-      </p:sp>
-      <mc:AlternateContent xmlns:mc="http://schemas.openxmlformats.org/markup-compatibility/2006">
-        <mc:Choice xmlns:a14="http://schemas.microsoft.com/office/drawing/2010/main" Requires="a14">
+      <mc:AlternateContent xmlns:mc="http://schemas.openxmlformats.org/markup-compatibility/2006" xmlns:a14="http://schemas.microsoft.com/office/drawing/2010/main">
+        <mc:Choice Requires="a14">
           <p:sp>
             <p:nvSpPr>
               <p:cNvPr id="15" name="TextBox 14">
@@ -4967,7 +4910,7 @@
             </p:txBody>
           </p:sp>
         </mc:Choice>
-        <mc:Fallback>
+        <mc:Fallback xmlns="">
           <p:sp>
             <p:nvSpPr>
               <p:cNvPr id="15" name="TextBox 14">
@@ -5012,8 +4955,8 @@
           </p:sp>
         </mc:Fallback>
       </mc:AlternateContent>
-      <mc:AlternateContent xmlns:mc="http://schemas.openxmlformats.org/markup-compatibility/2006">
-        <mc:Choice xmlns:a14="http://schemas.microsoft.com/office/drawing/2010/main" Requires="a14">
+      <mc:AlternateContent xmlns:mc="http://schemas.openxmlformats.org/markup-compatibility/2006" xmlns:a14="http://schemas.microsoft.com/office/drawing/2010/main">
+        <mc:Choice Requires="a14">
           <p:sp>
             <p:nvSpPr>
               <p:cNvPr id="16" name="TextBox 15">
@@ -5071,7 +5014,7 @@
             </p:txBody>
           </p:sp>
         </mc:Choice>
-        <mc:Fallback>
+        <mc:Fallback xmlns="">
           <p:sp>
             <p:nvSpPr>
               <p:cNvPr id="16" name="TextBox 15">
@@ -5186,96 +5129,8 @@
           </a:p>
         </p:txBody>
       </p:sp>
-      <p:sp>
-        <p:nvSpPr>
-          <p:cNvPr id="20" name="TextBox 19">
-            <a:extLst>
-              <a:ext uri="{FF2B5EF4-FFF2-40B4-BE49-F238E27FC236}">
-                <a16:creationId xmlns:a16="http://schemas.microsoft.com/office/drawing/2014/main" id="{287A9BF6-4DF7-04D2-6FCD-8DB1640DDA6A}"/>
-              </a:ext>
-            </a:extLst>
-          </p:cNvPr>
-          <p:cNvSpPr txBox="1"/>
-          <p:nvPr/>
-        </p:nvSpPr>
-        <p:spPr>
-          <a:xfrm>
-            <a:off x="2901848" y="2348751"/>
-            <a:ext cx="992941" cy="646331"/>
-          </a:xfrm>
-          <a:prstGeom prst="rect">
-            <a:avLst/>
-          </a:prstGeom>
-          <a:noFill/>
-        </p:spPr>
-        <p:txBody>
-          <a:bodyPr wrap="square" rtlCol="0">
-            <a:spAutoFit/>
-          </a:bodyPr>
-          <a:lstStyle/>
-          <a:p>
-            <a:pPr algn="r"/>
-            <a:r>
-              <a:rPr lang="en-US" dirty="0"/>
-              <a:t>Null (H</a:t>
-            </a:r>
-            <a:r>
-              <a:rPr lang="en-US" baseline="-25000" dirty="0"/>
-              <a:t>0)</a:t>
-            </a:r>
-            <a:r>
-              <a:rPr lang="en-US" dirty="0"/>
-              <a:t> is true</a:t>
-            </a:r>
-          </a:p>
-        </p:txBody>
-      </p:sp>
-      <p:sp>
-        <p:nvSpPr>
-          <p:cNvPr id="21" name="TextBox 20">
-            <a:extLst>
-              <a:ext uri="{FF2B5EF4-FFF2-40B4-BE49-F238E27FC236}">
-                <a16:creationId xmlns:a16="http://schemas.microsoft.com/office/drawing/2014/main" id="{CB9F36A8-3FE6-6F59-6C36-26B5354FC322}"/>
-              </a:ext>
-            </a:extLst>
-          </p:cNvPr>
-          <p:cNvSpPr txBox="1"/>
-          <p:nvPr/>
-        </p:nvSpPr>
-        <p:spPr>
-          <a:xfrm>
-            <a:off x="2898052" y="3429000"/>
-            <a:ext cx="992941" cy="646331"/>
-          </a:xfrm>
-          <a:prstGeom prst="rect">
-            <a:avLst/>
-          </a:prstGeom>
-          <a:noFill/>
-        </p:spPr>
-        <p:txBody>
-          <a:bodyPr wrap="square" rtlCol="0">
-            <a:spAutoFit/>
-          </a:bodyPr>
-          <a:lstStyle/>
-          <a:p>
-            <a:pPr algn="r"/>
-            <a:r>
-              <a:rPr lang="en-US" dirty="0"/>
-              <a:t>Null (H</a:t>
-            </a:r>
-            <a:r>
-              <a:rPr lang="en-US" baseline="-25000" dirty="0"/>
-              <a:t>0</a:t>
-            </a:r>
-            <a:r>
-              <a:rPr lang="en-US" dirty="0"/>
-              <a:t>) is false</a:t>
-            </a:r>
-          </a:p>
-        </p:txBody>
-      </p:sp>
-      <mc:AlternateContent xmlns:mc="http://schemas.openxmlformats.org/markup-compatibility/2006">
-        <mc:Choice xmlns:a14="http://schemas.microsoft.com/office/drawing/2010/main" Requires="a14">
+      <mc:AlternateContent xmlns:mc="http://schemas.openxmlformats.org/markup-compatibility/2006" xmlns:a14="http://schemas.microsoft.com/office/drawing/2010/main">
+        <mc:Choice Requires="a14">
           <p:sp>
             <p:nvSpPr>
               <p:cNvPr id="22" name="TextBox 21">
@@ -5342,7 +5197,7 @@
             </p:txBody>
           </p:sp>
         </mc:Choice>
-        <mc:Fallback>
+        <mc:Fallback xmlns="">
           <p:sp>
             <p:nvSpPr>
               <p:cNvPr id="22" name="TextBox 21">
@@ -5387,8 +5242,8 @@
           </p:sp>
         </mc:Fallback>
       </mc:AlternateContent>
-      <mc:AlternateContent xmlns:mc="http://schemas.openxmlformats.org/markup-compatibility/2006">
-        <mc:Choice xmlns:a14="http://schemas.microsoft.com/office/drawing/2010/main" Requires="a14">
+      <mc:AlternateContent xmlns:mc="http://schemas.openxmlformats.org/markup-compatibility/2006" xmlns:a14="http://schemas.microsoft.com/office/drawing/2010/main">
+        <mc:Choice Requires="a14">
           <p:sp>
             <p:nvSpPr>
               <p:cNvPr id="23" name="TextBox 22">
@@ -5452,7 +5307,7 @@
             </p:txBody>
           </p:sp>
         </mc:Choice>
-        <mc:Fallback>
+        <mc:Fallback xmlns="">
           <p:sp>
             <p:nvSpPr>
               <p:cNvPr id="23" name="TextBox 22">
@@ -5497,8 +5352,8 @@
           </p:sp>
         </mc:Fallback>
       </mc:AlternateContent>
-      <mc:AlternateContent xmlns:mc="http://schemas.openxmlformats.org/markup-compatibility/2006">
-        <mc:Choice xmlns:p14="http://schemas.microsoft.com/office/powerpoint/2010/main" Requires="p14">
+      <mc:AlternateContent xmlns:mc="http://schemas.openxmlformats.org/markup-compatibility/2006" xmlns:p14="http://schemas.microsoft.com/office/powerpoint/2010/main">
+        <mc:Choice Requires="p14">
           <p:contentPart p14:bwMode="auto" r:id="rId16">
             <p14:nvContentPartPr>
               <p14:cNvPr id="2" name="Ink 1">
@@ -5517,7 +5372,7 @@
             </p14:xfrm>
           </p:contentPart>
         </mc:Choice>
-        <mc:Fallback>
+        <mc:Fallback xmlns="">
           <p:pic>
             <p:nvPicPr>
               <p:cNvPr id="2" name="Ink 1">
@@ -5581,6 +5436,187 @@
                 <a:latin typeface="Times" pitchFamily="2" charset="0"/>
               </a:rPr>
               <a:t>Power to reject the null</a:t>
+            </a:r>
+          </a:p>
+        </p:txBody>
+      </p:sp>
+      <p:sp>
+        <p:nvSpPr>
+          <p:cNvPr id="5" name="TextBox 4">
+            <a:extLst>
+              <a:ext uri="{FF2B5EF4-FFF2-40B4-BE49-F238E27FC236}">
+                <a16:creationId xmlns:a16="http://schemas.microsoft.com/office/drawing/2014/main" id="{0542F3B1-9A6A-9170-717A-D86468E79C0B}"/>
+              </a:ext>
+            </a:extLst>
+          </p:cNvPr>
+          <p:cNvSpPr txBox="1"/>
+          <p:nvPr/>
+        </p:nvSpPr>
+        <p:spPr>
+          <a:xfrm>
+            <a:off x="4251680" y="1586306"/>
+            <a:ext cx="1584857" cy="369332"/>
+          </a:xfrm>
+          <a:prstGeom prst="rect">
+            <a:avLst/>
+          </a:prstGeom>
+          <a:noFill/>
+        </p:spPr>
+        <p:txBody>
+          <a:bodyPr wrap="none" rtlCol="0">
+            <a:spAutoFit/>
+          </a:bodyPr>
+          <a:lstStyle/>
+          <a:p>
+            <a:r>
+              <a:rPr lang="en-US" dirty="0"/>
+              <a:t>Reject null (H</a:t>
+            </a:r>
+            <a:r>
+              <a:rPr lang="en-US" baseline="-25000" dirty="0"/>
+              <a:t>0</a:t>
+            </a:r>
+            <a:r>
+              <a:rPr lang="en-US" dirty="0"/>
+              <a:t>)</a:t>
+            </a:r>
+          </a:p>
+        </p:txBody>
+      </p:sp>
+      <p:sp>
+        <p:nvSpPr>
+          <p:cNvPr id="6" name="TextBox 5">
+            <a:extLst>
+              <a:ext uri="{FF2B5EF4-FFF2-40B4-BE49-F238E27FC236}">
+                <a16:creationId xmlns:a16="http://schemas.microsoft.com/office/drawing/2014/main" id="{3A002D00-2C4B-EEE0-5B05-2BEE68E073C0}"/>
+              </a:ext>
+            </a:extLst>
+          </p:cNvPr>
+          <p:cNvSpPr txBox="1"/>
+          <p:nvPr/>
+        </p:nvSpPr>
+        <p:spPr>
+          <a:xfrm>
+            <a:off x="6300595" y="1586306"/>
+            <a:ext cx="2159309" cy="369332"/>
+          </a:xfrm>
+          <a:prstGeom prst="rect">
+            <a:avLst/>
+          </a:prstGeom>
+          <a:noFill/>
+        </p:spPr>
+        <p:txBody>
+          <a:bodyPr wrap="none" rtlCol="0">
+            <a:spAutoFit/>
+          </a:bodyPr>
+          <a:lstStyle/>
+          <a:p>
+            <a:r>
+              <a:rPr lang="en-US" dirty="0"/>
+              <a:t>Fail to reject null (H</a:t>
+            </a:r>
+            <a:r>
+              <a:rPr lang="en-US" baseline="-25000" dirty="0"/>
+              <a:t>0</a:t>
+            </a:r>
+            <a:r>
+              <a:rPr lang="en-US" dirty="0"/>
+              <a:t>)</a:t>
+            </a:r>
+          </a:p>
+        </p:txBody>
+      </p:sp>
+      <p:sp>
+        <p:nvSpPr>
+          <p:cNvPr id="9" name="TextBox 8">
+            <a:extLst>
+              <a:ext uri="{FF2B5EF4-FFF2-40B4-BE49-F238E27FC236}">
+                <a16:creationId xmlns:a16="http://schemas.microsoft.com/office/drawing/2014/main" id="{4ED71AF3-89F6-B6EB-EC8A-DA17365CF04A}"/>
+              </a:ext>
+            </a:extLst>
+          </p:cNvPr>
+          <p:cNvSpPr txBox="1"/>
+          <p:nvPr/>
+        </p:nvSpPr>
+        <p:spPr>
+          <a:xfrm>
+            <a:off x="2901848" y="2348751"/>
+            <a:ext cx="992941" cy="646331"/>
+          </a:xfrm>
+          <a:prstGeom prst="rect">
+            <a:avLst/>
+          </a:prstGeom>
+          <a:noFill/>
+        </p:spPr>
+        <p:txBody>
+          <a:bodyPr wrap="square" rtlCol="0">
+            <a:spAutoFit/>
+          </a:bodyPr>
+          <a:lstStyle/>
+          <a:p>
+            <a:pPr algn="r"/>
+            <a:r>
+              <a:rPr lang="en-US" dirty="0"/>
+              <a:t>Null (H</a:t>
+            </a:r>
+            <a:r>
+              <a:rPr lang="en-US" baseline="-25000" dirty="0"/>
+              <a:t>0</a:t>
+            </a:r>
+            <a:r>
+              <a:rPr lang="en-US" dirty="0"/>
+              <a:t>)</a:t>
+            </a:r>
+          </a:p>
+          <a:p>
+            <a:pPr algn="r"/>
+            <a:r>
+              <a:rPr lang="en-US" dirty="0"/>
+              <a:t> is true</a:t>
+            </a:r>
+          </a:p>
+        </p:txBody>
+      </p:sp>
+      <p:sp>
+        <p:nvSpPr>
+          <p:cNvPr id="14" name="TextBox 13">
+            <a:extLst>
+              <a:ext uri="{FF2B5EF4-FFF2-40B4-BE49-F238E27FC236}">
+                <a16:creationId xmlns:a16="http://schemas.microsoft.com/office/drawing/2014/main" id="{E5023629-74F6-2203-D336-7A5303C3DBEB}"/>
+              </a:ext>
+            </a:extLst>
+          </p:cNvPr>
+          <p:cNvSpPr txBox="1"/>
+          <p:nvPr/>
+        </p:nvSpPr>
+        <p:spPr>
+          <a:xfrm>
+            <a:off x="2898052" y="3429000"/>
+            <a:ext cx="992941" cy="646331"/>
+          </a:xfrm>
+          <a:prstGeom prst="rect">
+            <a:avLst/>
+          </a:prstGeom>
+          <a:noFill/>
+        </p:spPr>
+        <p:txBody>
+          <a:bodyPr wrap="square" rtlCol="0">
+            <a:spAutoFit/>
+          </a:bodyPr>
+          <a:lstStyle/>
+          <a:p>
+            <a:pPr algn="r"/>
+            <a:r>
+              <a:rPr lang="en-US" dirty="0"/>
+              <a:t>Null (H</a:t>
+            </a:r>
+            <a:r>
+              <a:rPr lang="en-US" baseline="-25000" dirty="0"/>
+              <a:t>0</a:t>
+            </a:r>
+            <a:r>
+              <a:rPr lang="en-US" dirty="0"/>
+              <a:t>) is false</a:t>
             </a:r>
           </a:p>
         </p:txBody>

--- a/images/inference/power-diagram.pptx
+++ b/images/inference/power-diagram.pptx
@@ -7,6 +7,7 @@
   <p:sldIdLst>
     <p:sldId id="256" r:id="rId2"/>
     <p:sldId id="257" r:id="rId3"/>
+    <p:sldId id="258" r:id="rId4"/>
   </p:sldIdLst>
   <p:sldSz cx="12192000" cy="6858000"/>
   <p:notesSz cx="6858000" cy="9144000"/>
@@ -192,6 +193,141 @@
     </inkml:brush>
   </inkml:definitions>
   <inkml:trace contextRef="#ctx0" brushRef="#br0">0 1519 24575,'0'-24'0,"5"0"0,-4 4 0,8 1 0,-8-1 0,3 0 0,-4 0 0,4 5 0,-3 1 0,3-6 0,-4 5 0,0-16 0,0 5 0,14-22 0,-5 5 0,15-1 0,-11 6 0,7 4 0,-8 0 0,10-5 0,-10 12 0,3-5 0,-4 5 0,4 0 0,-3-4 0,2 4 0,1 0 0,-3-4 0,3 4 0,0 0 0,-3-4 0,7 9 0,-7-9 0,2 10 0,1-5 0,-4 1 0,9-2 0,-8 0 0,8-5 0,-2-1 0,10-3 0,-4-4 0,10 5 0,-11 2 0,5-1 0,-6 1 0,-1 6 0,0 2 0,-6 5 0,-1 5 0,-4 1 0,-5 5 0,3 4 0,-7-3 0,-1 7 0,-5-3 0,-3 4 0,-6 5 0,4 0 0,-8 0 0,7 3 0,-13-2 0,7 3 0,-8 2 0,-1-6 0,-1 5 0,-5-4 0,5 4 0,1 1 0,0-6 0,5 4 0,0-8 0,7 7 0,5-7 0,0 3 0,1-4 0,3 4 0,21-11 0,-2 4 0,17-10 0,-11-2 0,5 4 0,-3-4 0,3 1 0,1 2 0,1-8 0,0 9 0,4-10 0,-9 10 0,3-4 0,-10 5 0,-1 5 0,-5-3 0,0 7 0,0-3 0,-4 7 0,-1 2 0,5 4 0,-3 0 0,13 6 0,-9 0 0,10 10 0,-5-3 0,7 9 0,-6-4 0,6 12 0,-10-5 0,4 0 0,-5-3 0,-1-9 0,0-2 0,-5-6 0,-1-5 0,-4 0 0,0 0 0,4 0 0,-3-1 0,3-3 0,-4-1 0</inkml:trace>
+</inkml:ink>
+</file>
+
+<file path=ppt/ink/ink12.xml><?xml version="1.0" encoding="utf-8"?>
+<inkml:ink xmlns:inkml="http://www.w3.org/2003/InkML">
+  <inkml:definitions>
+    <inkml:context xml:id="ctx0">
+      <inkml:inkSource xml:id="inkSrc0">
+        <inkml:traceFormat>
+          <inkml:channel name="X" type="integer" min="-2.14748E9" max="2.14748E9" units="cm"/>
+          <inkml:channel name="Y" type="integer" min="-2.14748E9" max="2.14748E9" units="cm"/>
+          <inkml:channel name="F" type="integer" max="32767" units="dev"/>
+        </inkml:traceFormat>
+        <inkml:channelProperties>
+          <inkml:channelProperty channel="X" name="resolution" value="1000" units="1/cm"/>
+          <inkml:channelProperty channel="Y" name="resolution" value="1000" units="1/cm"/>
+          <inkml:channelProperty channel="F" name="resolution" value="0" units="1/dev"/>
+        </inkml:channelProperties>
+      </inkml:inkSource>
+      <inkml:timestamp xml:id="ts0" timeString="2022-09-24T22:06:52.009"/>
+    </inkml:context>
+    <inkml:brush xml:id="br0">
+      <inkml:brushProperty name="width" value="0.1" units="cm"/>
+      <inkml:brushProperty name="height" value="0.1" units="cm"/>
+    </inkml:brush>
+  </inkml:definitions>
+  <inkml:trace contextRef="#ctx0" brushRef="#br0">0 1 24575,'0'15'0,"0"4"0,0 3 0,0 0 0,5 9 0,-4-7 0,7 8 0,-3 12 0,0-12 0,0 12 0,-5-18 0,4 1 0,-3 0 0,7 0 0,-3 0 0,0 0 0,3 0 0,-3 5 0,4 1 0,1 6 0,0 6 0,0-4 0,-4 10 0,-2-5 0,-4 1 0,0 4 0,0-10 0,0 21 0,0-19 0,0 14 0,0-12 0,0-5 0,5 11 0,-4 10 0,4-11 0,-5 22 0,0-23 0,0 42 0,0-37 0,0 43 0,0-41 0,0 20 0,0-8 0,5 0 0,-4-7 0,4 5 0,-5-12 0,0 6 0,0-7 0,0 29 0,0-21 0,0 22 0,0-31 0,0 1 0,0 0 0,0-1 0,0 1 0,0 6 0,0-4 0,0 4 0,0 0 0,0-5 0,5 13 0,-4-13 0,4-1 0,-5-2 0,0-10 0,0 4 0,0-6 0,0-5 0,0 3 0,0-9 0,0 0 0,0-2 0,0-4 0,0 0 0,0 4 0,0-4 0,0 5 0,0-1 0,-4 1 0,3 0 0,-7 5 0,3-4 0,0 10 0,-3-10 0,7 10 0,-3-10 0,4 4 0,0-5 0,0 0 0,0 5 0,0-4 0,0 16 0,0-9 0,0 10 0,0-6 0,0 0 0,0-5 0,0-7 0,0-6 0,0-5 0,0-3 0,0-2 0,0-4 0,0 1 0,-4 15 0,3-3 0,-6 14 0,6-2 0,-3 2 0,0 0 0,3 3 0,-3-3 0,4-1 0,0 5 0,0-10 0,0 4 0,0-5 0,0 0 0,0 5 0,-4-4 0,3 4 0,-3 1 0,0-5 0,3 4 0,-3-6 0,0-3 0,3 2 0,-2-11 0,3 9 0,0-14 0,0 6 0,0-8 0,0 0 0,0 1 0,0-1 0,0 4 0,0 2 0,0 3 0,0 5 0,0-7 0,0 6 0,0-12 0,0 3 0,0-3 0,0-1 0,-4 0 0,4 1 0,-4-1 0,4 0 0,0 1 0,-3 2 0,2-1 0,-2 1 0,3-3 0,0 0 0,0 0 0,0 0 0,0 5 0,0 0 0,0 0 0,0 3 0,0-6 0,0 2 0,0-3 0,0-1 0,0 0 0,0 0 0,0 1 0,0 3 0,0 11 0,0 2 0,0 8 0,0-6 0,0 1 0,0-5 0,0-1 0,0-4 0,0-5 0,0-1 0,0-3 0,0-1 0,0 4 0,0 11 0,0 2 0,0 13 0,-4-4 0,11-11 0,8-5 0,15-17 0,9 0 0,0 0 0,0 0 0,0 0 0,0 0 0,6 0 0,1 0 0,7 0 0,-1 0 0,-6 0 0,5 0 0,-11 0 0,5 4 0,-6-2 0,0 6 0,0-7 0,-6 7 0,5-7 0,1 8 0,2-8 0,4 8 0,-6-8 0,0 8 0,0-8 0,-1 3 0,8-4 0,-6 0 0,11 0 0,-4 0 0,5 0 0,1 0 0,7 0 0,-6 0 0,5 0 0,-6 0 0,-1 0 0,-6 0 0,5-4 0,-10 2 0,-1-2 0,-8 4 0,0-5 0,-4 4 0,4-7 0,1 7 0,0-3 0,6 4 0,0-4 0,0 3 0,6-4 0,-4 1 0,4 3 0,0-8 0,1 8 0,1-4 0,4 5 0,-5-5 0,30 4 0,-17-3 0,17 4 0,-30 0 0,-2 0 0,-5 0 0,0 0 0,0 0 0,-6 0 0,5 0 0,-10 0 0,9 0 0,-8 0 0,8 0 0,-3 0 0,10 0 0,9 0 0,8 0 0,-6 0 0,17 0 0,-15 0 0,26 0 0,-20 0 0,11 0 0,-23 0 0,0 0 0,25 0 0,-21 0 0,-1 0 0,5 0 0,1 0 0,-14 0 0,5 0 0,-16 0 0,9 0 0,-11 0 0,1 0 0,-2 0 0,-5 0 0,-1 0 0,1 0 0,0 0 0,0 0 0,0 0 0,0 0 0,0 0 0,-5 3 0,3 2 0,-3 4 0,1-4 0,9 6 0,-8-9 0,11 6 0,-9-4 0,1-3 0,0 6 0,5-6 0,-4 3 0,10 1 0,-10-4 0,4 3 0,-5 0 0,0-3 0,-5 3 0,4-4 0,-9 0 0,4 0 0,-9 0 0,4 0 0,-4 0 0,4 0 0,1 0 0,-1 0 0,-4 0 0,4 0 0,-4 0 0,4 0 0,-3 0 0,2 0 0,-7 0 0,0 3 0,4-2 0,2-2 0,10 1 0,3-8 0,5 2 0,8-4 0,0-3 0,11 1 0,-5-2 0,13-2 0,-5 4 0,5-4 0,-13 6 0,-1 0 0,-6 0 0,0 1 0,-5 3 0,3-2 0,-9 7 0,9-8 0,-3 4 0,5-1 0,6 2 0,-5 0 0,5 3 0,0-4 0,-10 5 0,9 0 0,-16 0 0,10 0 0,-10 0 0,4 0 0,-5 0 0,-5 0 0,3-4 0,-2 3 0,3-3 0,1 0 0,0 3 0,-1-7 0,1 7 0,0-2 0,5-2 0,-4 4 0,9-3 0,-4 0 0,12 3 0,8-9 0,-5 9 0,24-9 0,-27 8 0,27-3 0,-18 0 0,7 4 0,29-4 0,-23 5 0,17 0 0,-2 0 0,-30 0 0,45 0 0,-38 0 0,24 0 0,-7 0 0,-19 0 0,14 5 0,-16 1 0,12 0 0,1 4 0,-7-9 0,-8 4 0,-2 0 0,-11-4 0,5 4 0,-6-5 0,6 0 0,-5 0 0,11 0 0,-10 0 0,33 0 0,-21 0 0,17 0 0,-19 5 0,-11-4 0,5 8 0,-6-8 0,0 8 0,0-8 0,0 3 0,0-4 0,0 0 0,6 0 0,1 0 0,7 0 0,-1 0 0,1 0 0,0 0 0,6 0 0,-5 0 0,6 0 0,-7 0 0,22-5 0,-16-1 0,17-4 0,-30 4 0,5-3 0,-10 7 0,4-7 0,-11 8 0,3-3 0,-9 0 0,9-1 0,-8 0 0,3-4 0,0 8 0,-8-6 0,7 6 0,-14-6 0,9 6 0,-9-3 0,4 4 0,-4 0 0,-1 0 0,0 0 0,1 0 0,6 0 0,0 0 0,1 0 0,-3 0 0,0 0 0,-3 0 0,3 0 0,-5 0 0,5 0 0,-4 0 0,4 0 0,-4 0 0,-1 0 0,0-4 0,5 4 0,2-4 0,3 0 0,7 3 0,-5-7 0,9 7 0,-3-3 0,5 0 0,0 3 0,-6-4 0,11 5 0,-14 0 0,9 0 0,-17 0 0,-1 0 0,-5 0 0,0 0 0,1 0 0,-1 0 0,-4 0 0,0 0 0,-1 0 0,-3-3 0,4 2 0,-5-2 0,-3 6 0,2-2 0,2 2 0,4-3 0,1 0 0,2 0 0,-3 0 0,1 0 0,2 0 0,8 0 0,-9 0 0,16 0 0,-20 0 0,10 0 0,-12 0 0,4 0 0,-5 0 0,0 0 0,1 0 0,-1 0 0,0 0 0,4 0 0,-2 0 0,2 0 0,-4 0 0,1 0 0,-1 0 0,0 0 0,1 0 0,-1 0 0,0 0 0,0 0 0,0 0 0,0 0 0,0 0 0,0 0 0,0 0 0,0 0 0,0 0 0,0 0 0,0 0 0,-3 0 0,-1 0 0</inkml:trace>
+</inkml:ink>
+</file>
+
+<file path=ppt/ink/ink13.xml><?xml version="1.0" encoding="utf-8"?>
+<inkml:ink xmlns:inkml="http://www.w3.org/2003/InkML">
+  <inkml:definitions>
+    <inkml:context xml:id="ctx0">
+      <inkml:inkSource xml:id="inkSrc0">
+        <inkml:traceFormat>
+          <inkml:channel name="X" type="integer" min="-2.14748E9" max="2.14748E9" units="cm"/>
+          <inkml:channel name="Y" type="integer" min="-2.14748E9" max="2.14748E9" units="cm"/>
+          <inkml:channel name="F" type="integer" max="32767" units="dev"/>
+        </inkml:traceFormat>
+        <inkml:channelProperties>
+          <inkml:channelProperty channel="X" name="resolution" value="1000" units="1/cm"/>
+          <inkml:channelProperty channel="Y" name="resolution" value="1000" units="1/cm"/>
+          <inkml:channelProperty channel="F" name="resolution" value="0" units="1/dev"/>
+        </inkml:channelProperties>
+      </inkml:inkSource>
+      <inkml:timestamp xml:id="ts0" timeString="2022-09-24T22:06:52.010"/>
+    </inkml:context>
+    <inkml:brush xml:id="br0">
+      <inkml:brushProperty name="width" value="0.1" units="cm"/>
+      <inkml:brushProperty name="height" value="0.1" units="cm"/>
+    </inkml:brush>
+  </inkml:definitions>
+  <inkml:trace contextRef="#ctx0" brushRef="#br0">0 188 24575,'29'0'0,"21"0"0,-6-4 0,53-3 0,-28-4 0,-19 4 0,2 1 0,33-1 0,8-4-1140,-6 10 1140,6-5 0,-23 6 0,28 0 0,-24 0 0,-23 0 0,0 0 0,34 0 0,8 0 0,-6 0 0,-9 0 373,-4 0-373,-13 0 189,7 0-189,-13 0 0,3 0 0,-17 4 578,4-3-578,-6 4 0,0-5 0,0 0 0,-6 0 0,5 0 0,-5 0 0,1 0 0,3 0 0,-3 0 0,5 4 0,0-3 0,0 3 0,0-4 0,0 0 0,0 0 0,6 0 0,-5 0 0,5 0 0,0 0 0,-4 0 0,4 0 0,-12 4 0,5-3 0,-10 7 0,4-3 0,-10 4 0,4 0 0,-9-1 0,9-3 0,-8 2 0,6-3 0,-11 1 0,6-2 0,-11-3 0,3 0 0,-3 0 0,-1 0 0,0 0 0,1 0 0,-1 0 0,0 0 0,1 0 0,-1 0 0,3 0 0,6 0 0,5 0 0,6-4 0,-1 3 0,1-7 0,5 3 0,-4 0 0,5-4 0,-1 8 0,-4-6 0,4 6 0,-10-3 0,4 4 0,-9 0 0,4 0 0,0 0 0,-3 0 0,3 0 0,-5 0 0,5 0 0,-3 0 0,3 0 0,-5 0 0,0 0 0,-3 0 0,2 0 0,-7 0 0,8 0 0,-8 0 0,7 0 0,-2 0 0,3 0 0,0 0 0,1 0 0,-1 0 0,0 0 0,0 0 0,1 0 0,-1 0 0,0 0 0,1 0 0,4 0 0,-4 0 0,9 0 0,-4 0 0,10 0 0,-4 0 0,5 0 0,-1 0 0,1 0 0,1 0 0,4 0 0,-5 0 0,6 0 0,0 0 0,17 0 0,-12 0 0,12 0 0,-17 0 0,0 0 0,-6 0 0,5 0 0,-10 0 0,10 0 0,-5 0 0,6 0 0,0 0 0,0 4 0,-5-3 0,-2 3 0,-5-4 0,-1 4 0,-4-3 0,-1 3 0,0-4 0,-3 0 0,3 4 0,-5-3 0,0 2 0,13 1 0,-6-3 0,12 3 0,-9-4 0,-4 3 0,4-2 0,-8 3 0,7-4 0,-7 0 0,3 0 0,0 0 0,1 0 0,5 0 0,0 0 0,-1 0 0,7 0 0,0 0 0,1 0 0,3 0 0,-3 0 0,11 0 0,-10 0 0,9 0 0,-11 0 0,18 0 0,-9 0 0,4 0 0,-14 0 0,-10 0 0,4 0 0,-9 0 0,4 0 0,-4 0 0,-5 0 0,3 0 0,-2 0 0,3 0 0,0 0 0,0 0 0,5 0 0,-3 0 0,8 0 0,-4 0 0,10 0 0,-4 4 0,10 1 0,13 4 0,-8 1 0,13 0 0,-17-5 0,0 4 0,-6-4 0,5 5 0,-4-5 0,-1-1 0,5-4 0,-5 0 0,6 0 0,-5 0 0,4 0 0,-10 0 0,9 0 0,-3 0 0,0 0 0,3 0 0,-9 0 0,10 0 0,-10 0 0,10 0 0,-15 0 0,20 0 0,-18 0 0,10-4 0,-10 3 0,-7-6 0,7 6 0,-7-6 0,3 6 0,0-6 0,-4 6 0,4-3 0,-4 0 0,-1 3 0,-4-3 0,4 4 0,-4-3 0,4 2 0,1-3 0,4 0 0,1 3 0,10-7 0,-4 7 0,10-8 0,-5 8 0,18-8 0,-9 8 0,9-3 0,-12 0 0,0 3 0,0-4 0,0 5 0,0 0 0,-5 0 0,3 0 0,-9 0 0,10 0 0,-10 0 0,10 0 0,-10 0 0,10 0 0,-10 0 0,9 0 0,-8 0 0,8 0 0,-9 0 0,10 0 0,8 0 0,-10 0 0,14 0 0,-22 0 0,4 0 0,0 0 0,2-4 0,5 3 0,0-3 0,-6 4 0,5 0 0,-4-5 0,5 4 0,-6-3 0,5 4 0,-15 0 0,8 0 0,-13 0 0,7 0 0,-7 0 0,3 0 0,0 0 0,-4 0 0,9 0 0,-4 0 0,0-4 0,4 3 0,-4-2 0,5-1 0,0-1 0,0 0 0,-5-3 0,-1 4 0,-5-1 0,0-2 0,1 6 0,-1-6 0,0 6 0,1-3 0,4 0 0,-4 3 0,9-7 0,-9 7 0,9-7 0,-9 4 0,9-1 0,-4-3 0,0 7 0,-1-6 0,-4 6 0,-1-7 0,0 8 0,0-8 0,1 7 0,-1-6 0,0 6 0,1-2 0,4-1 0,-4 3 0,9-7 0,-4 7 0,10-3 0,-4 0 0,10 3 0,-10-7 0,10 7 0,-10-3 0,10 4 0,-10 0 0,4 0 0,-5 0 0,0 0 0,11 0 0,-8 0 0,9 0 0,-12 0 0,-5 0 0,4 0 0,-9 0 0,9 0 0,-9 0 0,9 0 0,-4 0 0,5 0 0,0 0 0,0 0 0,5 0 0,-4 0 0,5 0 0,-7 4 0,1-3 0,-5 6 0,-1-6 0,0 7 0,-3-7 0,7 7 0,-7-7 0,7 3 0,10 4 0,-5-6 0,5 9 0,-14-10 0,-5 3 0,5-4 0,-7 3 0,6-2 0,-8 2 0,1-3 0,-2 0 0,5 0 0,-3 0 0,8 0 0,6 4 0,-9-2 0,13 2 0,-8-4 0,15 4 0,-8 2 0,8-1 0,-11 3 0,12-7 0,-14 3 0,14 0 0,-22-3 0,0 3 0,-2-4 0,-6 0 0,11 0 0,-11 0 0,11 0 0,-7 0 0,3 4 0,5-3 0,-4 2 0,4-3 0,-4 0 0,-1 4 0,-4-3 0,8 6 0,-10-6 0,10 3 0,-8 0 0,1-3 0,-2 3 0,-4-4 0,9 4 0,-6-3 0,10 3 0,-12-1 0,3-2 0,-3 2 0,3-3 0,2 4 0,3 0 0,-4 1 0,4-2 0,-8 0 0,3-2 0,-3 3 0,-1-4 0,0 0 0,0 3 0,1-3 0,-1 4 0,0-4 0,1 3 0,-1-2 0,0 5 0,-3 4 0,-1 12 0,-3 3 0,0 19 0,0-9 0,0 16 0,0-11 0,0 6 0,0-8 0,0 1 0,0 0 0,0-5 0,0 4 0,0-10 0,0 4 0,0-5 0,0 0 0,0-1 0,0 1 0,0-5 0,-4 4 0,3-4 0,-7 5 0,4-5 0,-5 4 0,4 2 0,-3 0 0,7 4 0,-7-5 0,7-5 0,-3 4 0,4-9 0,0 4 0,0-1 0,0-3 0,-3 2 0,2-2 0,-7 4 0,7 1 0,-3 5 0,4-1 0,-4 7 0,3-5 0,-3 4 0,4-5 0,0 0 0,0 0 0,0-5 0,0 4 0,0-9 0,0 9 0,0-4 0,0 5 0,0 0 0,0-1 0,0 7 0,0-5 0,0 9 0,0-8 0,4 15 0,-3-14 0,7 8 0,-4-15 0,5 2 0,0-3 0,-4 5 0,3 0 0,-3 5 0,4 2 0,1 0 0,-5 3 0,3-9 0,-7 10 0,3-10 0,-1 0 0,-2-7 0,3-9 0,-4 3 0,0-6 0,0 2 0,0-4 0,0 1 0,0-1 0,0 4 0,0 1 0,0 9 0,0-3 0,0 13 0,0-7 0,0 13 0,0-9 0,0 10 0,4-10 0,-3 4 0,3-5 0,0 0 0,-3-5 0,3-1 0,0 0 0,-3-4 0,6 4 0,-2-4 0,-1-1 0,0 0 0,0 5 0,1 9 0,0-2 0,3 2 0,-7-5 0,2-2 0,1 3 0,-3 1 0,7 0 0,-7-5 0,3-1 0,0 0 0,-3-3 0,3-1 0,-4-2 0,3-6 0,-2 2 0,2-4 0,-3 1 0,0-1 0,0 0 0,0 5 0,0 0 0,0 12 0,0-6 0,0 5 0,0-6 0,0 4 0,0-4 0,0 4 0,0-5 0,0 5 0,0-3 0,-4 13 0,3-8 0,-8 15 0,8-10 0,-7 10 0,6-5 0,-2 6 0,4-5 0,0 4 0,0-15 0,0 8 0,0-14 0,0 4 0,0-4 0,0 6 0,0 0 0,0 2 0,0 0 0,0-2 0,0 3 0,0 7 0,0-5 0,0-1 0,0-6 0,0-4 0,0-5 0,0-1 0,0-3 0,0 8 0,0-7 0,0 16 0,0-7 0,0 9 0,0 0 0,0 0 0,0-5 0,0 4 0,0-9 0,0 11 0,0-14 0,0 5 0,0-12 0,0 1 0,0-1 0,0 4 0,0 2 0,0 8 0,4-4 0,-3 9 0,6-4 0,-1 10 0,-1-4 0,3 5 0,-3-11 0,-1 4 0,4-4 0,-7 5 0,3-5 0,-4-1 0,0-5 0,0-4 0,0 0 0,0-2 0,0-1 0,0 1 0,0-3 0,0 0 0,0 0 0,0 1 0,0-1 0,0 0 0,0 1 0,0-1 0,0 0 0,0 0 0,0 5 0,0-4 0,0 7 0,0-3 0,0 5 0,0-5 0,0 3 0,0-6 0,0 2 0,0-4 0,0 1 0,0-1 0,0 0 0,0 1 0,0-1 0,0 0 0,0 1 0,0 8 0,0-7 0,0 11 0,0-11 0,0 6 0,0-7 0,0 4 0,0-5 0,0 0 0,0 0 0,0 1 0,0-1 0,0 0 0,0 0 0,0 1 0,0-1 0,0 5 0,0 5 0,0 0 0,0 9 0,0-4 0,0 5 0,0 0 0,0-1 0,0 1 0,0 0 0,0-5 0,0-1 0,0-8 0,0-2 0,0-4 0,0 1 0,0-1 0,0 0 0,0 0 0,4 4 0,-3 2 0,6 3 0,-6 5 0,2-4 0,-3 4 0,0-4 0,0-5 0,4-1 0,-4-3 0,4-1 0,-4 0 0,3-2 0,-5-2 0,-2-3 0,-3 0 0,-3 0 0,3 0 0,0 0 0,0 0 0,0 0 0,0 0 0,0 0 0,0 0 0,-1 0 0,1 0 0,0 0 0,0 0 0,0 0 0,0 0 0,0 0 0,1 0 0,-1 0 0,0 0 0,-1 0 0,1 3 0,-1-2 0,1 2 0,0-3 0,-1 0 0,1 0 0,0 0 0,-1 0 0,1 0 0,0 0 0,-2 0 0,4 3 0,-4 1 0,6 3 0,-1 0 0,-2-3 0,5-1 0,-2-3 0</inkml:trace>
+</inkml:ink>
+</file>
+
+<file path=ppt/ink/ink14.xml><?xml version="1.0" encoding="utf-8"?>
+<inkml:ink xmlns:inkml="http://www.w3.org/2003/InkML">
+  <inkml:definitions>
+    <inkml:context xml:id="ctx0">
+      <inkml:inkSource xml:id="inkSrc0">
+        <inkml:traceFormat>
+          <inkml:channel name="X" type="integer" min="-2.14748E9" max="2.14748E9" units="cm"/>
+          <inkml:channel name="Y" type="integer" min="-2.14748E9" max="2.14748E9" units="cm"/>
+          <inkml:channel name="F" type="integer" max="32767" units="dev"/>
+        </inkml:traceFormat>
+        <inkml:channelProperties>
+          <inkml:channelProperty channel="X" name="resolution" value="1000" units="1/cm"/>
+          <inkml:channelProperty channel="Y" name="resolution" value="1000" units="1/cm"/>
+          <inkml:channelProperty channel="F" name="resolution" value="0" units="1/dev"/>
+        </inkml:channelProperties>
+      </inkml:inkSource>
+      <inkml:timestamp xml:id="ts0" timeString="2022-09-24T22:06:52.011"/>
+    </inkml:context>
+    <inkml:brush xml:id="br0">
+      <inkml:brushProperty name="width" value="0.1" units="cm"/>
+      <inkml:brushProperty name="height" value="0.1" units="cm"/>
+    </inkml:brush>
+  </inkml:definitions>
+  <inkml:trace contextRef="#ctx0" brushRef="#br0">1 0 24575,'0'27'0,"0"-1"0,0 7 0,0 0 0,0 1 0,0 3 0,0-8 0,0 10 0,0 1 0,0 2 0,0 3 0,0-6 0,0-5 0,0 16 0,0-13 0,0 15 0,0 0 0,0-4 0,0 6 0,0-3 0,0-11 0,0 0 0,0-8 0,0-3 0,0-6 0,0-3 0,0-5 0,0-6 0,3 6 0,2-3 0,3 5 0,1 4 0,-5-4 0,0 9 0,0-9 0,-3 9 0,2-9 0,-3 4 0,0-4 0,0-1 0,0 0 0,0 5 0,0-3 0,0 13 0,0-8 0,0 10 0,0-1 0,0 13 0,0-3 0,0 4 0,0-9 0,0-8 0,0 3 0,0 0 0,0-4 0,0 10 0,0-10 0,0 10 0,0-10 0,0 9 0,0-8 0,0 8 0,0-9 0,0 5 0,0-6 0,0-1 0,0 1 0,0 0 0,0 5 0,0-3 0,0 8 0,0 14 0,0-8 0,0 14 0,0-18 0,0-6 0,0 5 0,0-5 0,0 6 0,0-5 0,5 3 0,-4-3 0,7-1 0,-7 5 0,3-10 0,-4 10 0,0-5 0,0 1 0,0 4 0,0-5 0,0 1 0,0 3 0,0-3 0,0 17 0,0-9 0,0 3 0,0-13 0,0-10 0,0 4 0,0-8 0,0-1 0,0-2 0,0-7 0,0 8 0,0-4 0,0 4 0,0 5 0,0 1 0,4 5 0,1 5 0,0-3 0,4 8 0,-4-3 0,1-1 0,2 0 0,-3-7 0,0-3 0,7 14 0,-6-16 0,6 12 0,-4-17 0,-3 0 0,2 5 0,-6-7 0,3 6 0,-4-8 0,0 4 0,0-3 0,0 2 0,0-3 0,0 1 0,0-2 0,0 0 0,0-2 0,0 6 0,0-7 0,0 4 0,0-1 0,0-3 0,0 8 0,0-8 0,0 7 0,0-2 0,0-1 0,0 3 0,0-2 0,0 3 0,0-4 0,0 3 0,0 3 0,0-1 0,0 4 0,0 0 0,0 1 0,0 0 0,0 4 0,0-4 0,0 10 0,0-3 0,0 3 0,0-10 0,0 4 0,0-4 0,0 5 0,0-5 0,0 4 0,0-4 0,0 0 0,4-1 0,-3 0 0,2-4 0,1 4 0,-3 3 0,3-6 0,-1 5 0,-2-2 0,3-3 0,-4 7 0,4-2 0,-3-1 0,3 3 0,-4 3 0,0-4 0,0 12 0,3-17 0,-2 17 0,3-17 0,-4 12 0,0-9 0,4 0 0,-4 4 0,8-8 0,-7 3 0,6-5 0,-2 5 0,-1-4 0,4 4 0,-7-8 0,6 2 0,-6-3 0,3 1 0,-4 2 0,0-7 0,0 8 0,0-8 0,0 7 0,0-6 0,0 6 0,0-7 0,0 8 0,0-4 0,0 0 0,0 3 0,0-6 0,0 2 0,0-3 0,0-1 0,0 0 0,0 0 0,0 0 0,0 0 0,0 0 0,0 0 0,0 1 0,0-1 0,0 0 0,0 0 0,0 0 0,0 0 0,0-1 0,0 1 0,0 0 0,-4 0 0,4 0 0,-4 0 0,4 1 0,0-1 0,-3 0 0,2 1 0,-2-1 0,-3-4 0,4 0 0,-4-3 0</inkml:trace>
+</inkml:ink>
+</file>
+
+<file path=ppt/ink/ink15.xml><?xml version="1.0" encoding="utf-8"?>
+<inkml:ink xmlns:inkml="http://www.w3.org/2003/InkML">
+  <inkml:definitions>
+    <inkml:context xml:id="ctx0">
+      <inkml:inkSource xml:id="inkSrc0">
+        <inkml:traceFormat>
+          <inkml:channel name="X" type="integer" min="-2.14748E9" max="2.14748E9" units="cm"/>
+          <inkml:channel name="Y" type="integer" min="-2.14748E9" max="2.14748E9" units="cm"/>
+          <inkml:channel name="F" type="integer" max="32767" units="dev"/>
+        </inkml:traceFormat>
+        <inkml:channelProperties>
+          <inkml:channelProperty channel="X" name="resolution" value="1000" units="1/cm"/>
+          <inkml:channelProperty channel="Y" name="resolution" value="1000" units="1/cm"/>
+          <inkml:channelProperty channel="F" name="resolution" value="0" units="1/dev"/>
+        </inkml:channelProperties>
+      </inkml:inkSource>
+      <inkml:timestamp xml:id="ts0" timeString="2022-09-24T22:06:52.012"/>
+    </inkml:context>
+    <inkml:brush xml:id="br0">
+      <inkml:brushProperty name="width" value="0.1" units="cm"/>
+      <inkml:brushProperty name="height" value="0.1" units="cm"/>
+    </inkml:brush>
+  </inkml:definitions>
+  <inkml:trace contextRef="#ctx0" brushRef="#br0">0 66 24575,'31'0'0,"4"0"0,-7 0 0,9 0 0,-3 0 0,5 0 0,12 0 0,-9 0 0,15 0 0,-11 0 0,7 0 0,-6 0 0,4 0 0,-5 0 0,7 0 0,-7 0 0,6 0 0,0-10 0,2 8 0,5-13 0,11 5 0,-13 3 0,13-2 0,-18 9 0,1 0 0,-1 0 0,0-5 0,1 4 0,-7-4 0,-1 5 0,-6 0 0,-5 0 0,4 0 0,-10 0 0,4 0 0,-5 0 0,5 0 0,2 0 0,-1 0 0,5 0 0,-5 0 0,6 0 0,0 0 0,-6 0 0,5 0 0,-4 0 0,5 0 0,0 0 0,23 0 0,-12 0 0,20 0 0,-11 5 0,-5-4 0,13 9 0,-13-4 0,5 0 0,1 4 0,-6-9 0,6 4 0,-8-5 0,23 0 0,-28 0 0,32 0 0,-29 0 0,11 0 0,-2 0 0,-6 0 0,7 0 0,-6 0 0,5 0 0,17-4 0,-17 3 0,40-4 0,-53 5 0,49-6 0,-48 5 0,35-5 0,-28 6 0,12 0 0,-12 0 0,5 0 0,-6 0 0,-1 0 0,1 0 0,-7 0 0,-1 0 0,0 0 0,-10 0 0,9 0 0,-16 0 0,5 0 0,-11 0 0,3 0 0,-7 0 0,3 0 0,0 0 0,3 0 0,-1 0 0,1 0 0,-8 0 0,1 0 0,-1 0 0,0 0 0,0 0 0,1 0 0,-5 0 0,3 0 0,-2 0 0,8 0 0,-4 0 0,9 0 0,-9 0 0,9 0 0,-4 0 0,5 0 0,0 0 0,5 0 0,-4 0 0,16 0 0,-19 0 0,13 0 0,-16 0 0,0 0 0,-1 0 0,0 0 0,-3 0 0,3 0 0,-5 0 0,0 0 0,-3 0 0,-2 0 0,-4 0 0,1 0 0,-1 0 0,0 0 0,-3-3 0,2 2 0,-2-2 0,4 3 0,-1 0 0,1 0 0,3 0 0,1 0 0,1 0 0,2 0 0,-3 0 0,4 0 0,1 0 0,-5 0 0,3 0 0,-2 0 0,-1 0 0,3 0 0,-6 0 0,2 0 0,0 0 0,-2 0 0,2 0 0,-3 0 0,-1 0 0,0 0 0,1 0 0,3 0 0,1 0 0,5-4 0,-1 3 0,0-3 0,-3 1 0,-2 2 0,-4-2 0,1 3 0,-1 0 0,0 0 0,0 0 0,0 0 0,0 0 0,0 0 0,1 0 0,-1 0 0,0 0 0,0 0 0,0 0 0,0 0 0,0 0 0,0 0 0,0 0 0,0 0 0,0 0 0,0 0 0,0 0 0,0 0 0,0 0 0,0 0 0,1 0 0,-1 0 0,1 0 0,-1 0 0,0 0 0,1 0 0,-4 0 0,-1 0 0</inkml:trace>
+</inkml:ink>
+</file>
+
+<file path=ppt/ink/ink16.xml><?xml version="1.0" encoding="utf-8"?>
+<inkml:ink xmlns:inkml="http://www.w3.org/2003/InkML">
+  <inkml:definitions>
+    <inkml:context xml:id="ctx0">
+      <inkml:inkSource xml:id="inkSrc0">
+        <inkml:traceFormat>
+          <inkml:channel name="X" type="integer" min="-2.14748E9" max="2.14748E9" units="cm"/>
+          <inkml:channel name="Y" type="integer" min="-2.14748E9" max="2.14748E9" units="cm"/>
+          <inkml:channel name="F" type="integer" max="32767" units="dev"/>
+        </inkml:traceFormat>
+        <inkml:channelProperties>
+          <inkml:channelProperty channel="X" name="resolution" value="1000" units="1/cm"/>
+          <inkml:channelProperty channel="Y" name="resolution" value="1000" units="1/cm"/>
+          <inkml:channelProperty channel="F" name="resolution" value="0" units="1/dev"/>
+        </inkml:channelProperties>
+      </inkml:inkSource>
+      <inkml:timestamp xml:id="ts0" timeString="2022-09-24T22:06:52.013"/>
+    </inkml:context>
+    <inkml:brush xml:id="br0">
+      <inkml:brushProperty name="width" value="0.1" units="cm"/>
+      <inkml:brushProperty name="height" value="0.1" units="cm"/>
+    </inkml:brush>
+  </inkml:definitions>
+  <inkml:trace contextRef="#ctx0" brushRef="#br0">1 245 24575,'34'0'0,"-2"0"0,19 0 0,-10 0 0,17-5 0,-3-1 0,6-5 0,5 0 0,-18 1 0,10-1 0,-18 1 0,5 0 0,-11 1 0,4-1 0,-10 1 0,9-5 0,-3 8 0,5-7 0,0 7 0,0-3 0,0-1 0,-6 5 0,5-4 0,-10 8 0,10-3 0,-10 0 0,4 3 0,0-8 0,-4 4 0,10 0 0,-10-3 0,10 3 0,-10 0 0,4-4 0,-5 8 0,0-3 0,0 4 0,0 0 0,0 0 0,-1 0 0,1 0 0,0 0 0,0 0 0,0 0 0,0 0 0,7 0 0,-10 0 0,9 0 0,-11 0 0,5 0 0,-1 0 0,1 0 0,0 0 0,5 0 0,-3 0 0,8 0 0,-9 0 0,10 0 0,-10 0 0,4 0 0,1 0 0,0 0 0,6 0 0,0 0 0,0 0 0,0 0 0,0 0 0,6 0 0,-5 0 0,12 0 0,-6 0 0,7 0 0,-7 0 0,-1 0 0,-6 0 0,0 0 0,0 0 0,-5 0 0,3 0 0,-8 0 0,8 0 0,-3 0 0,5 0 0,0 0 0,0 0 0,0 0 0,0 0 0,-6 0 0,5 0 0,-10 4 0,9-3 0,-8 3 0,8-4 0,-3 0 0,5 0 0,0 0 0,0 5 0,6-4 0,1 8 0,1-8 0,-2 3 0,-6 1 0,0 0 0,-6 1 0,0 2 0,-7-3 0,1 4 0,0-4 0,0 3 0,0-3 0,0 0 0,0 3 0,5-7 0,-4 3 0,4-4 0,0 0 0,-4 4 0,10-3 0,-10 3 0,4-4 0,-10 0 0,4 0 0,-4 0 0,5 0 0,0 0 0,-1 0 0,-3 0 0,10 0 0,-14 0 0,5 0 0,-13 0 0,-3 0 0,-1 0 0,1 0 0,-1 0 0,4 0 0,1 0 0,4 0 0,1 0 0,4 0 0,1 0 0,0 0 0,-1 0 0,-5 0 0,1 0 0,-5 0 0,8 0 0,-6 0 0,11 0 0,-7 0 0,19 0 0,-7-5 0,21 4 0,10-9 0,-11 9 0,23-9 0,-25 4 0,11 0 0,-12-3 0,-2 8 0,-16-7 0,-3 7 0,-10-3 0,-3 1 0,-2 2 0,-4-2 0,-3 0 0,2 2 0,-2-5 0,3 5 0,0-5 0,5 5 0,-4-6 0,7 7 0,-6-4 0,2 4 0,-3-3 0,8 2 0,-7-2 0,10 3 0,-6 0 0,12 0 0,-6 0 0,12 0 0,-13 0 0,8 0 0,-9 0 0,4 0 0,-9 0 0,4 0 0,-8 0 0,3 0 0,-3 0 0,-1 0 0,4 0 0,2 0 0,8 0 0,-4 0 0,4 0 0,-5 0 0,1 0 0,-5 0 0,-1 0 0,-3 0 0,-1 0 0,1 0 0,-1 0 0,0 0 0,0 0 0,1 0 0,-1 0 0,0 0 0,0 0 0,0 0 0,-1 0 0,1 0 0,0 0 0,-3-7 0,-1 5 0,-3-5 0</inkml:trace>
 </inkml:ink>
 </file>
 
@@ -558,7 +694,7 @@
           <a:p>
             <a:fld id="{5303E370-D265-2C46-8068-DCA558B4929C}" type="datetimeFigureOut">
               <a:rPr lang="en-US" smtClean="0"/>
-              <a:t>8/10/22</a:t>
+              <a:t>9/24/22</a:t>
             </a:fld>
             <a:endParaRPr lang="en-US"/>
           </a:p>
@@ -756,7 +892,7 @@
           <a:p>
             <a:fld id="{5303E370-D265-2C46-8068-DCA558B4929C}" type="datetimeFigureOut">
               <a:rPr lang="en-US" smtClean="0"/>
-              <a:t>8/10/22</a:t>
+              <a:t>9/24/22</a:t>
             </a:fld>
             <a:endParaRPr lang="en-US"/>
           </a:p>
@@ -964,7 +1100,7 @@
           <a:p>
             <a:fld id="{5303E370-D265-2C46-8068-DCA558B4929C}" type="datetimeFigureOut">
               <a:rPr lang="en-US" smtClean="0"/>
-              <a:t>8/10/22</a:t>
+              <a:t>9/24/22</a:t>
             </a:fld>
             <a:endParaRPr lang="en-US"/>
           </a:p>
@@ -1162,7 +1298,7 @@
           <a:p>
             <a:fld id="{5303E370-D265-2C46-8068-DCA558B4929C}" type="datetimeFigureOut">
               <a:rPr lang="en-US" smtClean="0"/>
-              <a:t>8/10/22</a:t>
+              <a:t>9/24/22</a:t>
             </a:fld>
             <a:endParaRPr lang="en-US"/>
           </a:p>
@@ -1437,7 +1573,7 @@
           <a:p>
             <a:fld id="{5303E370-D265-2C46-8068-DCA558B4929C}" type="datetimeFigureOut">
               <a:rPr lang="en-US" smtClean="0"/>
-              <a:t>8/10/22</a:t>
+              <a:t>9/24/22</a:t>
             </a:fld>
             <a:endParaRPr lang="en-US"/>
           </a:p>
@@ -1702,7 +1838,7 @@
           <a:p>
             <a:fld id="{5303E370-D265-2C46-8068-DCA558B4929C}" type="datetimeFigureOut">
               <a:rPr lang="en-US" smtClean="0"/>
-              <a:t>8/10/22</a:t>
+              <a:t>9/24/22</a:t>
             </a:fld>
             <a:endParaRPr lang="en-US"/>
           </a:p>
@@ -2114,7 +2250,7 @@
           <a:p>
             <a:fld id="{5303E370-D265-2C46-8068-DCA558B4929C}" type="datetimeFigureOut">
               <a:rPr lang="en-US" smtClean="0"/>
-              <a:t>8/10/22</a:t>
+              <a:t>9/24/22</a:t>
             </a:fld>
             <a:endParaRPr lang="en-US"/>
           </a:p>
@@ -2255,7 +2391,7 @@
           <a:p>
             <a:fld id="{5303E370-D265-2C46-8068-DCA558B4929C}" type="datetimeFigureOut">
               <a:rPr lang="en-US" smtClean="0"/>
-              <a:t>8/10/22</a:t>
+              <a:t>9/24/22</a:t>
             </a:fld>
             <a:endParaRPr lang="en-US"/>
           </a:p>
@@ -2368,7 +2504,7 @@
           <a:p>
             <a:fld id="{5303E370-D265-2C46-8068-DCA558B4929C}" type="datetimeFigureOut">
               <a:rPr lang="en-US" smtClean="0"/>
-              <a:t>8/10/22</a:t>
+              <a:t>9/24/22</a:t>
             </a:fld>
             <a:endParaRPr lang="en-US"/>
           </a:p>
@@ -2679,7 +2815,7 @@
           <a:p>
             <a:fld id="{5303E370-D265-2C46-8068-DCA558B4929C}" type="datetimeFigureOut">
               <a:rPr lang="en-US" smtClean="0"/>
-              <a:t>8/10/22</a:t>
+              <a:t>9/24/22</a:t>
             </a:fld>
             <a:endParaRPr lang="en-US"/>
           </a:p>
@@ -2967,7 +3103,7 @@
           <a:p>
             <a:fld id="{5303E370-D265-2C46-8068-DCA558B4929C}" type="datetimeFigureOut">
               <a:rPr lang="en-US" smtClean="0"/>
-              <a:t>8/10/22</a:t>
+              <a:t>9/24/22</a:t>
             </a:fld>
             <a:endParaRPr lang="en-US"/>
           </a:p>
@@ -3208,7 +3344,7 @@
           <a:p>
             <a:fld id="{5303E370-D265-2C46-8068-DCA558B4929C}" type="datetimeFigureOut">
               <a:rPr lang="en-US" smtClean="0"/>
-              <a:t>8/10/22</a:t>
+              <a:t>9/24/22</a:t>
             </a:fld>
             <a:endParaRPr lang="en-US"/>
           </a:p>
@@ -5634,6 +5770,613 @@
 </p:sld>
 </file>
 
+<file path=ppt/slides/slide3.xml><?xml version="1.0" encoding="utf-8"?>
+<p:sld xmlns:a="http://schemas.openxmlformats.org/drawingml/2006/main" xmlns:r="http://schemas.openxmlformats.org/officeDocument/2006/relationships" xmlns:p="http://schemas.openxmlformats.org/presentationml/2006/main">
+  <p:cSld>
+    <p:spTree>
+      <p:nvGrpSpPr>
+        <p:cNvPr id="1" name=""/>
+        <p:cNvGrpSpPr/>
+        <p:nvPr/>
+      </p:nvGrpSpPr>
+      <p:grpSpPr>
+        <a:xfrm>
+          <a:off x="0" y="0"/>
+          <a:ext cx="0" cy="0"/>
+          <a:chOff x="0" y="0"/>
+          <a:chExt cx="0" cy="0"/>
+        </a:xfrm>
+      </p:grpSpPr>
+      <p:pic>
+        <p:nvPicPr>
+          <p:cNvPr id="5" name="Picture 4" descr="Diagram&#10;&#10;Description automatically generated">
+            <a:extLst>
+              <a:ext uri="{FF2B5EF4-FFF2-40B4-BE49-F238E27FC236}">
+                <a16:creationId xmlns:a16="http://schemas.microsoft.com/office/drawing/2014/main" id="{7BAAEC96-9E5D-E525-BA8A-582B4A9422F7}"/>
+              </a:ext>
+            </a:extLst>
+          </p:cNvPr>
+          <p:cNvPicPr>
+            <a:picLocks noChangeAspect="1"/>
+          </p:cNvPicPr>
+          <p:nvPr/>
+        </p:nvPicPr>
+        <p:blipFill>
+          <a:blip r:embed="rId2"/>
+          <a:stretch>
+            <a:fillRect/>
+          </a:stretch>
+        </p:blipFill>
+        <p:spPr>
+          <a:xfrm>
+            <a:off x="213653" y="431626"/>
+            <a:ext cx="4049789" cy="2127162"/>
+          </a:xfrm>
+          <a:prstGeom prst="rect">
+            <a:avLst/>
+          </a:prstGeom>
+        </p:spPr>
+      </p:pic>
+      <mc:AlternateContent xmlns:mc="http://schemas.openxmlformats.org/markup-compatibility/2006">
+        <mc:Choice xmlns:p14="http://schemas.microsoft.com/office/powerpoint/2010/main" Requires="p14">
+          <p:contentPart p14:bwMode="auto" r:id="rId3">
+            <p14:nvContentPartPr>
+              <p14:cNvPr id="21" name="Ink 20">
+                <a:extLst>
+                  <a:ext uri="{FF2B5EF4-FFF2-40B4-BE49-F238E27FC236}">
+                    <a16:creationId xmlns:a16="http://schemas.microsoft.com/office/drawing/2014/main" id="{E1D24EB0-B2AD-5A94-C740-E0DF01B1A189}"/>
+                  </a:ext>
+                </a:extLst>
+              </p14:cNvPr>
+              <p14:cNvContentPartPr/>
+              <p14:nvPr/>
+            </p14:nvContentPartPr>
+            <p14:xfrm>
+              <a:off x="5393918" y="3335382"/>
+              <a:ext cx="4370760" cy="2152440"/>
+            </p14:xfrm>
+          </p:contentPart>
+        </mc:Choice>
+        <mc:Fallback>
+          <p:pic>
+            <p:nvPicPr>
+              <p:cNvPr id="21" name="Ink 20">
+                <a:extLst>
+                  <a:ext uri="{FF2B5EF4-FFF2-40B4-BE49-F238E27FC236}">
+                    <a16:creationId xmlns:a16="http://schemas.microsoft.com/office/drawing/2014/main" id="{E1D24EB0-B2AD-5A94-C740-E0DF01B1A189}"/>
+                  </a:ext>
+                </a:extLst>
+              </p:cNvPr>
+              <p:cNvPicPr/>
+              <p:nvPr/>
+            </p:nvPicPr>
+            <p:blipFill>
+              <a:blip r:embed="rId4"/>
+              <a:stretch>
+                <a:fillRect/>
+              </a:stretch>
+            </p:blipFill>
+            <p:spPr>
+              <a:xfrm>
+                <a:off x="5375918" y="3317382"/>
+                <a:ext cx="4406400" cy="2188080"/>
+              </a:xfrm>
+              <a:prstGeom prst="rect">
+                <a:avLst/>
+              </a:prstGeom>
+            </p:spPr>
+          </p:pic>
+        </mc:Fallback>
+      </mc:AlternateContent>
+      <mc:AlternateContent xmlns:mc="http://schemas.openxmlformats.org/markup-compatibility/2006">
+        <mc:Choice xmlns:p14="http://schemas.microsoft.com/office/powerpoint/2010/main" Requires="p14">
+          <p:contentPart p14:bwMode="auto" r:id="rId5">
+            <p14:nvContentPartPr>
+              <p14:cNvPr id="22" name="Ink 21">
+                <a:extLst>
+                  <a:ext uri="{FF2B5EF4-FFF2-40B4-BE49-F238E27FC236}">
+                    <a16:creationId xmlns:a16="http://schemas.microsoft.com/office/drawing/2014/main" id="{4A5925F9-4EE5-F73F-C045-18211AE4883C}"/>
+                  </a:ext>
+                </a:extLst>
+              </p14:cNvPr>
+              <p14:cNvContentPartPr/>
+              <p14:nvPr/>
+            </p14:nvContentPartPr>
+            <p14:xfrm>
+              <a:off x="5429198" y="3249342"/>
+              <a:ext cx="4459680" cy="2119320"/>
+            </p14:xfrm>
+          </p:contentPart>
+        </mc:Choice>
+        <mc:Fallback>
+          <p:pic>
+            <p:nvPicPr>
+              <p:cNvPr id="22" name="Ink 21">
+                <a:extLst>
+                  <a:ext uri="{FF2B5EF4-FFF2-40B4-BE49-F238E27FC236}">
+                    <a16:creationId xmlns:a16="http://schemas.microsoft.com/office/drawing/2014/main" id="{4A5925F9-4EE5-F73F-C045-18211AE4883C}"/>
+                  </a:ext>
+                </a:extLst>
+              </p:cNvPr>
+              <p:cNvPicPr/>
+              <p:nvPr/>
+            </p:nvPicPr>
+            <p:blipFill>
+              <a:blip r:embed="rId6"/>
+              <a:stretch>
+                <a:fillRect/>
+              </a:stretch>
+            </p:blipFill>
+            <p:spPr>
+              <a:xfrm>
+                <a:off x="5411198" y="3231342"/>
+                <a:ext cx="4495320" cy="2154960"/>
+              </a:xfrm>
+              <a:prstGeom prst="rect">
+                <a:avLst/>
+              </a:prstGeom>
+            </p:spPr>
+          </p:pic>
+        </mc:Fallback>
+      </mc:AlternateContent>
+      <mc:AlternateContent xmlns:mc="http://schemas.openxmlformats.org/markup-compatibility/2006">
+        <mc:Choice xmlns:p14="http://schemas.microsoft.com/office/powerpoint/2010/main" Requires="p14">
+          <p:contentPart p14:bwMode="auto" r:id="rId7">
+            <p14:nvContentPartPr>
+              <p14:cNvPr id="23" name="Ink 22">
+                <a:extLst>
+                  <a:ext uri="{FF2B5EF4-FFF2-40B4-BE49-F238E27FC236}">
+                    <a16:creationId xmlns:a16="http://schemas.microsoft.com/office/drawing/2014/main" id="{28FED717-8346-76F2-2026-B87B824D6591}"/>
+                  </a:ext>
+                </a:extLst>
+              </p14:cNvPr>
+              <p14:cNvContentPartPr/>
+              <p14:nvPr/>
+            </p14:nvContentPartPr>
+            <p14:xfrm>
+              <a:off x="7615118" y="3363102"/>
+              <a:ext cx="93600" cy="2032560"/>
+            </p14:xfrm>
+          </p:contentPart>
+        </mc:Choice>
+        <mc:Fallback>
+          <p:pic>
+            <p:nvPicPr>
+              <p:cNvPr id="23" name="Ink 22">
+                <a:extLst>
+                  <a:ext uri="{FF2B5EF4-FFF2-40B4-BE49-F238E27FC236}">
+                    <a16:creationId xmlns:a16="http://schemas.microsoft.com/office/drawing/2014/main" id="{28FED717-8346-76F2-2026-B87B824D6591}"/>
+                  </a:ext>
+                </a:extLst>
+              </p:cNvPr>
+              <p:cNvPicPr/>
+              <p:nvPr/>
+            </p:nvPicPr>
+            <p:blipFill>
+              <a:blip r:embed="rId8"/>
+              <a:stretch>
+                <a:fillRect/>
+              </a:stretch>
+            </p:blipFill>
+            <p:spPr>
+              <a:xfrm>
+                <a:off x="7597118" y="3345102"/>
+                <a:ext cx="129240" cy="2068200"/>
+              </a:xfrm>
+              <a:prstGeom prst="rect">
+                <a:avLst/>
+              </a:prstGeom>
+            </p:spPr>
+          </p:pic>
+        </mc:Fallback>
+      </mc:AlternateContent>
+      <mc:AlternateContent xmlns:mc="http://schemas.openxmlformats.org/markup-compatibility/2006">
+        <mc:Choice xmlns:p14="http://schemas.microsoft.com/office/powerpoint/2010/main" Requires="p14">
+          <p:contentPart p14:bwMode="auto" r:id="rId9">
+            <p14:nvContentPartPr>
+              <p14:cNvPr id="24" name="Ink 23">
+                <a:extLst>
+                  <a:ext uri="{FF2B5EF4-FFF2-40B4-BE49-F238E27FC236}">
+                    <a16:creationId xmlns:a16="http://schemas.microsoft.com/office/drawing/2014/main" id="{DBFA0E01-D756-6E2F-B623-02BEF748F3F4}"/>
+                  </a:ext>
+                </a:extLst>
+              </p14:cNvPr>
+              <p14:cNvContentPartPr/>
+              <p14:nvPr/>
+            </p14:nvContentPartPr>
+            <p14:xfrm>
+              <a:off x="5464478" y="4402782"/>
+              <a:ext cx="2173320" cy="24120"/>
+            </p14:xfrm>
+          </p:contentPart>
+        </mc:Choice>
+        <mc:Fallback>
+          <p:pic>
+            <p:nvPicPr>
+              <p:cNvPr id="24" name="Ink 23">
+                <a:extLst>
+                  <a:ext uri="{FF2B5EF4-FFF2-40B4-BE49-F238E27FC236}">
+                    <a16:creationId xmlns:a16="http://schemas.microsoft.com/office/drawing/2014/main" id="{DBFA0E01-D756-6E2F-B623-02BEF748F3F4}"/>
+                  </a:ext>
+                </a:extLst>
+              </p:cNvPr>
+              <p:cNvPicPr/>
+              <p:nvPr/>
+            </p:nvPicPr>
+            <p:blipFill>
+              <a:blip r:embed="rId10"/>
+              <a:stretch>
+                <a:fillRect/>
+              </a:stretch>
+            </p:blipFill>
+            <p:spPr>
+              <a:xfrm>
+                <a:off x="5446478" y="4384782"/>
+                <a:ext cx="2208960" cy="59760"/>
+              </a:xfrm>
+              <a:prstGeom prst="rect">
+                <a:avLst/>
+              </a:prstGeom>
+            </p:spPr>
+          </p:pic>
+        </mc:Fallback>
+      </mc:AlternateContent>
+      <mc:AlternateContent xmlns:mc="http://schemas.openxmlformats.org/markup-compatibility/2006">
+        <mc:Choice xmlns:p14="http://schemas.microsoft.com/office/powerpoint/2010/main" Requires="p14">
+          <p:contentPart p14:bwMode="auto" r:id="rId11">
+            <p14:nvContentPartPr>
+              <p14:cNvPr id="25" name="Ink 24">
+                <a:extLst>
+                  <a:ext uri="{FF2B5EF4-FFF2-40B4-BE49-F238E27FC236}">
+                    <a16:creationId xmlns:a16="http://schemas.microsoft.com/office/drawing/2014/main" id="{ED97AE8E-D5D4-7FB1-46BB-FE2BAAC2BA72}"/>
+                  </a:ext>
+                </a:extLst>
+              </p14:cNvPr>
+              <p14:cNvContentPartPr/>
+              <p14:nvPr/>
+            </p14:nvContentPartPr>
+            <p14:xfrm>
+              <a:off x="7654718" y="4329702"/>
+              <a:ext cx="2173320" cy="88560"/>
+            </p14:xfrm>
+          </p:contentPart>
+        </mc:Choice>
+        <mc:Fallback>
+          <p:pic>
+            <p:nvPicPr>
+              <p:cNvPr id="25" name="Ink 24">
+                <a:extLst>
+                  <a:ext uri="{FF2B5EF4-FFF2-40B4-BE49-F238E27FC236}">
+                    <a16:creationId xmlns:a16="http://schemas.microsoft.com/office/drawing/2014/main" id="{ED97AE8E-D5D4-7FB1-46BB-FE2BAAC2BA72}"/>
+                  </a:ext>
+                </a:extLst>
+              </p:cNvPr>
+              <p:cNvPicPr/>
+              <p:nvPr/>
+            </p:nvPicPr>
+            <p:blipFill>
+              <a:blip r:embed="rId12"/>
+              <a:stretch>
+                <a:fillRect/>
+              </a:stretch>
+            </p:blipFill>
+            <p:spPr>
+              <a:xfrm>
+                <a:off x="7636718" y="4311629"/>
+                <a:ext cx="2208960" cy="124345"/>
+              </a:xfrm>
+              <a:prstGeom prst="rect">
+                <a:avLst/>
+              </a:prstGeom>
+            </p:spPr>
+          </p:pic>
+        </mc:Fallback>
+      </mc:AlternateContent>
+      <p:sp>
+        <p:nvSpPr>
+          <p:cNvPr id="26" name="TextBox 25">
+            <a:extLst>
+              <a:ext uri="{FF2B5EF4-FFF2-40B4-BE49-F238E27FC236}">
+                <a16:creationId xmlns:a16="http://schemas.microsoft.com/office/drawing/2014/main" id="{14A4F0E7-A958-448F-BCA3-6592365B40DA}"/>
+              </a:ext>
+            </a:extLst>
+          </p:cNvPr>
+          <p:cNvSpPr txBox="1"/>
+          <p:nvPr/>
+        </p:nvSpPr>
+        <p:spPr>
+          <a:xfrm>
+            <a:off x="5902137" y="2781090"/>
+            <a:ext cx="1273875" cy="369332"/>
+          </a:xfrm>
+          <a:prstGeom prst="rect">
+            <a:avLst/>
+          </a:prstGeom>
+          <a:noFill/>
+        </p:spPr>
+        <p:txBody>
+          <a:bodyPr wrap="none" rtlCol="0">
+            <a:spAutoFit/>
+          </a:bodyPr>
+          <a:lstStyle/>
+          <a:p>
+            <a:pPr algn="ctr"/>
+            <a:r>
+              <a:rPr lang="en-US" b="1" dirty="0"/>
+              <a:t>Frequentist</a:t>
+            </a:r>
+          </a:p>
+        </p:txBody>
+      </p:sp>
+      <p:sp>
+        <p:nvSpPr>
+          <p:cNvPr id="27" name="TextBox 26">
+            <a:extLst>
+              <a:ext uri="{FF2B5EF4-FFF2-40B4-BE49-F238E27FC236}">
+                <a16:creationId xmlns:a16="http://schemas.microsoft.com/office/drawing/2014/main" id="{BE046661-C585-574C-AB55-AFFECCB68487}"/>
+              </a:ext>
+            </a:extLst>
+          </p:cNvPr>
+          <p:cNvSpPr txBox="1"/>
+          <p:nvPr/>
+        </p:nvSpPr>
+        <p:spPr>
+          <a:xfrm>
+            <a:off x="8221332" y="2781090"/>
+            <a:ext cx="1030731" cy="369332"/>
+          </a:xfrm>
+          <a:prstGeom prst="rect">
+            <a:avLst/>
+          </a:prstGeom>
+          <a:noFill/>
+        </p:spPr>
+        <p:txBody>
+          <a:bodyPr wrap="none" rtlCol="0">
+            <a:spAutoFit/>
+          </a:bodyPr>
+          <a:lstStyle/>
+          <a:p>
+            <a:pPr algn="ctr"/>
+            <a:r>
+              <a:rPr lang="en-US" b="1" dirty="0"/>
+              <a:t>Bayesian</a:t>
+            </a:r>
+          </a:p>
+        </p:txBody>
+      </p:sp>
+      <p:sp>
+        <p:nvSpPr>
+          <p:cNvPr id="28" name="TextBox 27">
+            <a:extLst>
+              <a:ext uri="{FF2B5EF4-FFF2-40B4-BE49-F238E27FC236}">
+                <a16:creationId xmlns:a16="http://schemas.microsoft.com/office/drawing/2014/main" id="{3E604DC3-26C3-681A-1894-A492A86A801B}"/>
+              </a:ext>
+            </a:extLst>
+          </p:cNvPr>
+          <p:cNvSpPr txBox="1"/>
+          <p:nvPr/>
+        </p:nvSpPr>
+        <p:spPr>
+          <a:xfrm>
+            <a:off x="7762761" y="4435574"/>
+            <a:ext cx="1947873" cy="923330"/>
+          </a:xfrm>
+          <a:prstGeom prst="rect">
+            <a:avLst/>
+          </a:prstGeom>
+          <a:noFill/>
+        </p:spPr>
+        <p:txBody>
+          <a:bodyPr wrap="square" rtlCol="0" anchor="ctr">
+            <a:spAutoFit/>
+          </a:bodyPr>
+          <a:lstStyle/>
+          <a:p>
+            <a:pPr algn="ctr"/>
+            <a:r>
+              <a:rPr lang="en-US" dirty="0"/>
+              <a:t>posterior distribution with credible interval</a:t>
+            </a:r>
+          </a:p>
+        </p:txBody>
+      </p:sp>
+      <p:sp>
+        <p:nvSpPr>
+          <p:cNvPr id="29" name="TextBox 28">
+            <a:extLst>
+              <a:ext uri="{FF2B5EF4-FFF2-40B4-BE49-F238E27FC236}">
+                <a16:creationId xmlns:a16="http://schemas.microsoft.com/office/drawing/2014/main" id="{A291E15E-3AF9-FD27-E809-C78FE04106DF}"/>
+              </a:ext>
+            </a:extLst>
+          </p:cNvPr>
+          <p:cNvSpPr txBox="1"/>
+          <p:nvPr/>
+        </p:nvSpPr>
+        <p:spPr>
+          <a:xfrm>
+            <a:off x="5526391" y="3425991"/>
+            <a:ext cx="2025367" cy="923330"/>
+          </a:xfrm>
+          <a:prstGeom prst="rect">
+            <a:avLst/>
+          </a:prstGeom>
+          <a:noFill/>
+        </p:spPr>
+        <p:txBody>
+          <a:bodyPr wrap="square" rtlCol="0">
+            <a:spAutoFit/>
+          </a:bodyPr>
+          <a:lstStyle/>
+          <a:p>
+            <a:pPr algn="ctr"/>
+            <a:r>
+              <a:rPr lang="en-US" i="1" dirty="0"/>
+              <a:t>p </a:t>
+            </a:r>
+            <a:r>
+              <a:rPr lang="en-US" dirty="0"/>
+              <a:t>value (null hypothesis significance test</a:t>
+            </a:r>
+            <a:endParaRPr lang="en-US" i="1" dirty="0"/>
+          </a:p>
+        </p:txBody>
+      </p:sp>
+      <p:sp>
+        <p:nvSpPr>
+          <p:cNvPr id="32" name="TextBox 31">
+            <a:extLst>
+              <a:ext uri="{FF2B5EF4-FFF2-40B4-BE49-F238E27FC236}">
+                <a16:creationId xmlns:a16="http://schemas.microsoft.com/office/drawing/2014/main" id="{A5916489-D91C-B206-C93F-328834091A77}"/>
+              </a:ext>
+            </a:extLst>
+          </p:cNvPr>
+          <p:cNvSpPr txBox="1"/>
+          <p:nvPr/>
+        </p:nvSpPr>
+        <p:spPr>
+          <a:xfrm>
+            <a:off x="3915020" y="3564491"/>
+            <a:ext cx="1239271" cy="646331"/>
+          </a:xfrm>
+          <a:prstGeom prst="rect">
+            <a:avLst/>
+          </a:prstGeom>
+          <a:noFill/>
+        </p:spPr>
+        <p:txBody>
+          <a:bodyPr wrap="square" rtlCol="0">
+            <a:spAutoFit/>
+          </a:bodyPr>
+          <a:lstStyle/>
+          <a:p>
+            <a:pPr algn="ctr"/>
+            <a:r>
+              <a:rPr lang="en-US" b="1" dirty="0"/>
+              <a:t>Hypothesis test</a:t>
+            </a:r>
+          </a:p>
+        </p:txBody>
+      </p:sp>
+      <p:sp>
+        <p:nvSpPr>
+          <p:cNvPr id="33" name="TextBox 32">
+            <a:extLst>
+              <a:ext uri="{FF2B5EF4-FFF2-40B4-BE49-F238E27FC236}">
+                <a16:creationId xmlns:a16="http://schemas.microsoft.com/office/drawing/2014/main" id="{77CA740B-58E8-B7F1-23B4-5AB2ADE7E30A}"/>
+              </a:ext>
+            </a:extLst>
+          </p:cNvPr>
+          <p:cNvSpPr txBox="1"/>
+          <p:nvPr/>
+        </p:nvSpPr>
+        <p:spPr>
+          <a:xfrm>
+            <a:off x="3762876" y="4435574"/>
+            <a:ext cx="1543558" cy="923330"/>
+          </a:xfrm>
+          <a:prstGeom prst="rect">
+            <a:avLst/>
+          </a:prstGeom>
+          <a:noFill/>
+        </p:spPr>
+        <p:txBody>
+          <a:bodyPr wrap="square" rtlCol="0" anchor="ctr">
+            <a:spAutoFit/>
+          </a:bodyPr>
+          <a:lstStyle/>
+          <a:p>
+            <a:pPr algn="ctr"/>
+            <a:r>
+              <a:rPr lang="en-US" b="1" dirty="0"/>
+              <a:t>Estimation with uncertainty</a:t>
+            </a:r>
+          </a:p>
+        </p:txBody>
+      </p:sp>
+      <p:sp>
+        <p:nvSpPr>
+          <p:cNvPr id="35" name="TextBox 34">
+            <a:extLst>
+              <a:ext uri="{FF2B5EF4-FFF2-40B4-BE49-F238E27FC236}">
+                <a16:creationId xmlns:a16="http://schemas.microsoft.com/office/drawing/2014/main" id="{2EC2E89A-429D-ECD1-5E5F-FB77D302F832}"/>
+              </a:ext>
+            </a:extLst>
+          </p:cNvPr>
+          <p:cNvSpPr txBox="1"/>
+          <p:nvPr/>
+        </p:nvSpPr>
+        <p:spPr>
+          <a:xfrm>
+            <a:off x="8073406" y="3702990"/>
+            <a:ext cx="1326582" cy="369332"/>
+          </a:xfrm>
+          <a:prstGeom prst="rect">
+            <a:avLst/>
+          </a:prstGeom>
+          <a:noFill/>
+        </p:spPr>
+        <p:txBody>
+          <a:bodyPr wrap="none" rtlCol="0">
+            <a:spAutoFit/>
+          </a:bodyPr>
+          <a:lstStyle/>
+          <a:p>
+            <a:r>
+              <a:rPr lang="en-US" dirty="0"/>
+              <a:t>Bayes factor</a:t>
+            </a:r>
+          </a:p>
+        </p:txBody>
+      </p:sp>
+      <p:sp>
+        <p:nvSpPr>
+          <p:cNvPr id="36" name="TextBox 35">
+            <a:extLst>
+              <a:ext uri="{FF2B5EF4-FFF2-40B4-BE49-F238E27FC236}">
+                <a16:creationId xmlns:a16="http://schemas.microsoft.com/office/drawing/2014/main" id="{57B69FB8-410A-DFB4-8CB7-28085A62F2D8}"/>
+              </a:ext>
+            </a:extLst>
+          </p:cNvPr>
+          <p:cNvSpPr txBox="1"/>
+          <p:nvPr/>
+        </p:nvSpPr>
+        <p:spPr>
+          <a:xfrm>
+            <a:off x="5526391" y="4574074"/>
+            <a:ext cx="2025367" cy="646331"/>
+          </a:xfrm>
+          <a:prstGeom prst="rect">
+            <a:avLst/>
+          </a:prstGeom>
+          <a:noFill/>
+        </p:spPr>
+        <p:txBody>
+          <a:bodyPr wrap="square" rtlCol="0" anchor="ctr">
+            <a:spAutoFit/>
+          </a:bodyPr>
+          <a:lstStyle/>
+          <a:p>
+            <a:pPr algn="ctr"/>
+            <a:r>
+              <a:rPr lang="en-US" dirty="0"/>
+              <a:t>estimate with confidence interval</a:t>
+            </a:r>
+          </a:p>
+        </p:txBody>
+      </p:sp>
+    </p:spTree>
+    <p:extLst>
+      <p:ext uri="{BB962C8B-B14F-4D97-AF65-F5344CB8AC3E}">
+        <p14:creationId xmlns:p14="http://schemas.microsoft.com/office/powerpoint/2010/main" val="3063195358"/>
+      </p:ext>
+    </p:extLst>
+  </p:cSld>
+  <p:clrMapOvr>
+    <a:masterClrMapping/>
+  </p:clrMapOvr>
+</p:sld>
+</file>
+
 <file path=ppt/theme/theme1.xml><?xml version="1.0" encoding="utf-8"?>
 <a:theme xmlns:a="http://schemas.openxmlformats.org/drawingml/2006/main" name="Office Theme">
   <a:themeElements>

--- a/images/inference/power-diagram.pptx
+++ b/images/inference/power-diagram.pptx
@@ -5809,7 +5809,7 @@
         </p:blipFill>
         <p:spPr>
           <a:xfrm>
-            <a:off x="213653" y="431626"/>
+            <a:off x="0" y="0"/>
             <a:ext cx="4049789" cy="2127162"/>
           </a:xfrm>
           <a:prstGeom prst="rect">

--- a/images/inference/power-diagram.pptx
+++ b/images/inference/power-diagram.pptx
@@ -694,7 +694,7 @@
           <a:p>
             <a:fld id="{5303E370-D265-2C46-8068-DCA558B4929C}" type="datetimeFigureOut">
               <a:rPr lang="en-US" smtClean="0"/>
-              <a:t>9/24/22</a:t>
+              <a:t>10/26/22</a:t>
             </a:fld>
             <a:endParaRPr lang="en-US"/>
           </a:p>
@@ -892,7 +892,7 @@
           <a:p>
             <a:fld id="{5303E370-D265-2C46-8068-DCA558B4929C}" type="datetimeFigureOut">
               <a:rPr lang="en-US" smtClean="0"/>
-              <a:t>9/24/22</a:t>
+              <a:t>10/26/22</a:t>
             </a:fld>
             <a:endParaRPr lang="en-US"/>
           </a:p>
@@ -1100,7 +1100,7 @@
           <a:p>
             <a:fld id="{5303E370-D265-2C46-8068-DCA558B4929C}" type="datetimeFigureOut">
               <a:rPr lang="en-US" smtClean="0"/>
-              <a:t>9/24/22</a:t>
+              <a:t>10/26/22</a:t>
             </a:fld>
             <a:endParaRPr lang="en-US"/>
           </a:p>
@@ -1298,7 +1298,7 @@
           <a:p>
             <a:fld id="{5303E370-D265-2C46-8068-DCA558B4929C}" type="datetimeFigureOut">
               <a:rPr lang="en-US" smtClean="0"/>
-              <a:t>9/24/22</a:t>
+              <a:t>10/26/22</a:t>
             </a:fld>
             <a:endParaRPr lang="en-US"/>
           </a:p>
@@ -1573,7 +1573,7 @@
           <a:p>
             <a:fld id="{5303E370-D265-2C46-8068-DCA558B4929C}" type="datetimeFigureOut">
               <a:rPr lang="en-US" smtClean="0"/>
-              <a:t>9/24/22</a:t>
+              <a:t>10/26/22</a:t>
             </a:fld>
             <a:endParaRPr lang="en-US"/>
           </a:p>
@@ -1838,7 +1838,7 @@
           <a:p>
             <a:fld id="{5303E370-D265-2C46-8068-DCA558B4929C}" type="datetimeFigureOut">
               <a:rPr lang="en-US" smtClean="0"/>
-              <a:t>9/24/22</a:t>
+              <a:t>10/26/22</a:t>
             </a:fld>
             <a:endParaRPr lang="en-US"/>
           </a:p>
@@ -2250,7 +2250,7 @@
           <a:p>
             <a:fld id="{5303E370-D265-2C46-8068-DCA558B4929C}" type="datetimeFigureOut">
               <a:rPr lang="en-US" smtClean="0"/>
-              <a:t>9/24/22</a:t>
+              <a:t>10/26/22</a:t>
             </a:fld>
             <a:endParaRPr lang="en-US"/>
           </a:p>
@@ -2391,7 +2391,7 @@
           <a:p>
             <a:fld id="{5303E370-D265-2C46-8068-DCA558B4929C}" type="datetimeFigureOut">
               <a:rPr lang="en-US" smtClean="0"/>
-              <a:t>9/24/22</a:t>
+              <a:t>10/26/22</a:t>
             </a:fld>
             <a:endParaRPr lang="en-US"/>
           </a:p>
@@ -2504,7 +2504,7 @@
           <a:p>
             <a:fld id="{5303E370-D265-2C46-8068-DCA558B4929C}" type="datetimeFigureOut">
               <a:rPr lang="en-US" smtClean="0"/>
-              <a:t>9/24/22</a:t>
+              <a:t>10/26/22</a:t>
             </a:fld>
             <a:endParaRPr lang="en-US"/>
           </a:p>
@@ -2815,7 +2815,7 @@
           <a:p>
             <a:fld id="{5303E370-D265-2C46-8068-DCA558B4929C}" type="datetimeFigureOut">
               <a:rPr lang="en-US" smtClean="0"/>
-              <a:t>9/24/22</a:t>
+              <a:t>10/26/22</a:t>
             </a:fld>
             <a:endParaRPr lang="en-US"/>
           </a:p>
@@ -3103,7 +3103,7 @@
           <a:p>
             <a:fld id="{5303E370-D265-2C46-8068-DCA558B4929C}" type="datetimeFigureOut">
               <a:rPr lang="en-US" smtClean="0"/>
-              <a:t>9/24/22</a:t>
+              <a:t>10/26/22</a:t>
             </a:fld>
             <a:endParaRPr lang="en-US"/>
           </a:p>
@@ -3344,7 +3344,7 @@
           <a:p>
             <a:fld id="{5303E370-D265-2C46-8068-DCA558B4929C}" type="datetimeFigureOut">
               <a:rPr lang="en-US" smtClean="0"/>
-              <a:t>9/24/22</a:t>
+              <a:t>10/26/22</a:t>
             </a:fld>
             <a:endParaRPr lang="en-US"/>
           </a:p>
@@ -5817,8 +5817,8 @@
           </a:prstGeom>
         </p:spPr>
       </p:pic>
-      <mc:AlternateContent xmlns:mc="http://schemas.openxmlformats.org/markup-compatibility/2006">
-        <mc:Choice xmlns:p14="http://schemas.microsoft.com/office/powerpoint/2010/main" Requires="p14">
+      <mc:AlternateContent xmlns:mc="http://schemas.openxmlformats.org/markup-compatibility/2006" xmlns:p14="http://schemas.microsoft.com/office/powerpoint/2010/main">
+        <mc:Choice Requires="p14">
           <p:contentPart p14:bwMode="auto" r:id="rId3">
             <p14:nvContentPartPr>
               <p14:cNvPr id="21" name="Ink 20">
@@ -5837,7 +5837,7 @@
             </p14:xfrm>
           </p:contentPart>
         </mc:Choice>
-        <mc:Fallback>
+        <mc:Fallback xmlns="">
           <p:pic>
             <p:nvPicPr>
               <p:cNvPr id="21" name="Ink 20">
@@ -5868,8 +5868,8 @@
           </p:pic>
         </mc:Fallback>
       </mc:AlternateContent>
-      <mc:AlternateContent xmlns:mc="http://schemas.openxmlformats.org/markup-compatibility/2006">
-        <mc:Choice xmlns:p14="http://schemas.microsoft.com/office/powerpoint/2010/main" Requires="p14">
+      <mc:AlternateContent xmlns:mc="http://schemas.openxmlformats.org/markup-compatibility/2006" xmlns:p14="http://schemas.microsoft.com/office/powerpoint/2010/main">
+        <mc:Choice Requires="p14">
           <p:contentPart p14:bwMode="auto" r:id="rId5">
             <p14:nvContentPartPr>
               <p14:cNvPr id="22" name="Ink 21">
@@ -5888,7 +5888,7 @@
             </p14:xfrm>
           </p:contentPart>
         </mc:Choice>
-        <mc:Fallback>
+        <mc:Fallback xmlns="">
           <p:pic>
             <p:nvPicPr>
               <p:cNvPr id="22" name="Ink 21">
@@ -5919,8 +5919,8 @@
           </p:pic>
         </mc:Fallback>
       </mc:AlternateContent>
-      <mc:AlternateContent xmlns:mc="http://schemas.openxmlformats.org/markup-compatibility/2006">
-        <mc:Choice xmlns:p14="http://schemas.microsoft.com/office/powerpoint/2010/main" Requires="p14">
+      <mc:AlternateContent xmlns:mc="http://schemas.openxmlformats.org/markup-compatibility/2006" xmlns:p14="http://schemas.microsoft.com/office/powerpoint/2010/main">
+        <mc:Choice Requires="p14">
           <p:contentPart p14:bwMode="auto" r:id="rId7">
             <p14:nvContentPartPr>
               <p14:cNvPr id="23" name="Ink 22">
@@ -5939,7 +5939,7 @@
             </p14:xfrm>
           </p:contentPart>
         </mc:Choice>
-        <mc:Fallback>
+        <mc:Fallback xmlns="">
           <p:pic>
             <p:nvPicPr>
               <p:cNvPr id="23" name="Ink 22">
@@ -5970,8 +5970,8 @@
           </p:pic>
         </mc:Fallback>
       </mc:AlternateContent>
-      <mc:AlternateContent xmlns:mc="http://schemas.openxmlformats.org/markup-compatibility/2006">
-        <mc:Choice xmlns:p14="http://schemas.microsoft.com/office/powerpoint/2010/main" Requires="p14">
+      <mc:AlternateContent xmlns:mc="http://schemas.openxmlformats.org/markup-compatibility/2006" xmlns:p14="http://schemas.microsoft.com/office/powerpoint/2010/main">
+        <mc:Choice Requires="p14">
           <p:contentPart p14:bwMode="auto" r:id="rId9">
             <p14:nvContentPartPr>
               <p14:cNvPr id="24" name="Ink 23">
@@ -5990,7 +5990,7 @@
             </p14:xfrm>
           </p:contentPart>
         </mc:Choice>
-        <mc:Fallback>
+        <mc:Fallback xmlns="">
           <p:pic>
             <p:nvPicPr>
               <p:cNvPr id="24" name="Ink 23">
@@ -6021,8 +6021,8 @@
           </p:pic>
         </mc:Fallback>
       </mc:AlternateContent>
-      <mc:AlternateContent xmlns:mc="http://schemas.openxmlformats.org/markup-compatibility/2006">
-        <mc:Choice xmlns:p14="http://schemas.microsoft.com/office/powerpoint/2010/main" Requires="p14">
+      <mc:AlternateContent xmlns:mc="http://schemas.openxmlformats.org/markup-compatibility/2006" xmlns:p14="http://schemas.microsoft.com/office/powerpoint/2010/main">
+        <mc:Choice Requires="p14">
           <p:contentPart p14:bwMode="auto" r:id="rId11">
             <p14:nvContentPartPr>
               <p14:cNvPr id="25" name="Ink 24">
@@ -6041,7 +6041,7 @@
             </p14:xfrm>
           </p:contentPart>
         </mc:Choice>
-        <mc:Fallback>
+        <mc:Fallback xmlns="">
           <p:pic>
             <p:nvPicPr>
               <p:cNvPr id="25" name="Ink 24">
@@ -6215,7 +6215,7 @@
             </a:r>
             <a:r>
               <a:rPr lang="en-US" dirty="0"/>
-              <a:t>value (null hypothesis significance test</a:t>
+              <a:t>value from null hypothesis significance test</a:t>
             </a:r>
             <a:endParaRPr lang="en-US" i="1" dirty="0"/>
           </a:p>
@@ -6252,7 +6252,7 @@
             <a:pPr algn="ctr"/>
             <a:r>
               <a:rPr lang="en-US" b="1" dirty="0"/>
-              <a:t>Hypothesis test</a:t>
+              <a:t>Hypothesis testing</a:t>
             </a:r>
           </a:p>
         </p:txBody>

--- a/images/inference/power-diagram.pptx
+++ b/images/inference/power-diagram.pptx
@@ -694,7 +694,7 @@
           <a:p>
             <a:fld id="{5303E370-D265-2C46-8068-DCA558B4929C}" type="datetimeFigureOut">
               <a:rPr lang="en-US" smtClean="0"/>
-              <a:t>10/26/22</a:t>
+              <a:t>10/8/23</a:t>
             </a:fld>
             <a:endParaRPr lang="en-US"/>
           </a:p>
@@ -892,7 +892,7 @@
           <a:p>
             <a:fld id="{5303E370-D265-2C46-8068-DCA558B4929C}" type="datetimeFigureOut">
               <a:rPr lang="en-US" smtClean="0"/>
-              <a:t>10/26/22</a:t>
+              <a:t>10/8/23</a:t>
             </a:fld>
             <a:endParaRPr lang="en-US"/>
           </a:p>
@@ -1100,7 +1100,7 @@
           <a:p>
             <a:fld id="{5303E370-D265-2C46-8068-DCA558B4929C}" type="datetimeFigureOut">
               <a:rPr lang="en-US" smtClean="0"/>
-              <a:t>10/26/22</a:t>
+              <a:t>10/8/23</a:t>
             </a:fld>
             <a:endParaRPr lang="en-US"/>
           </a:p>
@@ -1298,7 +1298,7 @@
           <a:p>
             <a:fld id="{5303E370-D265-2C46-8068-DCA558B4929C}" type="datetimeFigureOut">
               <a:rPr lang="en-US" smtClean="0"/>
-              <a:t>10/26/22</a:t>
+              <a:t>10/8/23</a:t>
             </a:fld>
             <a:endParaRPr lang="en-US"/>
           </a:p>
@@ -1573,7 +1573,7 @@
           <a:p>
             <a:fld id="{5303E370-D265-2C46-8068-DCA558B4929C}" type="datetimeFigureOut">
               <a:rPr lang="en-US" smtClean="0"/>
-              <a:t>10/26/22</a:t>
+              <a:t>10/8/23</a:t>
             </a:fld>
             <a:endParaRPr lang="en-US"/>
           </a:p>
@@ -1838,7 +1838,7 @@
           <a:p>
             <a:fld id="{5303E370-D265-2C46-8068-DCA558B4929C}" type="datetimeFigureOut">
               <a:rPr lang="en-US" smtClean="0"/>
-              <a:t>10/26/22</a:t>
+              <a:t>10/8/23</a:t>
             </a:fld>
             <a:endParaRPr lang="en-US"/>
           </a:p>
@@ -2250,7 +2250,7 @@
           <a:p>
             <a:fld id="{5303E370-D265-2C46-8068-DCA558B4929C}" type="datetimeFigureOut">
               <a:rPr lang="en-US" smtClean="0"/>
-              <a:t>10/26/22</a:t>
+              <a:t>10/8/23</a:t>
             </a:fld>
             <a:endParaRPr lang="en-US"/>
           </a:p>
@@ -2391,7 +2391,7 @@
           <a:p>
             <a:fld id="{5303E370-D265-2C46-8068-DCA558B4929C}" type="datetimeFigureOut">
               <a:rPr lang="en-US" smtClean="0"/>
-              <a:t>10/26/22</a:t>
+              <a:t>10/8/23</a:t>
             </a:fld>
             <a:endParaRPr lang="en-US"/>
           </a:p>
@@ -2504,7 +2504,7 @@
           <a:p>
             <a:fld id="{5303E370-D265-2C46-8068-DCA558B4929C}" type="datetimeFigureOut">
               <a:rPr lang="en-US" smtClean="0"/>
-              <a:t>10/26/22</a:t>
+              <a:t>10/8/23</a:t>
             </a:fld>
             <a:endParaRPr lang="en-US"/>
           </a:p>
@@ -2815,7 +2815,7 @@
           <a:p>
             <a:fld id="{5303E370-D265-2C46-8068-DCA558B4929C}" type="datetimeFigureOut">
               <a:rPr lang="en-US" smtClean="0"/>
-              <a:t>10/26/22</a:t>
+              <a:t>10/8/23</a:t>
             </a:fld>
             <a:endParaRPr lang="en-US"/>
           </a:p>
@@ -3103,7 +3103,7 @@
           <a:p>
             <a:fld id="{5303E370-D265-2C46-8068-DCA558B4929C}" type="datetimeFigureOut">
               <a:rPr lang="en-US" smtClean="0"/>
-              <a:t>10/26/22</a:t>
+              <a:t>10/8/23</a:t>
             </a:fld>
             <a:endParaRPr lang="en-US"/>
           </a:p>
@@ -3344,7 +3344,7 @@
           <a:p>
             <a:fld id="{5303E370-D265-2C46-8068-DCA558B4929C}" type="datetimeFigureOut">
               <a:rPr lang="en-US" smtClean="0"/>
-              <a:t>10/26/22</a:t>
+              <a:t>10/8/23</a:t>
             </a:fld>
             <a:endParaRPr lang="en-US"/>
           </a:p>
@@ -6158,7 +6158,7 @@
         </p:nvSpPr>
         <p:spPr>
           <a:xfrm>
-            <a:off x="7762761" y="4435574"/>
+            <a:off x="7700848" y="3334337"/>
             <a:ext cx="1947873" cy="923330"/>
           </a:xfrm>
           <a:prstGeom prst="rect">
@@ -6194,7 +6194,7 @@
         </p:nvSpPr>
         <p:spPr>
           <a:xfrm>
-            <a:off x="5526391" y="3425991"/>
+            <a:off x="5561301" y="4445982"/>
             <a:ext cx="2025367" cy="923330"/>
           </a:xfrm>
           <a:prstGeom prst="rect">
@@ -6235,8 +6235,8 @@
         </p:nvSpPr>
         <p:spPr>
           <a:xfrm>
-            <a:off x="3915020" y="3564491"/>
-            <a:ext cx="1239271" cy="646331"/>
+            <a:off x="3816711" y="4584481"/>
+            <a:ext cx="1391414" cy="646331"/>
           </a:xfrm>
           <a:prstGeom prst="rect">
             <a:avLst/>
@@ -6252,7 +6252,7 @@
             <a:pPr algn="ctr"/>
             <a:r>
               <a:rPr lang="en-US" b="1" dirty="0"/>
-              <a:t>Hypothesis testing</a:t>
+              <a:t>Hypothesis focused</a:t>
             </a:r>
           </a:p>
         </p:txBody>
@@ -6271,8 +6271,8 @@
         </p:nvSpPr>
         <p:spPr>
           <a:xfrm>
-            <a:off x="3762876" y="4435574"/>
-            <a:ext cx="1543558" cy="923330"/>
+            <a:off x="3740639" y="3539589"/>
+            <a:ext cx="1543558" cy="646331"/>
           </a:xfrm>
           <a:prstGeom prst="rect">
             <a:avLst/>
@@ -6288,7 +6288,7 @@
             <a:pPr algn="ctr"/>
             <a:r>
               <a:rPr lang="en-US" b="1" dirty="0"/>
-              <a:t>Estimation with uncertainty</a:t>
+              <a:t>Measurement focused</a:t>
             </a:r>
           </a:p>
         </p:txBody>
@@ -6307,7 +6307,7 @@
         </p:nvSpPr>
         <p:spPr>
           <a:xfrm>
-            <a:off x="8073406" y="3702990"/>
+            <a:off x="8108316" y="4722981"/>
             <a:ext cx="1326582" cy="369332"/>
           </a:xfrm>
           <a:prstGeom prst="rect">
@@ -6342,7 +6342,7 @@
         </p:nvSpPr>
         <p:spPr>
           <a:xfrm>
-            <a:off x="5526391" y="4574074"/>
+            <a:off x="5464478" y="3472837"/>
             <a:ext cx="2025367" cy="646331"/>
           </a:xfrm>
           <a:prstGeom prst="rect">
